--- a/Slides/Lesson 5.1 Generalizing Similar Functions.pptx
+++ b/Slides/Lesson 5.1 Generalizing Similar Functions.pptx
@@ -244,7 +244,7 @@
             <a:fld id="{CF8F25F6-E1EF-4065-8525-42EDEBD9BD22}" type="datetimeFigureOut">
               <a:rPr lang="en-US" smtClean="0"/>
               <a:pPr/>
-              <a:t>8/29/2015</a:t>
+              <a:t>8/31/2016</a:t>
             </a:fld>
             <a:endParaRPr lang="en-US"/>
           </a:p>
@@ -310,38 +310,37 @@
           <a:p>
             <a:pPr lvl="0"/>
             <a:r>
-              <a:rPr lang="en-US" smtClean="0"/>
+              <a:rPr lang="en-US"/>
               <a:t>Click to edit Master text styles</a:t>
             </a:r>
           </a:p>
           <a:p>
             <a:pPr lvl="1"/>
             <a:r>
-              <a:rPr lang="en-US" smtClean="0"/>
+              <a:rPr lang="en-US"/>
               <a:t>Second level</a:t>
             </a:r>
           </a:p>
           <a:p>
             <a:pPr lvl="2"/>
             <a:r>
-              <a:rPr lang="en-US" smtClean="0"/>
+              <a:rPr lang="en-US"/>
               <a:t>Third level</a:t>
             </a:r>
           </a:p>
           <a:p>
             <a:pPr lvl="3"/>
             <a:r>
-              <a:rPr lang="en-US" smtClean="0"/>
+              <a:rPr lang="en-US"/>
               <a:t>Fourth level</a:t>
             </a:r>
           </a:p>
           <a:p>
             <a:pPr lvl="4"/>
             <a:r>
-              <a:rPr lang="en-US" smtClean="0"/>
+              <a:rPr lang="en-US"/>
               <a:t>Fifth level</a:t>
             </a:r>
-            <a:endParaRPr lang="en-US"/>
           </a:p>
         </p:txBody>
       </p:sp>
@@ -1832,10 +1831,9 @@
           <a:lstStyle/>
           <a:p>
             <a:r>
-              <a:rPr lang="en-US" smtClean="0"/>
+              <a:rPr lang="en-US"/>
               <a:t>Click to edit Master title style</a:t>
             </a:r>
-            <a:endParaRPr lang="en-US"/>
           </a:p>
         </p:txBody>
       </p:sp>
@@ -1951,10 +1949,9 @@
           </a:lstStyle>
           <a:p>
             <a:r>
-              <a:rPr lang="en-US" smtClean="0"/>
+              <a:rPr lang="en-US"/>
               <a:t>Click to edit Master subtitle style</a:t>
             </a:r>
-            <a:endParaRPr lang="en-US"/>
           </a:p>
         </p:txBody>
       </p:sp>
@@ -1975,7 +1972,7 @@
           <a:p>
             <a:fld id="{2F1F79F5-7BEC-496A-AFC7-876E38F64D71}" type="datetime1">
               <a:rPr lang="en-US" smtClean="0"/>
-              <a:t>8/29/2015</a:t>
+              <a:t>8/31/2016</a:t>
             </a:fld>
             <a:endParaRPr lang="en-US"/>
           </a:p>
@@ -2033,13 +2030,6 @@
   <p:clrMapOvr>
     <a:masterClrMapping/>
   </p:clrMapOvr>
-  <p:timing>
-    <p:tnLst>
-      <p:par>
-        <p:cTn id="1" dur="indefinite" restart="never" nodeType="tmRoot"/>
-      </p:par>
-    </p:tnLst>
-  </p:timing>
 </p:sldLayout>
 </file>
 
@@ -2077,7 +2067,7 @@
           <a:p>
             <a:fld id="{0A05703A-7669-4FEA-9056-25299B4D29D4}" type="datetime1">
               <a:rPr lang="en-US" smtClean="0"/>
-              <a:t>8/29/2015</a:t>
+              <a:t>8/31/2016</a:t>
             </a:fld>
             <a:endParaRPr lang="en-US"/>
           </a:p>
@@ -2180,10 +2170,9 @@
           </a:lstStyle>
           <a:p>
             <a:r>
-              <a:rPr lang="en-US" smtClean="0"/>
+              <a:rPr lang="en-US"/>
               <a:t>Click to edit Master title style</a:t>
             </a:r>
-            <a:endParaRPr lang="en-US"/>
           </a:p>
         </p:txBody>
       </p:sp>
@@ -2237,38 +2226,37 @@
           <a:p>
             <a:pPr lvl="0"/>
             <a:r>
-              <a:rPr lang="en-US" smtClean="0"/>
+              <a:rPr lang="en-US"/>
               <a:t>Click to edit Master text styles</a:t>
             </a:r>
           </a:p>
           <a:p>
             <a:pPr lvl="1"/>
             <a:r>
-              <a:rPr lang="en-US" smtClean="0"/>
+              <a:rPr lang="en-US"/>
               <a:t>Second level</a:t>
             </a:r>
           </a:p>
           <a:p>
             <a:pPr lvl="2"/>
             <a:r>
-              <a:rPr lang="en-US" smtClean="0"/>
+              <a:rPr lang="en-US"/>
               <a:t>Third level</a:t>
             </a:r>
           </a:p>
           <a:p>
             <a:pPr lvl="3"/>
             <a:r>
-              <a:rPr lang="en-US" smtClean="0"/>
+              <a:rPr lang="en-US"/>
               <a:t>Fourth level</a:t>
             </a:r>
           </a:p>
           <a:p>
             <a:pPr lvl="4"/>
             <a:r>
-              <a:rPr lang="en-US" smtClean="0"/>
+              <a:rPr lang="en-US"/>
               <a:t>Fifth level</a:t>
             </a:r>
-            <a:endParaRPr lang="en-US"/>
           </a:p>
         </p:txBody>
       </p:sp>
@@ -2331,7 +2319,7 @@
           <a:p>
             <a:pPr lvl="0"/>
             <a:r>
-              <a:rPr lang="en-US" smtClean="0"/>
+              <a:rPr lang="en-US"/>
               <a:t>Click to edit Master text styles</a:t>
             </a:r>
           </a:p>
@@ -2354,7 +2342,7 @@
           <a:p>
             <a:fld id="{6E5077B5-BB57-49DB-88CA-226A139E5C01}" type="datetime1">
               <a:rPr lang="en-US" smtClean="0"/>
-              <a:t>8/29/2015</a:t>
+              <a:t>8/31/2016</a:t>
             </a:fld>
             <a:endParaRPr lang="en-US"/>
           </a:p>
@@ -2457,10 +2445,9 @@
           </a:lstStyle>
           <a:p>
             <a:r>
-              <a:rPr lang="en-US" smtClean="0"/>
+              <a:rPr lang="en-US"/>
               <a:t>Click to edit Master title style</a:t>
             </a:r>
-            <a:endParaRPr lang="en-US"/>
           </a:p>
         </p:txBody>
       </p:sp>
@@ -2584,7 +2571,7 @@
           <a:p>
             <a:pPr lvl="0"/>
             <a:r>
-              <a:rPr lang="en-US" smtClean="0"/>
+              <a:rPr lang="en-US"/>
               <a:t>Click to edit Master text styles</a:t>
             </a:r>
           </a:p>
@@ -2607,7 +2594,7 @@
           <a:p>
             <a:fld id="{C48D9447-CBD6-49A1-89FD-8512A8CF8999}" type="datetime1">
               <a:rPr lang="en-US" smtClean="0"/>
-              <a:t>8/29/2015</a:t>
+              <a:t>8/31/2016</a:t>
             </a:fld>
             <a:endParaRPr lang="en-US"/>
           </a:p>
@@ -2701,10 +2688,9 @@
           <a:lstStyle/>
           <a:p>
             <a:r>
-              <a:rPr lang="en-US" smtClean="0"/>
+              <a:rPr lang="en-US"/>
               <a:t>Click to edit Master title style</a:t>
             </a:r>
-            <a:endParaRPr lang="en-US"/>
           </a:p>
         </p:txBody>
       </p:sp>
@@ -2725,38 +2711,37 @@
           <a:p>
             <a:pPr lvl="0"/>
             <a:r>
-              <a:rPr lang="en-US" smtClean="0"/>
+              <a:rPr lang="en-US"/>
               <a:t>Click to edit Master text styles</a:t>
             </a:r>
           </a:p>
           <a:p>
             <a:pPr lvl="1"/>
             <a:r>
-              <a:rPr lang="en-US" smtClean="0"/>
+              <a:rPr lang="en-US"/>
               <a:t>Second level</a:t>
             </a:r>
           </a:p>
           <a:p>
             <a:pPr lvl="2"/>
             <a:r>
-              <a:rPr lang="en-US" smtClean="0"/>
+              <a:rPr lang="en-US"/>
               <a:t>Third level</a:t>
             </a:r>
           </a:p>
           <a:p>
             <a:pPr lvl="3"/>
             <a:r>
-              <a:rPr lang="en-US" smtClean="0"/>
+              <a:rPr lang="en-US"/>
               <a:t>Fourth level</a:t>
             </a:r>
           </a:p>
           <a:p>
             <a:pPr lvl="4"/>
             <a:r>
-              <a:rPr lang="en-US" smtClean="0"/>
+              <a:rPr lang="en-US"/>
               <a:t>Fifth level</a:t>
             </a:r>
-            <a:endParaRPr lang="en-US"/>
           </a:p>
         </p:txBody>
       </p:sp>
@@ -2777,7 +2762,7 @@
           <a:p>
             <a:fld id="{A3639A2A-823D-48B7-9ACE-7FAF42870BA9}" type="datetime1">
               <a:rPr lang="en-US" smtClean="0"/>
-              <a:t>8/29/2015</a:t>
+              <a:t>8/31/2016</a:t>
             </a:fld>
             <a:endParaRPr lang="en-US"/>
           </a:p>
@@ -2876,10 +2861,9 @@
           <a:lstStyle/>
           <a:p>
             <a:r>
-              <a:rPr lang="en-US" smtClean="0"/>
+              <a:rPr lang="en-US"/>
               <a:t>Click to edit Master title style</a:t>
             </a:r>
-            <a:endParaRPr lang="en-US"/>
           </a:p>
         </p:txBody>
       </p:sp>
@@ -2905,38 +2889,37 @@
           <a:p>
             <a:pPr lvl="0"/>
             <a:r>
-              <a:rPr lang="en-US" smtClean="0"/>
+              <a:rPr lang="en-US"/>
               <a:t>Click to edit Master text styles</a:t>
             </a:r>
           </a:p>
           <a:p>
             <a:pPr lvl="1"/>
             <a:r>
-              <a:rPr lang="en-US" smtClean="0"/>
+              <a:rPr lang="en-US"/>
               <a:t>Second level</a:t>
             </a:r>
           </a:p>
           <a:p>
             <a:pPr lvl="2"/>
             <a:r>
-              <a:rPr lang="en-US" smtClean="0"/>
+              <a:rPr lang="en-US"/>
               <a:t>Third level</a:t>
             </a:r>
           </a:p>
           <a:p>
             <a:pPr lvl="3"/>
             <a:r>
-              <a:rPr lang="en-US" smtClean="0"/>
+              <a:rPr lang="en-US"/>
               <a:t>Fourth level</a:t>
             </a:r>
           </a:p>
           <a:p>
             <a:pPr lvl="4"/>
             <a:r>
-              <a:rPr lang="en-US" smtClean="0"/>
+              <a:rPr lang="en-US"/>
               <a:t>Fifth level</a:t>
             </a:r>
-            <a:endParaRPr lang="en-US"/>
           </a:p>
         </p:txBody>
       </p:sp>
@@ -2957,7 +2940,7 @@
           <a:p>
             <a:fld id="{ED1B6996-82E9-463C-972C-7B56056E426C}" type="datetime1">
               <a:rPr lang="en-US" smtClean="0"/>
-              <a:t>8/29/2015</a:t>
+              <a:t>8/31/2016</a:t>
             </a:fld>
             <a:endParaRPr lang="en-US"/>
           </a:p>
@@ -3015,13 +2998,6 @@
   <p:clrMapOvr>
     <a:masterClrMapping/>
   </p:clrMapOvr>
-  <p:timing>
-    <p:tnLst>
-      <p:par>
-        <p:cTn id="1" dur="indefinite" restart="never" nodeType="tmRoot"/>
-      </p:par>
-    </p:tnLst>
-  </p:timing>
 </p:sldLayout>
 </file>
 
@@ -3064,10 +3040,9 @@
           <a:lstStyle/>
           <a:p>
             <a:r>
-              <a:rPr lang="en-US" dirty="0" smtClean="0"/>
+              <a:rPr lang="en-US" dirty="0"/>
               <a:t>Click to edit Master title style</a:t>
             </a:r>
-            <a:endParaRPr lang="en-US" dirty="0"/>
           </a:p>
         </p:txBody>
       </p:sp>
@@ -3088,38 +3063,37 @@
           <a:p>
             <a:pPr lvl="0"/>
             <a:r>
-              <a:rPr lang="en-US" smtClean="0"/>
+              <a:rPr lang="en-US"/>
               <a:t>Click to edit Master text styles</a:t>
             </a:r>
           </a:p>
           <a:p>
             <a:pPr lvl="1"/>
             <a:r>
-              <a:rPr lang="en-US" smtClean="0"/>
+              <a:rPr lang="en-US"/>
               <a:t>Second level</a:t>
             </a:r>
           </a:p>
           <a:p>
             <a:pPr lvl="2"/>
             <a:r>
-              <a:rPr lang="en-US" smtClean="0"/>
+              <a:rPr lang="en-US"/>
               <a:t>Third level</a:t>
             </a:r>
           </a:p>
           <a:p>
             <a:pPr lvl="3"/>
             <a:r>
-              <a:rPr lang="en-US" smtClean="0"/>
+              <a:rPr lang="en-US"/>
               <a:t>Fourth level</a:t>
             </a:r>
           </a:p>
           <a:p>
             <a:pPr lvl="4"/>
             <a:r>
-              <a:rPr lang="en-US" smtClean="0"/>
+              <a:rPr lang="en-US"/>
               <a:t>Fifth level</a:t>
             </a:r>
-            <a:endParaRPr lang="en-US"/>
           </a:p>
         </p:txBody>
       </p:sp>
@@ -3140,7 +3114,7 @@
           <a:p>
             <a:fld id="{E22ED4DA-448D-4BB1-B935-CC112220207B}" type="datetime1">
               <a:rPr lang="en-US" smtClean="0"/>
-              <a:t>8/29/2015</a:t>
+              <a:t>8/31/2016</a:t>
             </a:fld>
             <a:endParaRPr lang="en-US"/>
           </a:p>
@@ -3198,13 +3172,6 @@
   <p:clrMapOvr>
     <a:masterClrMapping/>
   </p:clrMapOvr>
-  <p:timing>
-    <p:tnLst>
-      <p:par>
-        <p:cTn id="1" dur="indefinite" restart="never" nodeType="tmRoot"/>
-      </p:par>
-    </p:tnLst>
-  </p:timing>
 </p:sldLayout>
 </file>
 
@@ -3241,10 +3208,9 @@
           <a:lstStyle/>
           <a:p>
             <a:r>
-              <a:rPr lang="en-US" smtClean="0"/>
+              <a:rPr lang="en-US"/>
               <a:t>Click to edit Master title style</a:t>
             </a:r>
-            <a:endParaRPr lang="en-US"/>
           </a:p>
         </p:txBody>
       </p:sp>
@@ -3270,38 +3236,37 @@
           <a:p>
             <a:pPr lvl="0"/>
             <a:r>
-              <a:rPr lang="en-US" dirty="0" smtClean="0"/>
+              <a:rPr lang="en-US" dirty="0"/>
               <a:t>Click to edit Master text styles</a:t>
             </a:r>
           </a:p>
           <a:p>
             <a:pPr lvl="1"/>
             <a:r>
-              <a:rPr lang="en-US" dirty="0" smtClean="0"/>
+              <a:rPr lang="en-US" dirty="0"/>
               <a:t>Second level</a:t>
             </a:r>
           </a:p>
           <a:p>
             <a:pPr lvl="2"/>
             <a:r>
-              <a:rPr lang="en-US" dirty="0" smtClean="0"/>
+              <a:rPr lang="en-US" dirty="0"/>
               <a:t>Third level</a:t>
             </a:r>
           </a:p>
           <a:p>
             <a:pPr lvl="3"/>
             <a:r>
-              <a:rPr lang="en-US" dirty="0" smtClean="0"/>
+              <a:rPr lang="en-US" dirty="0"/>
               <a:t>Fourth level</a:t>
             </a:r>
           </a:p>
           <a:p>
             <a:pPr lvl="4"/>
             <a:r>
-              <a:rPr lang="en-US" dirty="0" smtClean="0"/>
+              <a:rPr lang="en-US" dirty="0"/>
               <a:t>Fifth level</a:t>
             </a:r>
-            <a:endParaRPr lang="en-US" dirty="0"/>
           </a:p>
         </p:txBody>
       </p:sp>
@@ -3322,7 +3287,7 @@
           <a:p>
             <a:fld id="{E22ED4DA-448D-4BB1-B935-CC112220207B}" type="datetime1">
               <a:rPr lang="en-US" smtClean="0"/>
-              <a:t>8/29/2015</a:t>
+              <a:t>8/31/2016</a:t>
             </a:fld>
             <a:endParaRPr lang="en-US"/>
           </a:p>
@@ -3412,7 +3377,7 @@
           <a:lstStyle/>
           <a:p>
             <a:pPr algn="ctr"/>
-            <a:endParaRPr lang="en-US" dirty="0" smtClean="0">
+            <a:endParaRPr lang="en-US" dirty="0">
               <a:solidFill>
                 <a:schemeClr val="tx1"/>
               </a:solidFill>
@@ -3443,11 +3408,11 @@
           <a:lstStyle/>
           <a:p>
             <a:r>
-              <a:rPr lang="en-US" dirty="0" smtClean="0"/>
+              <a:rPr lang="en-US" dirty="0"/>
               <a:t>Resize video to this</a:t>
             </a:r>
             <a:r>
-              <a:rPr lang="en-US" baseline="0" dirty="0" smtClean="0"/>
+              <a:rPr lang="en-US" baseline="0" dirty="0"/>
               <a:t> box.</a:t>
             </a:r>
             <a:endParaRPr lang="en-US" dirty="0"/>
@@ -3464,13 +3429,6 @@
   <p:clrMapOvr>
     <a:masterClrMapping/>
   </p:clrMapOvr>
-  <p:timing>
-    <p:tnLst>
-      <p:par>
-        <p:cTn id="1" dur="indefinite" restart="never" nodeType="tmRoot"/>
-      </p:par>
-    </p:tnLst>
-  </p:timing>
 </p:sldLayout>
 </file>
 
@@ -3507,10 +3465,9 @@
           <a:lstStyle/>
           <a:p>
             <a:r>
-              <a:rPr lang="en-US" smtClean="0"/>
+              <a:rPr lang="en-US"/>
               <a:t>Click to edit Master title style</a:t>
             </a:r>
-            <a:endParaRPr lang="en-US"/>
           </a:p>
         </p:txBody>
       </p:sp>
@@ -3539,38 +3496,37 @@
           <a:p>
             <a:pPr lvl="0"/>
             <a:r>
-              <a:rPr lang="en-US" dirty="0" smtClean="0"/>
+              <a:rPr lang="en-US" dirty="0"/>
               <a:t>Click to edit Master text styles</a:t>
             </a:r>
           </a:p>
           <a:p>
             <a:pPr lvl="1"/>
             <a:r>
-              <a:rPr lang="en-US" dirty="0" smtClean="0"/>
+              <a:rPr lang="en-US" dirty="0"/>
               <a:t>Second level</a:t>
             </a:r>
           </a:p>
           <a:p>
             <a:pPr lvl="2"/>
             <a:r>
-              <a:rPr lang="en-US" dirty="0" smtClean="0"/>
+              <a:rPr lang="en-US" dirty="0"/>
               <a:t>Third level</a:t>
             </a:r>
           </a:p>
           <a:p>
             <a:pPr lvl="3"/>
             <a:r>
-              <a:rPr lang="en-US" dirty="0" smtClean="0"/>
+              <a:rPr lang="en-US" dirty="0"/>
               <a:t>Fourth level</a:t>
             </a:r>
           </a:p>
           <a:p>
             <a:pPr lvl="4"/>
             <a:r>
-              <a:rPr lang="en-US" dirty="0" smtClean="0"/>
+              <a:rPr lang="en-US" dirty="0"/>
               <a:t>Fifth level</a:t>
             </a:r>
-            <a:endParaRPr lang="en-US" dirty="0"/>
           </a:p>
         </p:txBody>
       </p:sp>
@@ -3591,7 +3547,7 @@
           <a:p>
             <a:fld id="{FF5D65A6-AB94-4435-B0B7-3743215FA46C}" type="datetime1">
               <a:rPr lang="en-US" smtClean="0"/>
-              <a:t>8/29/2015</a:t>
+              <a:t>8/31/2016</a:t>
             </a:fld>
             <a:endParaRPr lang="en-US"/>
           </a:p>
@@ -3649,13 +3605,6 @@
   <p:clrMapOvr>
     <a:masterClrMapping/>
   </p:clrMapOvr>
-  <p:timing>
-    <p:tnLst>
-      <p:par>
-        <p:cTn id="1" dur="indefinite" restart="never" nodeType="tmRoot"/>
-      </p:par>
-    </p:tnLst>
-  </p:timing>
 </p:sldLayout>
 </file>
 
@@ -3692,10 +3641,9 @@
           <a:lstStyle/>
           <a:p>
             <a:r>
-              <a:rPr lang="en-US" smtClean="0"/>
+              <a:rPr lang="en-US"/>
               <a:t>Click to edit Master title style</a:t>
             </a:r>
-            <a:endParaRPr lang="en-US"/>
           </a:p>
         </p:txBody>
       </p:sp>
@@ -3724,38 +3672,37 @@
           <a:p>
             <a:pPr lvl="0"/>
             <a:r>
-              <a:rPr lang="en-US" dirty="0" smtClean="0"/>
+              <a:rPr lang="en-US" dirty="0"/>
               <a:t>Click to edit Master text styles</a:t>
             </a:r>
           </a:p>
           <a:p>
             <a:pPr lvl="1"/>
             <a:r>
-              <a:rPr lang="en-US" dirty="0" smtClean="0"/>
+              <a:rPr lang="en-US" dirty="0"/>
               <a:t>Second level</a:t>
             </a:r>
           </a:p>
           <a:p>
             <a:pPr lvl="2"/>
             <a:r>
-              <a:rPr lang="en-US" dirty="0" smtClean="0"/>
+              <a:rPr lang="en-US" dirty="0"/>
               <a:t>Third level</a:t>
             </a:r>
           </a:p>
           <a:p>
             <a:pPr lvl="3"/>
             <a:r>
-              <a:rPr lang="en-US" dirty="0" smtClean="0"/>
+              <a:rPr lang="en-US" dirty="0"/>
               <a:t>Fourth level</a:t>
             </a:r>
           </a:p>
           <a:p>
             <a:pPr lvl="4"/>
             <a:r>
-              <a:rPr lang="en-US" dirty="0" smtClean="0"/>
+              <a:rPr lang="en-US" dirty="0"/>
               <a:t>Fifth level</a:t>
             </a:r>
-            <a:endParaRPr lang="en-US" dirty="0"/>
           </a:p>
         </p:txBody>
       </p:sp>
@@ -3776,7 +3723,7 @@
           <a:p>
             <a:fld id="{FF5D65A6-AB94-4435-B0B7-3743215FA46C}" type="datetime1">
               <a:rPr lang="en-US" smtClean="0"/>
-              <a:t>8/29/2015</a:t>
+              <a:t>8/31/2016</a:t>
             </a:fld>
             <a:endParaRPr lang="en-US"/>
           </a:p>
@@ -3883,13 +3830,6 @@
   <p:clrMapOvr>
     <a:masterClrMapping/>
   </p:clrMapOvr>
-  <p:timing>
-    <p:tnLst>
-      <p:par>
-        <p:cTn id="1" dur="indefinite" restart="never" nodeType="tmRoot"/>
-      </p:par>
-    </p:tnLst>
-  </p:timing>
 </p:sldLayout>
 </file>
 
@@ -3935,10 +3875,9 @@
           </a:lstStyle>
           <a:p>
             <a:r>
-              <a:rPr lang="en-US" smtClean="0"/>
+              <a:rPr lang="en-US"/>
               <a:t>Click to edit Master title style</a:t>
             </a:r>
-            <a:endParaRPr lang="en-US"/>
           </a:p>
         </p:txBody>
       </p:sp>
@@ -4055,7 +3994,7 @@
           <a:p>
             <a:pPr lvl="0"/>
             <a:r>
-              <a:rPr lang="en-US" smtClean="0"/>
+              <a:rPr lang="en-US"/>
               <a:t>Click to edit Master text styles</a:t>
             </a:r>
           </a:p>
@@ -4078,7 +4017,7 @@
           <a:p>
             <a:fld id="{7C193DC4-6EF0-48C9-B29C-616106A645E1}" type="datetime1">
               <a:rPr lang="en-US" smtClean="0"/>
-              <a:t>8/29/2015</a:t>
+              <a:t>8/31/2016</a:t>
             </a:fld>
             <a:endParaRPr lang="en-US"/>
           </a:p>
@@ -4172,10 +4111,9 @@
           <a:lstStyle/>
           <a:p>
             <a:r>
-              <a:rPr lang="en-US" smtClean="0"/>
+              <a:rPr lang="en-US"/>
               <a:t>Click to edit Master title style</a:t>
             </a:r>
-            <a:endParaRPr lang="en-US"/>
           </a:p>
         </p:txBody>
       </p:sp>
@@ -4229,38 +4167,37 @@
           <a:p>
             <a:pPr lvl="0"/>
             <a:r>
-              <a:rPr lang="en-US" smtClean="0"/>
+              <a:rPr lang="en-US"/>
               <a:t>Click to edit Master text styles</a:t>
             </a:r>
           </a:p>
           <a:p>
             <a:pPr lvl="1"/>
             <a:r>
-              <a:rPr lang="en-US" smtClean="0"/>
+              <a:rPr lang="en-US"/>
               <a:t>Second level</a:t>
             </a:r>
           </a:p>
           <a:p>
             <a:pPr lvl="2"/>
             <a:r>
-              <a:rPr lang="en-US" smtClean="0"/>
+              <a:rPr lang="en-US"/>
               <a:t>Third level</a:t>
             </a:r>
           </a:p>
           <a:p>
             <a:pPr lvl="3"/>
             <a:r>
-              <a:rPr lang="en-US" smtClean="0"/>
+              <a:rPr lang="en-US"/>
               <a:t>Fourth level</a:t>
             </a:r>
           </a:p>
           <a:p>
             <a:pPr lvl="4"/>
             <a:r>
-              <a:rPr lang="en-US" smtClean="0"/>
+              <a:rPr lang="en-US"/>
               <a:t>Fifth level</a:t>
             </a:r>
-            <a:endParaRPr lang="en-US"/>
           </a:p>
         </p:txBody>
       </p:sp>
@@ -4314,38 +4251,37 @@
           <a:p>
             <a:pPr lvl="0"/>
             <a:r>
-              <a:rPr lang="en-US" smtClean="0"/>
+              <a:rPr lang="en-US"/>
               <a:t>Click to edit Master text styles</a:t>
             </a:r>
           </a:p>
           <a:p>
             <a:pPr lvl="1"/>
             <a:r>
-              <a:rPr lang="en-US" smtClean="0"/>
+              <a:rPr lang="en-US"/>
               <a:t>Second level</a:t>
             </a:r>
           </a:p>
           <a:p>
             <a:pPr lvl="2"/>
             <a:r>
-              <a:rPr lang="en-US" smtClean="0"/>
+              <a:rPr lang="en-US"/>
               <a:t>Third level</a:t>
             </a:r>
           </a:p>
           <a:p>
             <a:pPr lvl="3"/>
             <a:r>
-              <a:rPr lang="en-US" smtClean="0"/>
+              <a:rPr lang="en-US"/>
               <a:t>Fourth level</a:t>
             </a:r>
           </a:p>
           <a:p>
             <a:pPr lvl="4"/>
             <a:r>
-              <a:rPr lang="en-US" smtClean="0"/>
+              <a:rPr lang="en-US"/>
               <a:t>Fifth level</a:t>
             </a:r>
-            <a:endParaRPr lang="en-US"/>
           </a:p>
         </p:txBody>
       </p:sp>
@@ -4366,7 +4302,7 @@
           <a:p>
             <a:fld id="{5D1846AD-9252-4647-9435-4C2AC365653A}" type="datetime1">
               <a:rPr lang="en-US" smtClean="0"/>
-              <a:t>8/29/2015</a:t>
+              <a:t>8/31/2016</a:t>
             </a:fld>
             <a:endParaRPr lang="en-US"/>
           </a:p>
@@ -4464,10 +4400,9 @@
           </a:lstStyle>
           <a:p>
             <a:r>
-              <a:rPr lang="en-US" smtClean="0"/>
+              <a:rPr lang="en-US"/>
               <a:t>Click to edit Master title style</a:t>
             </a:r>
-            <a:endParaRPr lang="en-US"/>
           </a:p>
         </p:txBody>
       </p:sp>
@@ -4530,7 +4465,7 @@
           <a:p>
             <a:pPr lvl="0"/>
             <a:r>
-              <a:rPr lang="en-US" smtClean="0"/>
+              <a:rPr lang="en-US"/>
               <a:t>Click to edit Master text styles</a:t>
             </a:r>
           </a:p>
@@ -4586,38 +4521,37 @@
           <a:p>
             <a:pPr lvl="0"/>
             <a:r>
-              <a:rPr lang="en-US" smtClean="0"/>
+              <a:rPr lang="en-US"/>
               <a:t>Click to edit Master text styles</a:t>
             </a:r>
           </a:p>
           <a:p>
             <a:pPr lvl="1"/>
             <a:r>
-              <a:rPr lang="en-US" smtClean="0"/>
+              <a:rPr lang="en-US"/>
               <a:t>Second level</a:t>
             </a:r>
           </a:p>
           <a:p>
             <a:pPr lvl="2"/>
             <a:r>
-              <a:rPr lang="en-US" smtClean="0"/>
+              <a:rPr lang="en-US"/>
               <a:t>Third level</a:t>
             </a:r>
           </a:p>
           <a:p>
             <a:pPr lvl="3"/>
             <a:r>
-              <a:rPr lang="en-US" smtClean="0"/>
+              <a:rPr lang="en-US"/>
               <a:t>Fourth level</a:t>
             </a:r>
           </a:p>
           <a:p>
             <a:pPr lvl="4"/>
             <a:r>
-              <a:rPr lang="en-US" smtClean="0"/>
+              <a:rPr lang="en-US"/>
               <a:t>Fifth level</a:t>
             </a:r>
-            <a:endParaRPr lang="en-US"/>
           </a:p>
         </p:txBody>
       </p:sp>
@@ -4680,7 +4614,7 @@
           <a:p>
             <a:pPr lvl="0"/>
             <a:r>
-              <a:rPr lang="en-US" smtClean="0"/>
+              <a:rPr lang="en-US"/>
               <a:t>Click to edit Master text styles</a:t>
             </a:r>
           </a:p>
@@ -4736,38 +4670,37 @@
           <a:p>
             <a:pPr lvl="0"/>
             <a:r>
-              <a:rPr lang="en-US" smtClean="0"/>
+              <a:rPr lang="en-US"/>
               <a:t>Click to edit Master text styles</a:t>
             </a:r>
           </a:p>
           <a:p>
             <a:pPr lvl="1"/>
             <a:r>
-              <a:rPr lang="en-US" smtClean="0"/>
+              <a:rPr lang="en-US"/>
               <a:t>Second level</a:t>
             </a:r>
           </a:p>
           <a:p>
             <a:pPr lvl="2"/>
             <a:r>
-              <a:rPr lang="en-US" smtClean="0"/>
+              <a:rPr lang="en-US"/>
               <a:t>Third level</a:t>
             </a:r>
           </a:p>
           <a:p>
             <a:pPr lvl="3"/>
             <a:r>
-              <a:rPr lang="en-US" smtClean="0"/>
+              <a:rPr lang="en-US"/>
               <a:t>Fourth level</a:t>
             </a:r>
           </a:p>
           <a:p>
             <a:pPr lvl="4"/>
             <a:r>
-              <a:rPr lang="en-US" smtClean="0"/>
+              <a:rPr lang="en-US"/>
               <a:t>Fifth level</a:t>
             </a:r>
-            <a:endParaRPr lang="en-US"/>
           </a:p>
         </p:txBody>
       </p:sp>
@@ -4788,7 +4721,7 @@
           <a:p>
             <a:fld id="{CE56DC10-3561-4063-A6AF-C1CC7A41040A}" type="datetime1">
               <a:rPr lang="en-US" smtClean="0"/>
-              <a:t>8/29/2015</a:t>
+              <a:t>8/31/2016</a:t>
             </a:fld>
             <a:endParaRPr lang="en-US"/>
           </a:p>
@@ -4882,10 +4815,9 @@
           <a:lstStyle/>
           <a:p>
             <a:r>
-              <a:rPr lang="en-US" smtClean="0"/>
+              <a:rPr lang="en-US"/>
               <a:t>Click to edit Master title style</a:t>
             </a:r>
-            <a:endParaRPr lang="en-US"/>
           </a:p>
         </p:txBody>
       </p:sp>
@@ -4906,7 +4838,7 @@
           <a:p>
             <a:fld id="{2F7B77F5-1464-4F6B-92A8-64FC8A508293}" type="datetime1">
               <a:rPr lang="en-US" smtClean="0"/>
-              <a:t>8/29/2015</a:t>
+              <a:t>8/31/2016</a:t>
             </a:fld>
             <a:endParaRPr lang="en-US"/>
           </a:p>
@@ -4964,13 +4896,6 @@
   <p:clrMapOvr>
     <a:masterClrMapping/>
   </p:clrMapOvr>
-  <p:timing>
-    <p:tnLst>
-      <p:par>
-        <p:cTn id="1" dur="indefinite" restart="never" nodeType="tmRoot"/>
-      </p:par>
-    </p:tnLst>
-  </p:timing>
 </p:sldLayout>
 </file>
 
@@ -5034,10 +4959,9 @@
           <a:lstStyle/>
           <a:p>
             <a:r>
-              <a:rPr lang="en-US" smtClean="0"/>
+              <a:rPr lang="en-US"/>
               <a:t>Click to edit Master title style</a:t>
             </a:r>
-            <a:endParaRPr lang="en-US"/>
           </a:p>
         </p:txBody>
       </p:sp>
@@ -5068,38 +4992,37 @@
           <a:p>
             <a:pPr lvl="0"/>
             <a:r>
-              <a:rPr lang="en-US" smtClean="0"/>
+              <a:rPr lang="en-US"/>
               <a:t>Click to edit Master text styles</a:t>
             </a:r>
           </a:p>
           <a:p>
             <a:pPr lvl="1"/>
             <a:r>
-              <a:rPr lang="en-US" smtClean="0"/>
+              <a:rPr lang="en-US"/>
               <a:t>Second level</a:t>
             </a:r>
           </a:p>
           <a:p>
             <a:pPr lvl="2"/>
             <a:r>
-              <a:rPr lang="en-US" smtClean="0"/>
+              <a:rPr lang="en-US"/>
               <a:t>Third level</a:t>
             </a:r>
           </a:p>
           <a:p>
             <a:pPr lvl="3"/>
             <a:r>
-              <a:rPr lang="en-US" smtClean="0"/>
+              <a:rPr lang="en-US"/>
               <a:t>Fourth level</a:t>
             </a:r>
           </a:p>
           <a:p>
             <a:pPr lvl="4"/>
             <a:r>
-              <a:rPr lang="en-US" smtClean="0"/>
+              <a:rPr lang="en-US"/>
               <a:t>Fifth level</a:t>
             </a:r>
-            <a:endParaRPr lang="en-US"/>
           </a:p>
         </p:txBody>
       </p:sp>
@@ -5138,7 +5061,7 @@
           <a:p>
             <a:fld id="{02B3F677-983B-48DB-ADFD-63FE6CBC7FB2}" type="datetime1">
               <a:rPr lang="en-US" smtClean="0"/>
-              <a:t>8/29/2015</a:t>
+              <a:t>8/31/2016</a:t>
             </a:fld>
             <a:endParaRPr lang="en-US"/>
           </a:p>
@@ -5246,13 +5169,6 @@
     <p:sldLayoutId id="2147483674" r:id="rId13"/>
     <p:sldLayoutId id="2147483675" r:id="rId14"/>
   </p:sldLayoutIdLst>
-  <p:timing>
-    <p:tnLst>
-      <p:par>
-        <p:cTn id="1" dur="indefinite" restart="never" nodeType="tmRoot"/>
-      </p:par>
-    </p:tnLst>
-  </p:timing>
   <p:hf hdr="0" ftr="0" dt="0"/>
   <p:txStyles>
     <p:titleStyle>
@@ -5540,49 +5456,48 @@
           <a:lstStyle/>
           <a:p>
             <a:r>
-              <a:rPr lang="en-US" dirty="0" smtClean="0"/>
+              <a:rPr lang="en-US" dirty="0"/>
               <a:t>Generalizing Similar Functions</a:t>
             </a:r>
+          </a:p>
+        </p:txBody>
+      </p:sp>
+      <p:sp>
+        <p:nvSpPr>
+          <p:cNvPr id="3" name="Subtitle 2"/>
+          <p:cNvSpPr>
+            <a:spLocks noGrp="1"/>
+          </p:cNvSpPr>
+          <p:nvPr>
+            <p:ph type="subTitle" idx="1"/>
+          </p:nvPr>
+        </p:nvSpPr>
+        <p:spPr/>
+        <p:txBody>
+          <a:bodyPr/>
+          <a:lstStyle/>
+          <a:p>
+            <a:r>
+              <a:rPr lang="en-US" dirty="0"/>
+              <a:t>CS 5010 Program Design Paradigms “</a:t>
+            </a:r>
+            <a:r>
+              <a:rPr lang="en-US" dirty="0" err="1"/>
+              <a:t>Bootcamp</a:t>
+            </a:r>
+            <a:r>
+              <a:rPr lang="en-US" dirty="0"/>
+              <a:t>”</a:t>
+            </a:r>
+          </a:p>
+          <a:p>
+            <a:r>
+              <a:rPr lang="en-US" dirty="0"/>
+              <a:t>Lesson 5.1</a:t>
+            </a:r>
+          </a:p>
+          <a:p>
             <a:endParaRPr lang="en-US" dirty="0"/>
-          </a:p>
-        </p:txBody>
-      </p:sp>
-      <p:sp>
-        <p:nvSpPr>
-          <p:cNvPr id="3" name="Subtitle 2"/>
-          <p:cNvSpPr>
-            <a:spLocks noGrp="1"/>
-          </p:cNvSpPr>
-          <p:nvPr>
-            <p:ph type="subTitle" idx="1"/>
-          </p:nvPr>
-        </p:nvSpPr>
-        <p:spPr/>
-        <p:txBody>
-          <a:bodyPr/>
-          <a:lstStyle/>
-          <a:p>
-            <a:r>
-              <a:rPr lang="en-US" dirty="0" smtClean="0"/>
-              <a:t>CS 5010 Program Design Paradigms “</a:t>
-            </a:r>
-            <a:r>
-              <a:rPr lang="en-US" dirty="0" err="1" smtClean="0"/>
-              <a:t>Bootcamp</a:t>
-            </a:r>
-            <a:r>
-              <a:rPr lang="en-US" dirty="0" smtClean="0"/>
-              <a:t>”</a:t>
-            </a:r>
-          </a:p>
-          <a:p>
-            <a:r>
-              <a:rPr lang="en-US" dirty="0" smtClean="0"/>
-              <a:t>Lesson 5.1</a:t>
-            </a:r>
-          </a:p>
-          <a:p>
-            <a:endParaRPr lang="en-US" dirty="0" smtClean="0"/>
           </a:p>
           <a:p>
             <a:endParaRPr lang="en-US" dirty="0"/>
@@ -5640,29 +5555,29 @@
           <a:lstStyle/>
           <a:p>
             <a:r>
-              <a:rPr lang="en-US" smtClean="0"/>
+              <a:rPr lang="en-US"/>
               <a:t>TexPoint fonts used in EMF. </a:t>
             </a:r>
           </a:p>
           <a:p>
             <a:r>
-              <a:rPr lang="en-US" smtClean="0"/>
+              <a:rPr lang="en-US"/>
               <a:t>Read the TexPoint manual before you delete this box.: </a:t>
             </a:r>
             <a:r>
-              <a:rPr lang="en-US" smtClean="0">
+              <a:rPr lang="en-US">
                 <a:latin typeface="CMMI10"/>
               </a:rPr>
               <a:t>A</a:t>
             </a:r>
             <a:r>
-              <a:rPr lang="en-US" smtClean="0">
+              <a:rPr lang="en-US">
                 <a:latin typeface="CMR10"/>
               </a:rPr>
               <a:t>A</a:t>
             </a:r>
             <a:r>
-              <a:rPr lang="en-US" smtClean="0">
+              <a:rPr lang="en-US">
                 <a:latin typeface="CMSY10ORIG"/>
               </a:rPr>
               <a:t>A</a:t>
@@ -5739,27 +5654,13 @@
             <a:p>
               <a:r>
                 <a:rPr lang="en-US" sz="1000" dirty="0"/>
-                <a:t>© Mitchell Wand, </a:t>
-              </a:r>
-              <a:r>
-                <a:rPr lang="en-US" sz="1000" dirty="0" smtClean="0"/>
-                <a:t>2012-2015</a:t>
+                <a:t>© Mitchell Wand, 2012-2015</a:t>
               </a:r>
             </a:p>
             <a:p>
               <a:r>
-                <a:rPr lang="en-US" sz="1000" dirty="0" smtClean="0"/>
+                <a:rPr lang="en-US" sz="1000" dirty="0"/>
                 <a:t>This work is licensed under a </a:t>
-              </a:r>
-              <a:r>
-                <a:rPr lang="en-US" altLang="en-US" sz="1000" dirty="0" smtClean="0">
-                  <a:solidFill>
-                    <a:srgbClr val="4374B7"/>
-                  </a:solidFill>
-                  <a:latin typeface="Helvetica Neue"/>
-                  <a:hlinkClick r:id="rId5"/>
-                </a:rPr>
-                <a:t>Creative </a:t>
               </a:r>
               <a:r>
                 <a:rPr lang="en-US" altLang="en-US" sz="1000" dirty="0">
@@ -5769,7 +5670,7 @@
                   <a:latin typeface="Helvetica Neue"/>
                   <a:hlinkClick r:id="rId5"/>
                 </a:rPr>
-                <a:t>Commons Attribution-</a:t>
+                <a:t>Creative Commons Attribution-</a:t>
               </a:r>
               <a:r>
                 <a:rPr lang="en-US" altLang="en-US" sz="1000" dirty="0" err="1">
@@ -5792,10 +5693,9 @@
                 <a:t> 4.0 International License</a:t>
               </a:r>
               <a:r>
-                <a:rPr lang="en-US" sz="1000" dirty="0" smtClean="0"/>
+                <a:rPr lang="en-US" sz="1000" dirty="0"/>
                 <a:t>.</a:t>
               </a:r>
-              <a:endParaRPr lang="en-US" sz="1000" dirty="0"/>
             </a:p>
           </p:txBody>
         </p:sp>
@@ -5805,13 +5705,6 @@
   <p:clrMapOvr>
     <a:masterClrMapping/>
   </p:clrMapOvr>
-  <p:timing>
-    <p:tnLst>
-      <p:par>
-        <p:cTn id="1" dur="indefinite" restart="never" nodeType="tmRoot"/>
-      </p:par>
-    </p:tnLst>
-  </p:timing>
 </p:sld>
 </file>
 
@@ -5848,10 +5741,9 @@
           <a:lstStyle/>
           <a:p>
             <a:r>
-              <a:rPr lang="en-US" dirty="0" smtClean="0"/>
+              <a:rPr lang="en-US" dirty="0"/>
               <a:t>find-cat</a:t>
             </a:r>
-            <a:endParaRPr lang="en-US" dirty="0"/>
           </a:p>
         </p:txBody>
       </p:sp>
@@ -5880,21 +5772,7 @@
                 <a:latin typeface="Consolas" pitchFamily="49" charset="0"/>
                 <a:cs typeface="Consolas" pitchFamily="49" charset="0"/>
               </a:rPr>
-              <a:t>;; </a:t>
-            </a:r>
-            <a:r>
-              <a:rPr lang="en-US" sz="2000" b="1" dirty="0" smtClean="0">
-                <a:latin typeface="Consolas" pitchFamily="49" charset="0"/>
-                <a:cs typeface="Consolas" pitchFamily="49" charset="0"/>
-              </a:rPr>
-              <a:t>find-cat </a:t>
-            </a:r>
-            <a:r>
-              <a:rPr lang="en-US" sz="2000" b="1" dirty="0">
-                <a:latin typeface="Consolas" pitchFamily="49" charset="0"/>
-                <a:cs typeface="Consolas" pitchFamily="49" charset="0"/>
-              </a:rPr>
-              <a:t>: </a:t>
+              <a:t>;; find-cat : </a:t>
             </a:r>
             <a:r>
               <a:rPr lang="en-US" sz="2000" b="1" dirty="0" err="1">
@@ -5953,18 +5831,11 @@
               <a:t>"</a:t>
             </a:r>
             <a:r>
-              <a:rPr lang="en-US" sz="2000" b="1" dirty="0" smtClean="0">
-                <a:latin typeface="Consolas" pitchFamily="49" charset="0"/>
-                <a:cs typeface="Consolas" pitchFamily="49" charset="0"/>
-              </a:rPr>
-              <a:t>cat" </a:t>
-            </a:r>
-            <a:r>
               <a:rPr lang="en-US" sz="2000" b="1" dirty="0">
                 <a:latin typeface="Consolas" pitchFamily="49" charset="0"/>
                 <a:cs typeface="Consolas" pitchFamily="49" charset="0"/>
               </a:rPr>
-              <a:t>is in the given list.</a:t>
+              <a:t>cat" is in the given list.</a:t>
             </a:r>
           </a:p>
           <a:p>
@@ -5976,31 +5847,24 @@
                 <a:latin typeface="Consolas" pitchFamily="49" charset="0"/>
                 <a:cs typeface="Consolas" pitchFamily="49" charset="0"/>
               </a:rPr>
-              <a:t>;; </a:t>
-            </a:r>
-            <a:r>
-              <a:rPr lang="en-US" sz="2000" b="1" dirty="0" smtClean="0">
-                <a:latin typeface="Consolas" pitchFamily="49" charset="0"/>
-                <a:cs typeface="Consolas" pitchFamily="49" charset="0"/>
-              </a:rPr>
-              <a:t>STRATEGY: Use template for </a:t>
-            </a:r>
-            <a:r>
-              <a:rPr lang="en-US" sz="2000" b="1" dirty="0" err="1" smtClean="0">
+              <a:t>;; STRATEGY: Use template for </a:t>
+            </a:r>
+            <a:r>
+              <a:rPr lang="en-US" sz="2000" b="1" dirty="0" err="1">
                 <a:latin typeface="Consolas" pitchFamily="49" charset="0"/>
                 <a:cs typeface="Consolas" pitchFamily="49" charset="0"/>
               </a:rPr>
               <a:t>ListOfString</a:t>
             </a:r>
             <a:r>
-              <a:rPr lang="en-US" sz="2000" b="1" dirty="0" smtClean="0">
+              <a:rPr lang="en-US" sz="2000" b="1" dirty="0">
                 <a:latin typeface="Consolas" pitchFamily="49" charset="0"/>
                 <a:cs typeface="Consolas" pitchFamily="49" charset="0"/>
               </a:rPr>
               <a:t> on </a:t>
             </a:r>
             <a:r>
-              <a:rPr lang="en-US" sz="2000" b="1" dirty="0" err="1" smtClean="0">
+              <a:rPr lang="en-US" sz="2000" b="1" dirty="0" err="1">
                 <a:latin typeface="Consolas" pitchFamily="49" charset="0"/>
                 <a:cs typeface="Consolas" pitchFamily="49" charset="0"/>
               </a:rPr>
@@ -6016,7 +5880,7 @@
               <a:buNone/>
             </a:pPr>
             <a:r>
-              <a:rPr lang="en-US" sz="2000" b="1" dirty="0" smtClean="0">
+              <a:rPr lang="en-US" sz="2000" b="1" dirty="0">
                 <a:latin typeface="Consolas" pitchFamily="49" charset="0"/>
                 <a:cs typeface="Consolas" pitchFamily="49" charset="0"/>
               </a:rPr>
@@ -6028,108 +5892,104 @@
               <a:buNone/>
             </a:pPr>
             <a:r>
-              <a:rPr lang="en-US" sz="2000" b="1" dirty="0" smtClean="0">
+              <a:rPr lang="en-US" sz="2000" b="1" dirty="0">
                 <a:latin typeface="Consolas" pitchFamily="49" charset="0"/>
                 <a:cs typeface="Consolas" pitchFamily="49" charset="0"/>
               </a:rPr>
               <a:t>  (</a:t>
             </a:r>
             <a:r>
-              <a:rPr lang="en-US" sz="2000" b="1" dirty="0" err="1" smtClean="0">
+              <a:rPr lang="en-US" sz="2000" b="1" dirty="0" err="1">
                 <a:latin typeface="Consolas" pitchFamily="49" charset="0"/>
                 <a:cs typeface="Consolas" pitchFamily="49" charset="0"/>
               </a:rPr>
               <a:t>cond</a:t>
-            </a:r>
-            <a:endParaRPr lang="en-US" sz="2000" b="1" dirty="0" smtClean="0">
-              <a:latin typeface="Consolas" pitchFamily="49" charset="0"/>
-              <a:cs typeface="Consolas" pitchFamily="49" charset="0"/>
-            </a:endParaRPr>
-          </a:p>
-          <a:p>
-            <a:pPr>
-              <a:buNone/>
-            </a:pPr>
-            <a:r>
-              <a:rPr lang="en-US" sz="2000" b="1" dirty="0" smtClean="0">
-                <a:latin typeface="Consolas" pitchFamily="49" charset="0"/>
-                <a:cs typeface="Consolas" pitchFamily="49" charset="0"/>
-              </a:rPr>
-              <a:t>    [(empty? los) false]</a:t>
-            </a:r>
-          </a:p>
-          <a:p>
-            <a:pPr>
-              <a:buNone/>
-            </a:pPr>
-            <a:r>
-              <a:rPr lang="en-US" sz="2000" b="1" dirty="0" smtClean="0">
-                <a:latin typeface="Consolas" pitchFamily="49" charset="0"/>
-                <a:cs typeface="Consolas" pitchFamily="49" charset="0"/>
-              </a:rPr>
-              <a:t>    [else (or</a:t>
-            </a:r>
-          </a:p>
-          <a:p>
-            <a:pPr>
-              <a:buNone/>
-            </a:pPr>
-            <a:r>
-              <a:rPr lang="en-US" sz="2000" b="1" dirty="0" smtClean="0">
-                <a:latin typeface="Consolas" pitchFamily="49" charset="0"/>
-                <a:cs typeface="Consolas" pitchFamily="49" charset="0"/>
-              </a:rPr>
-              <a:t>           (string=? (first los) "cat")</a:t>
-            </a:r>
-          </a:p>
-          <a:p>
-            <a:pPr>
-              <a:buNone/>
-            </a:pPr>
-            <a:r>
-              <a:rPr lang="en-US" sz="2000" b="1" dirty="0" smtClean="0">
-                <a:latin typeface="Consolas" pitchFamily="49" charset="0"/>
-                <a:cs typeface="Consolas" pitchFamily="49" charset="0"/>
-              </a:rPr>
-              <a:t>           (find-cat (rest los)))]))</a:t>
-            </a:r>
-          </a:p>
-          <a:p>
-            <a:pPr>
-              <a:buNone/>
-            </a:pPr>
-            <a:endParaRPr lang="en-US" sz="2000" b="1" dirty="0" smtClean="0">
-              <a:latin typeface="Consolas" pitchFamily="49" charset="0"/>
-              <a:cs typeface="Consolas" pitchFamily="49" charset="0"/>
-            </a:endParaRPr>
-          </a:p>
-          <a:p>
-            <a:pPr>
-              <a:buNone/>
-            </a:pPr>
-            <a:r>
-              <a:rPr lang="en-US" sz="2000" b="1" dirty="0" smtClean="0">
-                <a:latin typeface="Consolas" pitchFamily="49" charset="0"/>
-                <a:cs typeface="Consolas" pitchFamily="49" charset="0"/>
-              </a:rPr>
-              <a:t>(check-equal? (find-cat (list "cat" "dog" "weasel")) true)</a:t>
-            </a:r>
-          </a:p>
-          <a:p>
-            <a:pPr>
-              <a:buNone/>
-            </a:pPr>
-            <a:r>
-              <a:rPr lang="en-US" sz="2000" b="1" dirty="0" smtClean="0">
-                <a:latin typeface="Consolas" pitchFamily="49" charset="0"/>
-                <a:cs typeface="Consolas" pitchFamily="49" charset="0"/>
-              </a:rPr>
-              <a:t>(check-equal? (find-cat (list "elephant" "weasel")) false)</a:t>
             </a:r>
             <a:endParaRPr lang="en-US" sz="2000" b="1" dirty="0">
               <a:latin typeface="Consolas" pitchFamily="49" charset="0"/>
               <a:cs typeface="Consolas" pitchFamily="49" charset="0"/>
             </a:endParaRPr>
+          </a:p>
+          <a:p>
+            <a:pPr>
+              <a:buNone/>
+            </a:pPr>
+            <a:r>
+              <a:rPr lang="en-US" sz="2000" b="1" dirty="0">
+                <a:latin typeface="Consolas" pitchFamily="49" charset="0"/>
+                <a:cs typeface="Consolas" pitchFamily="49" charset="0"/>
+              </a:rPr>
+              <a:t>    [(empty? los) false]</a:t>
+            </a:r>
+          </a:p>
+          <a:p>
+            <a:pPr>
+              <a:buNone/>
+            </a:pPr>
+            <a:r>
+              <a:rPr lang="en-US" sz="2000" b="1" dirty="0">
+                <a:latin typeface="Consolas" pitchFamily="49" charset="0"/>
+                <a:cs typeface="Consolas" pitchFamily="49" charset="0"/>
+              </a:rPr>
+              <a:t>    [else (or</a:t>
+            </a:r>
+          </a:p>
+          <a:p>
+            <a:pPr>
+              <a:buNone/>
+            </a:pPr>
+            <a:r>
+              <a:rPr lang="en-US" sz="2000" b="1" dirty="0">
+                <a:latin typeface="Consolas" pitchFamily="49" charset="0"/>
+                <a:cs typeface="Consolas" pitchFamily="49" charset="0"/>
+              </a:rPr>
+              <a:t>           (string=? (first los) "cat")</a:t>
+            </a:r>
+          </a:p>
+          <a:p>
+            <a:pPr>
+              <a:buNone/>
+            </a:pPr>
+            <a:r>
+              <a:rPr lang="en-US" sz="2000" b="1" dirty="0">
+                <a:latin typeface="Consolas" pitchFamily="49" charset="0"/>
+                <a:cs typeface="Consolas" pitchFamily="49" charset="0"/>
+              </a:rPr>
+              <a:t>           (find-cat (rest los)))]))</a:t>
+            </a:r>
+          </a:p>
+          <a:p>
+            <a:pPr>
+              <a:buNone/>
+            </a:pPr>
+            <a:endParaRPr lang="en-US" sz="2000" b="1" dirty="0">
+              <a:latin typeface="Consolas" pitchFamily="49" charset="0"/>
+              <a:cs typeface="Consolas" pitchFamily="49" charset="0"/>
+            </a:endParaRPr>
+          </a:p>
+          <a:p>
+            <a:pPr>
+              <a:buNone/>
+            </a:pPr>
+            <a:r>
+              <a:rPr lang="en-US" sz="2000" b="1" dirty="0">
+                <a:latin typeface="Consolas" pitchFamily="49" charset="0"/>
+                <a:cs typeface="Consolas" pitchFamily="49" charset="0"/>
+              </a:rPr>
+              <a:t>(check-equal? (find-cat (list "cat" "dog" "weasel")) true)</a:t>
+            </a:r>
+          </a:p>
+          <a:p>
+            <a:pPr>
+              <a:buNone/>
+            </a:pPr>
+            <a:r>
+              <a:rPr lang="en-US" sz="2000" b="1" dirty="0">
+                <a:latin typeface="Consolas" pitchFamily="49" charset="0"/>
+                <a:cs typeface="Consolas" pitchFamily="49" charset="0"/>
+              </a:rPr>
+              <a:t>(check-equal? (find-cat (list "elephant" "weasel")) false)</a:t>
+            </a:r>
           </a:p>
         </p:txBody>
       </p:sp>
@@ -6166,13 +6026,6 @@
   <p:clrMapOvr>
     <a:masterClrMapping/>
   </p:clrMapOvr>
-  <p:timing>
-    <p:tnLst>
-      <p:par>
-        <p:cTn id="1" dur="indefinite" restart="never" nodeType="tmRoot"/>
-      </p:par>
-    </p:tnLst>
-  </p:timing>
 </p:sld>
 </file>
 
@@ -6209,10 +6062,9 @@
           <a:lstStyle/>
           <a:p>
             <a:r>
-              <a:rPr lang="en-US" dirty="0" smtClean="0"/>
+              <a:rPr lang="en-US" dirty="0"/>
               <a:t>A lot of repeated work there!</a:t>
             </a:r>
-            <a:endParaRPr lang="en-US" dirty="0"/>
           </a:p>
         </p:txBody>
       </p:sp>
@@ -6255,10 +6107,9 @@
           </a:p>
           <a:p>
             <a:r>
-              <a:rPr lang="en-US" dirty="0" smtClean="0"/>
+              <a:rPr lang="en-US" dirty="0"/>
               <a:t>Let’s see just how alike these functions were.</a:t>
             </a:r>
-            <a:endParaRPr lang="en-US" dirty="0"/>
           </a:p>
         </p:txBody>
       </p:sp>
@@ -6296,13 +6147,6 @@
   <p:clrMapOvr>
     <a:masterClrMapping/>
   </p:clrMapOvr>
-  <p:timing>
-    <p:tnLst>
-      <p:par>
-        <p:cTn id="1" dur="indefinite" restart="never" nodeType="tmRoot"/>
-      </p:par>
-    </p:tnLst>
-  </p:timing>
 </p:sld>
 </file>
 
@@ -6339,10 +6183,9 @@
           <a:lstStyle/>
           <a:p>
             <a:r>
-              <a:rPr lang="en-US" dirty="0" smtClean="0"/>
+              <a:rPr lang="en-US" dirty="0"/>
               <a:t>These functions are very similar:</a:t>
             </a:r>
-            <a:endParaRPr lang="en-US" dirty="0"/>
           </a:p>
         </p:txBody>
       </p:sp>
@@ -6367,14 +6210,14 @@
               <a:buNone/>
             </a:pPr>
             <a:r>
-              <a:rPr lang="en-US" sz="2000" b="1" dirty="0" smtClean="0">
+              <a:rPr lang="en-US" sz="2000" b="1" dirty="0">
                 <a:latin typeface="Consolas" pitchFamily="49" charset="0"/>
                 <a:cs typeface="Consolas" pitchFamily="49" charset="0"/>
               </a:rPr>
               <a:t>(define (</a:t>
             </a:r>
             <a:r>
-              <a:rPr lang="en-US" sz="2000" b="1" dirty="0" smtClean="0">
+              <a:rPr lang="en-US" sz="2000" b="1" dirty="0">
                 <a:solidFill>
                   <a:srgbClr val="FF0000"/>
                 </a:solidFill>
@@ -6384,21 +6227,21 @@
               <a:t>find-dog</a:t>
             </a:r>
             <a:r>
-              <a:rPr lang="en-US" sz="2000" b="1" dirty="0" smtClean="0">
+              <a:rPr lang="en-US" sz="2000" b="1" dirty="0">
                 <a:latin typeface="Consolas" pitchFamily="49" charset="0"/>
                 <a:cs typeface="Consolas" pitchFamily="49" charset="0"/>
               </a:rPr>
               <a:t> </a:t>
             </a:r>
             <a:r>
-              <a:rPr lang="en-US" sz="2000" b="1" dirty="0" err="1" smtClean="0">
+              <a:rPr lang="en-US" sz="2000" b="1" dirty="0" err="1">
                 <a:latin typeface="Consolas" pitchFamily="49" charset="0"/>
                 <a:cs typeface="Consolas" pitchFamily="49" charset="0"/>
               </a:rPr>
               <a:t>los</a:t>
             </a:r>
             <a:r>
-              <a:rPr lang="en-US" sz="2000" b="1" dirty="0" smtClean="0">
+              <a:rPr lang="en-US" sz="2000" b="1" dirty="0">
                 <a:latin typeface="Consolas" pitchFamily="49" charset="0"/>
                 <a:cs typeface="Consolas" pitchFamily="49" charset="0"/>
               </a:rPr>
@@ -6410,151 +6253,147 @@
               <a:buNone/>
             </a:pPr>
             <a:r>
-              <a:rPr lang="en-US" sz="2000" b="1" dirty="0" smtClean="0">
+              <a:rPr lang="en-US" sz="2000" b="1" dirty="0">
                 <a:latin typeface="Consolas" pitchFamily="49" charset="0"/>
                 <a:cs typeface="Consolas" pitchFamily="49" charset="0"/>
               </a:rPr>
               <a:t>  (</a:t>
             </a:r>
             <a:r>
-              <a:rPr lang="en-US" sz="2000" b="1" dirty="0" err="1" smtClean="0">
+              <a:rPr lang="en-US" sz="2000" b="1" dirty="0" err="1">
                 <a:latin typeface="Consolas" pitchFamily="49" charset="0"/>
                 <a:cs typeface="Consolas" pitchFamily="49" charset="0"/>
               </a:rPr>
               <a:t>cond</a:t>
-            </a:r>
-            <a:endParaRPr lang="en-US" sz="2000" b="1" dirty="0" smtClean="0">
-              <a:latin typeface="Consolas" pitchFamily="49" charset="0"/>
-              <a:cs typeface="Consolas" pitchFamily="49" charset="0"/>
-            </a:endParaRPr>
-          </a:p>
-          <a:p>
-            <a:pPr>
-              <a:buNone/>
-            </a:pPr>
-            <a:r>
-              <a:rPr lang="en-US" sz="2000" b="1" dirty="0" smtClean="0">
-                <a:latin typeface="Consolas" pitchFamily="49" charset="0"/>
-                <a:cs typeface="Consolas" pitchFamily="49" charset="0"/>
-              </a:rPr>
-              <a:t>    [(empty? los) false]</a:t>
-            </a:r>
-          </a:p>
-          <a:p>
-            <a:pPr>
-              <a:buNone/>
-            </a:pPr>
-            <a:r>
-              <a:rPr lang="en-US" sz="2000" b="1" dirty="0" smtClean="0">
-                <a:latin typeface="Consolas" pitchFamily="49" charset="0"/>
-                <a:cs typeface="Consolas" pitchFamily="49" charset="0"/>
-              </a:rPr>
-              <a:t>    [else </a:t>
-            </a:r>
-          </a:p>
-          <a:p>
-            <a:pPr>
-              <a:buNone/>
-            </a:pPr>
-            <a:r>
-              <a:rPr lang="en-US" sz="2000" b="1" dirty="0" smtClean="0">
-                <a:latin typeface="Consolas" pitchFamily="49" charset="0"/>
-                <a:cs typeface="Consolas" pitchFamily="49" charset="0"/>
-              </a:rPr>
-              <a:t>      (or </a:t>
-            </a:r>
-          </a:p>
-          <a:p>
-            <a:pPr>
-              <a:buNone/>
-            </a:pPr>
-            <a:r>
-              <a:rPr lang="en-US" sz="2000" b="1" dirty="0" smtClean="0">
-                <a:latin typeface="Consolas" pitchFamily="49" charset="0"/>
-                <a:cs typeface="Consolas" pitchFamily="49" charset="0"/>
-              </a:rPr>
-              <a:t>        (string=?</a:t>
-            </a:r>
-          </a:p>
-          <a:p>
-            <a:pPr>
-              <a:buNone/>
-            </a:pPr>
-            <a:r>
-              <a:rPr lang="en-US" sz="2000" b="1" dirty="0" smtClean="0">
-                <a:latin typeface="Consolas" pitchFamily="49" charset="0"/>
-                <a:cs typeface="Consolas" pitchFamily="49" charset="0"/>
-              </a:rPr>
-              <a:t>          (first los)</a:t>
-            </a:r>
-          </a:p>
-          <a:p>
-            <a:pPr>
-              <a:buNone/>
-            </a:pPr>
-            <a:r>
-              <a:rPr lang="en-US" sz="2000" b="1" dirty="0" smtClean="0">
-                <a:latin typeface="Consolas" pitchFamily="49" charset="0"/>
-                <a:cs typeface="Consolas" pitchFamily="49" charset="0"/>
-              </a:rPr>
-              <a:t>          </a:t>
-            </a:r>
-            <a:r>
-              <a:rPr lang="en-US" sz="2000" b="1" dirty="0" smtClean="0">
-                <a:solidFill>
-                  <a:schemeClr val="accent3"/>
-                </a:solidFill>
-                <a:latin typeface="Consolas" pitchFamily="49" charset="0"/>
-                <a:cs typeface="Consolas" pitchFamily="49" charset="0"/>
-              </a:rPr>
-              <a:t>"dog"</a:t>
-            </a:r>
-            <a:r>
-              <a:rPr lang="en-US" sz="2000" b="1" dirty="0" smtClean="0">
-                <a:latin typeface="Consolas" pitchFamily="49" charset="0"/>
-                <a:cs typeface="Consolas" pitchFamily="49" charset="0"/>
-              </a:rPr>
-              <a:t>)           </a:t>
-            </a:r>
-          </a:p>
-          <a:p>
-            <a:pPr>
-              <a:buNone/>
-            </a:pPr>
-            <a:r>
-              <a:rPr lang="en-US" sz="2000" b="1" dirty="0" smtClean="0">
-                <a:latin typeface="Consolas" pitchFamily="49" charset="0"/>
-                <a:cs typeface="Consolas" pitchFamily="49" charset="0"/>
-              </a:rPr>
-              <a:t>        (</a:t>
-            </a:r>
-            <a:r>
-              <a:rPr lang="en-US" sz="2000" b="1" dirty="0" smtClean="0">
-                <a:solidFill>
-                  <a:srgbClr val="FF0000"/>
-                </a:solidFill>
-                <a:latin typeface="Consolas" pitchFamily="49" charset="0"/>
-                <a:cs typeface="Consolas" pitchFamily="49" charset="0"/>
-              </a:rPr>
-              <a:t>find-dog</a:t>
-            </a:r>
-          </a:p>
-          <a:p>
-            <a:pPr>
-              <a:buNone/>
-            </a:pPr>
-            <a:r>
-              <a:rPr lang="en-US" sz="2000" b="1" dirty="0" smtClean="0">
-                <a:latin typeface="Consolas" pitchFamily="49" charset="0"/>
-                <a:cs typeface="Consolas" pitchFamily="49" charset="0"/>
-              </a:rPr>
-              <a:t>          (rest los)))]))</a:t>
             </a:r>
             <a:endParaRPr lang="en-US" sz="2000" b="1" dirty="0">
               <a:latin typeface="Consolas" pitchFamily="49" charset="0"/>
               <a:cs typeface="Consolas" pitchFamily="49" charset="0"/>
             </a:endParaRPr>
           </a:p>
+          <a:p>
+            <a:pPr>
+              <a:buNone/>
+            </a:pPr>
+            <a:r>
+              <a:rPr lang="en-US" sz="2000" b="1" dirty="0">
+                <a:latin typeface="Consolas" pitchFamily="49" charset="0"/>
+                <a:cs typeface="Consolas" pitchFamily="49" charset="0"/>
+              </a:rPr>
+              <a:t>    [(empty? los) false]</a:t>
+            </a:r>
+          </a:p>
+          <a:p>
+            <a:pPr>
+              <a:buNone/>
+            </a:pPr>
+            <a:r>
+              <a:rPr lang="en-US" sz="2000" b="1" dirty="0">
+                <a:latin typeface="Consolas" pitchFamily="49" charset="0"/>
+                <a:cs typeface="Consolas" pitchFamily="49" charset="0"/>
+              </a:rPr>
+              <a:t>    [else </a:t>
+            </a:r>
+          </a:p>
+          <a:p>
+            <a:pPr>
+              <a:buNone/>
+            </a:pPr>
+            <a:r>
+              <a:rPr lang="en-US" sz="2000" b="1" dirty="0">
+                <a:latin typeface="Consolas" pitchFamily="49" charset="0"/>
+                <a:cs typeface="Consolas" pitchFamily="49" charset="0"/>
+              </a:rPr>
+              <a:t>      (or </a:t>
+            </a:r>
+          </a:p>
+          <a:p>
+            <a:pPr>
+              <a:buNone/>
+            </a:pPr>
+            <a:r>
+              <a:rPr lang="en-US" sz="2000" b="1" dirty="0">
+                <a:latin typeface="Consolas" pitchFamily="49" charset="0"/>
+                <a:cs typeface="Consolas" pitchFamily="49" charset="0"/>
+              </a:rPr>
+              <a:t>        (string=?</a:t>
+            </a:r>
+          </a:p>
+          <a:p>
+            <a:pPr>
+              <a:buNone/>
+            </a:pPr>
+            <a:r>
+              <a:rPr lang="en-US" sz="2000" b="1" dirty="0">
+                <a:latin typeface="Consolas" pitchFamily="49" charset="0"/>
+                <a:cs typeface="Consolas" pitchFamily="49" charset="0"/>
+              </a:rPr>
+              <a:t>          (first los)</a:t>
+            </a:r>
+          </a:p>
+          <a:p>
+            <a:pPr>
+              <a:buNone/>
+            </a:pPr>
+            <a:r>
+              <a:rPr lang="en-US" sz="2000" b="1" dirty="0">
+                <a:latin typeface="Consolas" pitchFamily="49" charset="0"/>
+                <a:cs typeface="Consolas" pitchFamily="49" charset="0"/>
+              </a:rPr>
+              <a:t>          </a:t>
+            </a:r>
+            <a:r>
+              <a:rPr lang="en-US" sz="2000" b="1" dirty="0">
+                <a:solidFill>
+                  <a:schemeClr val="accent3"/>
+                </a:solidFill>
+                <a:latin typeface="Consolas" pitchFamily="49" charset="0"/>
+                <a:cs typeface="Consolas" pitchFamily="49" charset="0"/>
+              </a:rPr>
+              <a:t>"dog"</a:t>
+            </a:r>
+            <a:r>
+              <a:rPr lang="en-US" sz="2000" b="1" dirty="0">
+                <a:latin typeface="Consolas" pitchFamily="49" charset="0"/>
+                <a:cs typeface="Consolas" pitchFamily="49" charset="0"/>
+              </a:rPr>
+              <a:t>)           </a:t>
+            </a:r>
+          </a:p>
+          <a:p>
+            <a:pPr>
+              <a:buNone/>
+            </a:pPr>
+            <a:r>
+              <a:rPr lang="en-US" sz="2000" b="1" dirty="0">
+                <a:latin typeface="Consolas" pitchFamily="49" charset="0"/>
+                <a:cs typeface="Consolas" pitchFamily="49" charset="0"/>
+              </a:rPr>
+              <a:t>        (</a:t>
+            </a:r>
+            <a:r>
+              <a:rPr lang="en-US" sz="2000" b="1" dirty="0">
+                <a:solidFill>
+                  <a:srgbClr val="FF0000"/>
+                </a:solidFill>
+                <a:latin typeface="Consolas" pitchFamily="49" charset="0"/>
+                <a:cs typeface="Consolas" pitchFamily="49" charset="0"/>
+              </a:rPr>
+              <a:t>find-dog</a:t>
+            </a:r>
+          </a:p>
+          <a:p>
+            <a:pPr>
+              <a:buNone/>
+            </a:pPr>
+            <a:r>
+              <a:rPr lang="en-US" sz="2000" b="1" dirty="0">
+                <a:latin typeface="Consolas" pitchFamily="49" charset="0"/>
+                <a:cs typeface="Consolas" pitchFamily="49" charset="0"/>
+              </a:rPr>
+              <a:t>          (rest los)))]))</a:t>
+            </a:r>
+          </a:p>
         </p:txBody>
       </p:sp>
       <p:sp>
@@ -6578,14 +6417,14 @@
               <a:buNone/>
             </a:pPr>
             <a:r>
-              <a:rPr lang="en-US" sz="2000" b="1" dirty="0" smtClean="0">
+              <a:rPr lang="en-US" sz="2000" b="1" dirty="0">
                 <a:latin typeface="Consolas" pitchFamily="49" charset="0"/>
                 <a:cs typeface="Consolas" pitchFamily="49" charset="0"/>
               </a:rPr>
               <a:t>(define (</a:t>
             </a:r>
             <a:r>
-              <a:rPr lang="en-US" sz="2000" b="1" dirty="0" smtClean="0">
+              <a:rPr lang="en-US" sz="2000" b="1" dirty="0">
                 <a:solidFill>
                   <a:srgbClr val="FF0000"/>
                 </a:solidFill>
@@ -6595,21 +6434,21 @@
               <a:t>find-cat</a:t>
             </a:r>
             <a:r>
-              <a:rPr lang="en-US" sz="2000" b="1" dirty="0" smtClean="0">
+              <a:rPr lang="en-US" sz="2000" b="1" dirty="0">
                 <a:latin typeface="Consolas" pitchFamily="49" charset="0"/>
                 <a:cs typeface="Consolas" pitchFamily="49" charset="0"/>
               </a:rPr>
               <a:t> </a:t>
             </a:r>
             <a:r>
-              <a:rPr lang="en-US" sz="2000" b="1" dirty="0" err="1" smtClean="0">
+              <a:rPr lang="en-US" sz="2000" b="1" dirty="0" err="1">
                 <a:latin typeface="Consolas" pitchFamily="49" charset="0"/>
                 <a:cs typeface="Consolas" pitchFamily="49" charset="0"/>
               </a:rPr>
               <a:t>los</a:t>
             </a:r>
             <a:r>
-              <a:rPr lang="en-US" sz="2000" b="1" dirty="0" smtClean="0">
+              <a:rPr lang="en-US" sz="2000" b="1" dirty="0">
                 <a:latin typeface="Consolas" pitchFamily="49" charset="0"/>
                 <a:cs typeface="Consolas" pitchFamily="49" charset="0"/>
               </a:rPr>
@@ -6621,150 +6460,146 @@
               <a:buNone/>
             </a:pPr>
             <a:r>
-              <a:rPr lang="en-US" sz="2000" b="1" dirty="0" smtClean="0">
+              <a:rPr lang="en-US" sz="2000" b="1" dirty="0">
                 <a:latin typeface="Consolas" pitchFamily="49" charset="0"/>
                 <a:cs typeface="Consolas" pitchFamily="49" charset="0"/>
               </a:rPr>
               <a:t>  (</a:t>
             </a:r>
             <a:r>
-              <a:rPr lang="en-US" sz="2000" b="1" dirty="0" err="1" smtClean="0">
+              <a:rPr lang="en-US" sz="2000" b="1" dirty="0" err="1">
                 <a:latin typeface="Consolas" pitchFamily="49" charset="0"/>
                 <a:cs typeface="Consolas" pitchFamily="49" charset="0"/>
               </a:rPr>
               <a:t>cond</a:t>
-            </a:r>
-            <a:endParaRPr lang="en-US" sz="2000" b="1" dirty="0" smtClean="0">
-              <a:latin typeface="Consolas" pitchFamily="49" charset="0"/>
-              <a:cs typeface="Consolas" pitchFamily="49" charset="0"/>
-            </a:endParaRPr>
-          </a:p>
-          <a:p>
-            <a:pPr>
-              <a:buNone/>
-            </a:pPr>
-            <a:r>
-              <a:rPr lang="en-US" sz="2000" b="1" dirty="0" smtClean="0">
-                <a:latin typeface="Consolas" pitchFamily="49" charset="0"/>
-                <a:cs typeface="Consolas" pitchFamily="49" charset="0"/>
-              </a:rPr>
-              <a:t>    [(empty? los) false]</a:t>
-            </a:r>
-          </a:p>
-          <a:p>
-            <a:pPr>
-              <a:buNone/>
-            </a:pPr>
-            <a:r>
-              <a:rPr lang="en-US" sz="2000" b="1" dirty="0" smtClean="0">
-                <a:latin typeface="Consolas" pitchFamily="49" charset="0"/>
-                <a:cs typeface="Consolas" pitchFamily="49" charset="0"/>
-              </a:rPr>
-              <a:t>    [else</a:t>
-            </a:r>
-          </a:p>
-          <a:p>
-            <a:pPr>
-              <a:buNone/>
-            </a:pPr>
-            <a:r>
-              <a:rPr lang="en-US" sz="2000" b="1" dirty="0" smtClean="0">
-                <a:latin typeface="Consolas" pitchFamily="49" charset="0"/>
-                <a:cs typeface="Consolas" pitchFamily="49" charset="0"/>
-              </a:rPr>
-              <a:t>      (or</a:t>
-            </a:r>
-          </a:p>
-          <a:p>
-            <a:pPr>
-              <a:buNone/>
-            </a:pPr>
-            <a:r>
-              <a:rPr lang="en-US" sz="2000" b="1" dirty="0" smtClean="0">
-                <a:latin typeface="Consolas" pitchFamily="49" charset="0"/>
-                <a:cs typeface="Consolas" pitchFamily="49" charset="0"/>
-              </a:rPr>
-              <a:t>       (string=?</a:t>
-            </a:r>
-          </a:p>
-          <a:p>
-            <a:pPr>
-              <a:buNone/>
-            </a:pPr>
-            <a:r>
-              <a:rPr lang="en-US" sz="2000" b="1" dirty="0" smtClean="0">
-                <a:latin typeface="Consolas" pitchFamily="49" charset="0"/>
-                <a:cs typeface="Consolas" pitchFamily="49" charset="0"/>
-              </a:rPr>
-              <a:t>         (first los)</a:t>
-            </a:r>
-          </a:p>
-          <a:p>
-            <a:pPr>
-              <a:buNone/>
-            </a:pPr>
-            <a:r>
-              <a:rPr lang="en-US" sz="2000" b="1" dirty="0" smtClean="0">
-                <a:latin typeface="Consolas" pitchFamily="49" charset="0"/>
-                <a:cs typeface="Consolas" pitchFamily="49" charset="0"/>
-              </a:rPr>
-              <a:t>         </a:t>
-            </a:r>
-            <a:r>
-              <a:rPr lang="en-US" sz="2000" b="1" dirty="0" smtClean="0">
-                <a:solidFill>
-                  <a:schemeClr val="accent3"/>
-                </a:solidFill>
-                <a:latin typeface="Consolas" pitchFamily="49" charset="0"/>
-                <a:cs typeface="Consolas" pitchFamily="49" charset="0"/>
-              </a:rPr>
-              <a:t>"cat"</a:t>
-            </a:r>
-            <a:r>
-              <a:rPr lang="en-US" sz="2000" b="1" dirty="0" smtClean="0">
-                <a:latin typeface="Consolas" pitchFamily="49" charset="0"/>
-                <a:cs typeface="Consolas" pitchFamily="49" charset="0"/>
-              </a:rPr>
-              <a:t>)</a:t>
-            </a:r>
-          </a:p>
-          <a:p>
-            <a:pPr>
-              <a:buNone/>
-            </a:pPr>
-            <a:r>
-              <a:rPr lang="en-US" sz="2000" b="1" dirty="0" smtClean="0">
-                <a:latin typeface="Consolas" pitchFamily="49" charset="0"/>
-                <a:cs typeface="Consolas" pitchFamily="49" charset="0"/>
-              </a:rPr>
-              <a:t>       (</a:t>
-            </a:r>
-            <a:r>
-              <a:rPr lang="en-US" sz="2000" b="1" dirty="0" smtClean="0">
-                <a:solidFill>
-                  <a:srgbClr val="FF0000"/>
-                </a:solidFill>
-                <a:latin typeface="Consolas" pitchFamily="49" charset="0"/>
-                <a:cs typeface="Consolas" pitchFamily="49" charset="0"/>
-              </a:rPr>
-              <a:t>find-cat</a:t>
-            </a:r>
-          </a:p>
-          <a:p>
-            <a:pPr>
-              <a:buNone/>
-            </a:pPr>
-            <a:r>
-              <a:rPr lang="en-US" sz="2000" b="1" dirty="0" smtClean="0">
-                <a:latin typeface="Consolas" pitchFamily="49" charset="0"/>
-                <a:cs typeface="Consolas" pitchFamily="49" charset="0"/>
-              </a:rPr>
-              <a:t>         (rest los)))]))</a:t>
             </a:r>
             <a:endParaRPr lang="en-US" sz="2000" b="1" dirty="0">
               <a:latin typeface="Consolas" pitchFamily="49" charset="0"/>
               <a:cs typeface="Consolas" pitchFamily="49" charset="0"/>
             </a:endParaRPr>
+          </a:p>
+          <a:p>
+            <a:pPr>
+              <a:buNone/>
+            </a:pPr>
+            <a:r>
+              <a:rPr lang="en-US" sz="2000" b="1" dirty="0">
+                <a:latin typeface="Consolas" pitchFamily="49" charset="0"/>
+                <a:cs typeface="Consolas" pitchFamily="49" charset="0"/>
+              </a:rPr>
+              <a:t>    [(empty? los) false]</a:t>
+            </a:r>
+          </a:p>
+          <a:p>
+            <a:pPr>
+              <a:buNone/>
+            </a:pPr>
+            <a:r>
+              <a:rPr lang="en-US" sz="2000" b="1" dirty="0">
+                <a:latin typeface="Consolas" pitchFamily="49" charset="0"/>
+                <a:cs typeface="Consolas" pitchFamily="49" charset="0"/>
+              </a:rPr>
+              <a:t>    [else</a:t>
+            </a:r>
+          </a:p>
+          <a:p>
+            <a:pPr>
+              <a:buNone/>
+            </a:pPr>
+            <a:r>
+              <a:rPr lang="en-US" sz="2000" b="1" dirty="0">
+                <a:latin typeface="Consolas" pitchFamily="49" charset="0"/>
+                <a:cs typeface="Consolas" pitchFamily="49" charset="0"/>
+              </a:rPr>
+              <a:t>      (or</a:t>
+            </a:r>
+          </a:p>
+          <a:p>
+            <a:pPr>
+              <a:buNone/>
+            </a:pPr>
+            <a:r>
+              <a:rPr lang="en-US" sz="2000" b="1" dirty="0">
+                <a:latin typeface="Consolas" pitchFamily="49" charset="0"/>
+                <a:cs typeface="Consolas" pitchFamily="49" charset="0"/>
+              </a:rPr>
+              <a:t>       (string=?</a:t>
+            </a:r>
+          </a:p>
+          <a:p>
+            <a:pPr>
+              <a:buNone/>
+            </a:pPr>
+            <a:r>
+              <a:rPr lang="en-US" sz="2000" b="1" dirty="0">
+                <a:latin typeface="Consolas" pitchFamily="49" charset="0"/>
+                <a:cs typeface="Consolas" pitchFamily="49" charset="0"/>
+              </a:rPr>
+              <a:t>         (first los)</a:t>
+            </a:r>
+          </a:p>
+          <a:p>
+            <a:pPr>
+              <a:buNone/>
+            </a:pPr>
+            <a:r>
+              <a:rPr lang="en-US" sz="2000" b="1" dirty="0">
+                <a:latin typeface="Consolas" pitchFamily="49" charset="0"/>
+                <a:cs typeface="Consolas" pitchFamily="49" charset="0"/>
+              </a:rPr>
+              <a:t>         </a:t>
+            </a:r>
+            <a:r>
+              <a:rPr lang="en-US" sz="2000" b="1" dirty="0">
+                <a:solidFill>
+                  <a:schemeClr val="accent3"/>
+                </a:solidFill>
+                <a:latin typeface="Consolas" pitchFamily="49" charset="0"/>
+                <a:cs typeface="Consolas" pitchFamily="49" charset="0"/>
+              </a:rPr>
+              <a:t>"cat"</a:t>
+            </a:r>
+            <a:r>
+              <a:rPr lang="en-US" sz="2000" b="1" dirty="0">
+                <a:latin typeface="Consolas" pitchFamily="49" charset="0"/>
+                <a:cs typeface="Consolas" pitchFamily="49" charset="0"/>
+              </a:rPr>
+              <a:t>)</a:t>
+            </a:r>
+          </a:p>
+          <a:p>
+            <a:pPr>
+              <a:buNone/>
+            </a:pPr>
+            <a:r>
+              <a:rPr lang="en-US" sz="2000" b="1" dirty="0">
+                <a:latin typeface="Consolas" pitchFamily="49" charset="0"/>
+                <a:cs typeface="Consolas" pitchFamily="49" charset="0"/>
+              </a:rPr>
+              <a:t>       (</a:t>
+            </a:r>
+            <a:r>
+              <a:rPr lang="en-US" sz="2000" b="1" dirty="0">
+                <a:solidFill>
+                  <a:srgbClr val="FF0000"/>
+                </a:solidFill>
+                <a:latin typeface="Consolas" pitchFamily="49" charset="0"/>
+                <a:cs typeface="Consolas" pitchFamily="49" charset="0"/>
+              </a:rPr>
+              <a:t>find-cat</a:t>
+            </a:r>
+          </a:p>
+          <a:p>
+            <a:pPr>
+              <a:buNone/>
+            </a:pPr>
+            <a:r>
+              <a:rPr lang="en-US" sz="2000" b="1" dirty="0">
+                <a:latin typeface="Consolas" pitchFamily="49" charset="0"/>
+                <a:cs typeface="Consolas" pitchFamily="49" charset="0"/>
+              </a:rPr>
+              <a:t>         (rest los)))]))</a:t>
+            </a:r>
           </a:p>
         </p:txBody>
       </p:sp>
@@ -6838,7 +6673,7 @@
           <a:lstStyle/>
           <a:p>
             <a:pPr algn="ctr"/>
-            <a:endParaRPr lang="en-US" dirty="0" smtClean="0">
+            <a:endParaRPr lang="en-US" dirty="0">
               <a:solidFill>
                 <a:schemeClr val="tx1"/>
               </a:solidFill>
@@ -6892,7 +6727,7 @@
           <a:lstStyle/>
           <a:p>
             <a:pPr algn="ctr"/>
-            <a:endParaRPr lang="en-US" dirty="0" smtClean="0">
+            <a:endParaRPr lang="en-US" dirty="0">
               <a:solidFill>
                 <a:schemeClr val="tx1"/>
               </a:solidFill>
@@ -6933,10 +6768,9 @@
           <a:lstStyle/>
           <a:p>
             <a:r>
-              <a:rPr lang="en-US" sz="2400" dirty="0" smtClean="0"/>
+              <a:rPr lang="en-US" sz="2400" dirty="0"/>
               <a:t>The only differences between the functions are their names, and the fact that one refers to “dog” and the other refers to “cat”.</a:t>
             </a:r>
-            <a:endParaRPr lang="en-US" sz="2400" dirty="0"/>
           </a:p>
         </p:txBody>
       </p:sp>
@@ -7128,10 +6962,9 @@
           <a:lstStyle/>
           <a:p>
             <a:r>
-              <a:rPr lang="en-US" dirty="0" smtClean="0"/>
+              <a:rPr lang="en-US" dirty="0"/>
               <a:t>So generalize them by adding an argument</a:t>
             </a:r>
-            <a:endParaRPr lang="en-US" dirty="0"/>
           </a:p>
         </p:txBody>
       </p:sp>
@@ -7156,21 +6989,21 @@
               <a:buNone/>
             </a:pPr>
             <a:r>
-              <a:rPr lang="en-US" sz="2100" b="1" dirty="0" smtClean="0">
+              <a:rPr lang="en-US" sz="2100" b="1" dirty="0">
                 <a:latin typeface="Consolas" pitchFamily="49" charset="0"/>
                 <a:cs typeface="Consolas" pitchFamily="49" charset="0"/>
               </a:rPr>
               <a:t>;; find-animal : </a:t>
             </a:r>
             <a:r>
-              <a:rPr lang="en-US" sz="2100" b="1" dirty="0" err="1" smtClean="0">
+              <a:rPr lang="en-US" sz="2100" b="1" dirty="0" err="1">
                 <a:latin typeface="Consolas" pitchFamily="49" charset="0"/>
                 <a:cs typeface="Consolas" pitchFamily="49" charset="0"/>
               </a:rPr>
               <a:t>ListOfString</a:t>
             </a:r>
             <a:r>
-              <a:rPr lang="en-US" sz="2100" b="1" dirty="0" smtClean="0">
+              <a:rPr lang="en-US" sz="2100" b="1" dirty="0">
                 <a:latin typeface="Consolas" pitchFamily="49" charset="0"/>
                 <a:cs typeface="Consolas" pitchFamily="49" charset="0"/>
               </a:rPr>
@@ -7182,21 +7015,21 @@
               <a:buNone/>
             </a:pPr>
             <a:r>
-              <a:rPr lang="en-US" sz="2100" b="1" dirty="0" smtClean="0">
+              <a:rPr lang="en-US" sz="2100" b="1" dirty="0">
                 <a:latin typeface="Consolas" pitchFamily="49" charset="0"/>
                 <a:cs typeface="Consolas" pitchFamily="49" charset="0"/>
               </a:rPr>
               <a:t>;; returns true </a:t>
             </a:r>
             <a:r>
-              <a:rPr lang="en-US" sz="2100" b="1" dirty="0" err="1" smtClean="0">
+              <a:rPr lang="en-US" sz="2100" b="1" dirty="0" err="1">
                 <a:latin typeface="Consolas" pitchFamily="49" charset="0"/>
                 <a:cs typeface="Consolas" pitchFamily="49" charset="0"/>
               </a:rPr>
               <a:t>iff</a:t>
             </a:r>
             <a:r>
-              <a:rPr lang="en-US" sz="2100" b="1" dirty="0" smtClean="0">
+              <a:rPr lang="en-US" sz="2100" b="1" dirty="0">
                 <a:latin typeface="Consolas" pitchFamily="49" charset="0"/>
                 <a:cs typeface="Consolas" pitchFamily="49" charset="0"/>
               </a:rPr>
@@ -7207,7 +7040,7 @@
             <a:pPr>
               <a:buNone/>
             </a:pPr>
-            <a:endParaRPr lang="en-US" sz="2100" b="1" dirty="0" smtClean="0">
+            <a:endParaRPr lang="en-US" sz="2100" b="1" dirty="0">
               <a:latin typeface="Consolas" pitchFamily="49" charset="0"/>
               <a:cs typeface="Consolas" pitchFamily="49" charset="0"/>
             </a:endParaRPr>
@@ -7217,14 +7050,14 @@
               <a:buNone/>
             </a:pPr>
             <a:r>
-              <a:rPr lang="en-US" sz="2100" b="1" dirty="0" smtClean="0">
+              <a:rPr lang="en-US" sz="2100" b="1" dirty="0">
                 <a:latin typeface="Consolas" pitchFamily="49" charset="0"/>
                 <a:cs typeface="Consolas" pitchFamily="49" charset="0"/>
               </a:rPr>
               <a:t>(define (find-animal los </a:t>
             </a:r>
             <a:r>
-              <a:rPr lang="en-US" sz="2100" b="1" dirty="0" err="1" smtClean="0">
+              <a:rPr lang="en-US" sz="2100" b="1" dirty="0" err="1">
                 <a:solidFill>
                   <a:schemeClr val="accent3"/>
                 </a:solidFill>
@@ -7234,7 +7067,7 @@
               <a:t>str</a:t>
             </a:r>
             <a:r>
-              <a:rPr lang="en-US" sz="2100" b="1" dirty="0" smtClean="0">
+              <a:rPr lang="en-US" sz="2100" b="1" dirty="0">
                 <a:latin typeface="Consolas" pitchFamily="49" charset="0"/>
                 <a:cs typeface="Consolas" pitchFamily="49" charset="0"/>
               </a:rPr>
@@ -7246,20 +7079,20 @@
               <a:buNone/>
             </a:pPr>
             <a:r>
-              <a:rPr lang="en-US" sz="2100" b="1" dirty="0" smtClean="0">
+              <a:rPr lang="en-US" sz="2100" b="1" dirty="0">
                 <a:latin typeface="Consolas" pitchFamily="49" charset="0"/>
                 <a:cs typeface="Consolas" pitchFamily="49" charset="0"/>
               </a:rPr>
               <a:t>  (</a:t>
             </a:r>
             <a:r>
-              <a:rPr lang="en-US" sz="2100" b="1" dirty="0" err="1" smtClean="0">
+              <a:rPr lang="en-US" sz="2100" b="1" dirty="0" err="1">
                 <a:latin typeface="Consolas" pitchFamily="49" charset="0"/>
                 <a:cs typeface="Consolas" pitchFamily="49" charset="0"/>
               </a:rPr>
               <a:t>cond</a:t>
             </a:r>
-            <a:endParaRPr lang="en-US" sz="2100" b="1" dirty="0" smtClean="0">
+            <a:endParaRPr lang="en-US" sz="2100" b="1" dirty="0">
               <a:latin typeface="Consolas" pitchFamily="49" charset="0"/>
               <a:cs typeface="Consolas" pitchFamily="49" charset="0"/>
             </a:endParaRPr>
@@ -7269,7 +7102,7 @@
               <a:buNone/>
             </a:pPr>
             <a:r>
-              <a:rPr lang="en-US" sz="2100" b="1" dirty="0" smtClean="0">
+              <a:rPr lang="en-US" sz="2100" b="1" dirty="0">
                 <a:latin typeface="Consolas" pitchFamily="49" charset="0"/>
                 <a:cs typeface="Consolas" pitchFamily="49" charset="0"/>
               </a:rPr>
@@ -7281,7 +7114,7 @@
               <a:buNone/>
             </a:pPr>
             <a:r>
-              <a:rPr lang="en-US" sz="2100" b="1" dirty="0" smtClean="0">
+              <a:rPr lang="en-US" sz="2100" b="1" dirty="0">
                 <a:latin typeface="Consolas" pitchFamily="49" charset="0"/>
                 <a:cs typeface="Consolas" pitchFamily="49" charset="0"/>
               </a:rPr>
@@ -7293,14 +7126,14 @@
               <a:buNone/>
             </a:pPr>
             <a:r>
-              <a:rPr lang="en-US" sz="2100" b="1" dirty="0" smtClean="0">
+              <a:rPr lang="en-US" sz="2100" b="1" dirty="0">
                 <a:latin typeface="Consolas" pitchFamily="49" charset="0"/>
                 <a:cs typeface="Consolas" pitchFamily="49" charset="0"/>
               </a:rPr>
               <a:t>           (string=? (first los) </a:t>
             </a:r>
             <a:r>
-              <a:rPr lang="en-US" sz="2100" b="1" dirty="0" err="1" smtClean="0">
+              <a:rPr lang="en-US" sz="2100" b="1" dirty="0" err="1">
                 <a:solidFill>
                   <a:schemeClr val="accent3"/>
                 </a:solidFill>
@@ -7310,7 +7143,7 @@
               <a:t>str</a:t>
             </a:r>
             <a:r>
-              <a:rPr lang="en-US" sz="2100" b="1" dirty="0" smtClean="0">
+              <a:rPr lang="en-US" sz="2100" b="1" dirty="0">
                 <a:latin typeface="Consolas" pitchFamily="49" charset="0"/>
                 <a:cs typeface="Consolas" pitchFamily="49" charset="0"/>
               </a:rPr>
@@ -7322,14 +7155,14 @@
               <a:buNone/>
             </a:pPr>
             <a:r>
-              <a:rPr lang="en-US" sz="2100" b="1" dirty="0" smtClean="0">
+              <a:rPr lang="en-US" sz="2100" b="1" dirty="0">
                 <a:latin typeface="Consolas" pitchFamily="49" charset="0"/>
                 <a:cs typeface="Consolas" pitchFamily="49" charset="0"/>
               </a:rPr>
               <a:t>           (find-animal (rest los) </a:t>
             </a:r>
             <a:r>
-              <a:rPr lang="en-US" sz="2100" b="1" dirty="0" err="1" smtClean="0">
+              <a:rPr lang="en-US" sz="2100" b="1" dirty="0" err="1">
                 <a:solidFill>
                   <a:schemeClr val="accent3"/>
                 </a:solidFill>
@@ -7339,7 +7172,7 @@
               <a:t>str</a:t>
             </a:r>
             <a:r>
-              <a:rPr lang="en-US" sz="2100" b="1" dirty="0" smtClean="0">
+              <a:rPr lang="en-US" sz="2100" b="1" dirty="0">
                 <a:latin typeface="Consolas" pitchFamily="49" charset="0"/>
                 <a:cs typeface="Consolas" pitchFamily="49" charset="0"/>
               </a:rPr>
@@ -7350,7 +7183,7 @@
             <a:pPr>
               <a:buNone/>
             </a:pPr>
-            <a:endParaRPr lang="en-US" sz="2100" b="1" dirty="0" smtClean="0">
+            <a:endParaRPr lang="en-US" sz="2100" b="1" dirty="0">
               <a:latin typeface="Consolas" pitchFamily="49" charset="0"/>
               <a:cs typeface="Consolas" pitchFamily="49" charset="0"/>
             </a:endParaRPr>
@@ -7360,7 +7193,7 @@
               <a:buNone/>
             </a:pPr>
             <a:r>
-              <a:rPr lang="en-US" sz="2100" b="1" dirty="0" smtClean="0">
+              <a:rPr lang="en-US" sz="2100" b="1" dirty="0">
                 <a:latin typeface="Consolas" pitchFamily="49" charset="0"/>
                 <a:cs typeface="Consolas" pitchFamily="49" charset="0"/>
               </a:rPr>
@@ -7372,7 +7205,7 @@
               <a:buNone/>
             </a:pPr>
             <a:r>
-              <a:rPr lang="en-US" sz="2100" b="1" dirty="0" smtClean="0">
+              <a:rPr lang="en-US" sz="2100" b="1" dirty="0">
                 <a:latin typeface="Consolas" pitchFamily="49" charset="0"/>
                 <a:cs typeface="Consolas" pitchFamily="49" charset="0"/>
               </a:rPr>
@@ -7384,7 +7217,7 @@
               <a:buNone/>
             </a:pPr>
             <a:r>
-              <a:rPr lang="en-US" sz="2100" b="1" dirty="0" smtClean="0">
+              <a:rPr lang="en-US" sz="2100" b="1" dirty="0">
                 <a:latin typeface="Consolas" pitchFamily="49" charset="0"/>
                 <a:cs typeface="Consolas" pitchFamily="49" charset="0"/>
               </a:rPr>
@@ -7396,7 +7229,7 @@
               <a:buNone/>
             </a:pPr>
             <a:r>
-              <a:rPr lang="en-US" sz="2100" b="1" dirty="0" smtClean="0">
+              <a:rPr lang="en-US" sz="2100" b="1" dirty="0">
                 <a:latin typeface="Consolas" pitchFamily="49" charset="0"/>
                 <a:cs typeface="Consolas" pitchFamily="49" charset="0"/>
               </a:rPr>
@@ -7408,7 +7241,7 @@
               <a:buNone/>
             </a:pPr>
             <a:r>
-              <a:rPr lang="en-US" sz="2100" b="1" dirty="0" smtClean="0">
+              <a:rPr lang="en-US" sz="2100" b="1" dirty="0">
                 <a:latin typeface="Consolas" pitchFamily="49" charset="0"/>
                 <a:cs typeface="Consolas" pitchFamily="49" charset="0"/>
               </a:rPr>
@@ -7420,7 +7253,7 @@
               <a:buNone/>
             </a:pPr>
             <a:r>
-              <a:rPr lang="en-US" sz="2100" b="1" dirty="0" smtClean="0">
+              <a:rPr lang="en-US" sz="2100" b="1" dirty="0">
                 <a:latin typeface="Consolas" pitchFamily="49" charset="0"/>
                 <a:cs typeface="Consolas" pitchFamily="49" charset="0"/>
               </a:rPr>
@@ -7495,10 +7328,9 @@
           <a:lstStyle/>
           <a:p>
             <a:r>
-              <a:rPr lang="en-US" sz="2400" dirty="0" smtClean="0"/>
+              <a:rPr lang="en-US" sz="2400" dirty="0"/>
               <a:t>Nothing mysterious here!</a:t>
             </a:r>
-            <a:endParaRPr lang="en-US" sz="2400" dirty="0"/>
           </a:p>
         </p:txBody>
       </p:sp>
@@ -7512,13 +7344,6 @@
   <p:clrMapOvr>
     <a:masterClrMapping/>
   </p:clrMapOvr>
-  <p:timing>
-    <p:tnLst>
-      <p:par>
-        <p:cTn id="1" dur="indefinite" restart="never" nodeType="tmRoot"/>
-      </p:par>
-    </p:tnLst>
-  </p:timing>
 </p:sld>
 </file>
 
@@ -7557,10 +7382,9 @@
           <a:lstStyle/>
           <a:p>
             <a:r>
-              <a:rPr lang="en-US" dirty="0" smtClean="0"/>
+              <a:rPr lang="en-US" dirty="0"/>
               <a:t>What did we do here?</a:t>
             </a:r>
-            <a:endParaRPr lang="en-US" dirty="0"/>
           </a:p>
         </p:txBody>
       </p:sp>
@@ -7582,27 +7406,18 @@
           <a:lstStyle/>
           <a:p>
             <a:r>
-              <a:rPr lang="en-US" dirty="0" smtClean="0"/>
-              <a:t>If two </a:t>
-            </a:r>
-            <a:r>
               <a:rPr lang="en-US" dirty="0"/>
-              <a:t>functions differ only in a few places, add extra arguments for those places. </a:t>
-            </a:r>
-            <a:endParaRPr lang="en-US" dirty="0" smtClean="0"/>
-          </a:p>
-          <a:p>
-            <a:r>
-              <a:rPr lang="en-US" b="1" dirty="0" smtClean="0"/>
+              <a:t>If two functions differ only in a few places, add extra arguments for those places. </a:t>
+            </a:r>
+          </a:p>
+          <a:p>
+            <a:r>
+              <a:rPr lang="en-US" b="1" dirty="0"/>
               <a:t>find-dog</a:t>
             </a:r>
             <a:r>
-              <a:rPr lang="en-US" dirty="0" smtClean="0"/>
-              <a:t> </a:t>
-            </a:r>
-            <a:r>
               <a:rPr lang="en-US" dirty="0"/>
-              <a:t>and </a:t>
+              <a:t> and </a:t>
             </a:r>
             <a:r>
               <a:rPr lang="en-US" b="1" dirty="0"/>
@@ -7690,13 +7505,6 @@
   <p:clrMapOvr>
     <a:masterClrMapping/>
   </p:clrMapOvr>
-  <p:timing>
-    <p:tnLst>
-      <p:par>
-        <p:cTn id="1" dur="indefinite" restart="never" nodeType="tmRoot"/>
-      </p:par>
-    </p:tnLst>
-  </p:timing>
 </p:sld>
 </file>
 
@@ -7733,10 +7541,9 @@
           <a:lstStyle/>
           <a:p>
             <a:r>
-              <a:rPr lang="en-US" dirty="0" smtClean="0"/>
+              <a:rPr lang="en-US" dirty="0"/>
               <a:t>Generalization</a:t>
             </a:r>
-            <a:endParaRPr lang="en-US" dirty="0"/>
           </a:p>
         </p:txBody>
       </p:sp>
@@ -7756,28 +7563,27 @@
           <a:lstStyle/>
           <a:p>
             <a:r>
-              <a:rPr lang="en-US" dirty="0" smtClean="0"/>
+              <a:rPr lang="en-US" dirty="0"/>
               <a:t>Both functions were special cases of a more general function.</a:t>
             </a:r>
           </a:p>
           <a:p>
             <a:r>
-              <a:rPr lang="en-US" dirty="0" smtClean="0"/>
+              <a:rPr lang="en-US" dirty="0"/>
               <a:t>The more general function takes extra arguments that express the differences.</a:t>
             </a:r>
           </a:p>
           <a:p>
             <a:r>
-              <a:rPr lang="en-US" dirty="0" smtClean="0"/>
+              <a:rPr lang="en-US" dirty="0"/>
               <a:t>The arguments "specialize" the function.</a:t>
             </a:r>
           </a:p>
           <a:p>
             <a:r>
-              <a:rPr lang="en-US" dirty="0" smtClean="0"/>
+              <a:rPr lang="en-US" dirty="0"/>
               <a:t>Must make sure that we can to specialize back to our original functions:</a:t>
             </a:r>
-            <a:endParaRPr lang="en-US" dirty="0"/>
           </a:p>
         </p:txBody>
       </p:sp>
@@ -7815,13 +7621,6 @@
   <p:clrMapOvr>
     <a:masterClrMapping/>
   </p:clrMapOvr>
-  <p:timing>
-    <p:tnLst>
-      <p:par>
-        <p:cTn id="1" dur="indefinite" restart="never" nodeType="tmRoot"/>
-      </p:par>
-    </p:tnLst>
-  </p:timing>
 </p:sld>
 </file>
 
@@ -7860,10 +7659,9 @@
           <a:lstStyle/>
           <a:p>
             <a:r>
-              <a:rPr lang="en-US" dirty="0" smtClean="0"/>
+              <a:rPr lang="en-US" dirty="0"/>
               <a:t>Confirm that the original functions can still be expressed.</a:t>
             </a:r>
-            <a:endParaRPr lang="en-US" dirty="0"/>
           </a:p>
         </p:txBody>
       </p:sp>
@@ -7887,7 +7685,7 @@
             <a:pPr>
               <a:buNone/>
             </a:pPr>
-            <a:endParaRPr lang="en-US" sz="2800" b="1" dirty="0" smtClean="0">
+            <a:endParaRPr lang="en-US" sz="2800" b="1" dirty="0">
               <a:latin typeface="Courier New" pitchFamily="49" charset="0"/>
               <a:cs typeface="Courier New" pitchFamily="49" charset="0"/>
             </a:endParaRPr>
@@ -7897,21 +7695,21 @@
               <a:buNone/>
             </a:pPr>
             <a:r>
-              <a:rPr lang="en-US" sz="2800" b="1" dirty="0" smtClean="0">
+              <a:rPr lang="en-US" sz="2800" b="1" dirty="0">
                 <a:latin typeface="Consolas" pitchFamily="49" charset="0"/>
                 <a:cs typeface="Consolas" pitchFamily="49" charset="0"/>
               </a:rPr>
               <a:t>(define (find-dog </a:t>
             </a:r>
             <a:r>
-              <a:rPr lang="en-US" sz="2800" b="1" dirty="0" err="1" smtClean="0">
+              <a:rPr lang="en-US" sz="2800" b="1" dirty="0" err="1">
                 <a:latin typeface="Consolas" pitchFamily="49" charset="0"/>
                 <a:cs typeface="Consolas" pitchFamily="49" charset="0"/>
               </a:rPr>
               <a:t>los</a:t>
             </a:r>
             <a:r>
-              <a:rPr lang="en-US" sz="2800" b="1" dirty="0" smtClean="0">
+              <a:rPr lang="en-US" sz="2800" b="1" dirty="0">
                 <a:latin typeface="Consolas" pitchFamily="49" charset="0"/>
                 <a:cs typeface="Consolas" pitchFamily="49" charset="0"/>
               </a:rPr>
@@ -7923,58 +7721,11 @@
               <a:buNone/>
             </a:pPr>
             <a:r>
-              <a:rPr lang="en-US" sz="2800" b="1" dirty="0" smtClean="0">
+              <a:rPr lang="en-US" sz="2800" b="1" dirty="0">
                 <a:latin typeface="Consolas" pitchFamily="49" charset="0"/>
                 <a:cs typeface="Consolas" pitchFamily="49" charset="0"/>
               </a:rPr>
               <a:t>  (find-animal los "dog"))</a:t>
-            </a:r>
-          </a:p>
-          <a:p>
-            <a:pPr>
-              <a:buNone/>
-            </a:pPr>
-            <a:endParaRPr lang="en-US" sz="2800" b="1" dirty="0" smtClean="0">
-              <a:latin typeface="Consolas" pitchFamily="49" charset="0"/>
-              <a:cs typeface="Consolas" pitchFamily="49" charset="0"/>
-            </a:endParaRPr>
-          </a:p>
-          <a:p>
-            <a:pPr>
-              <a:buNone/>
-            </a:pPr>
-            <a:r>
-              <a:rPr lang="en-US" sz="2800" b="1" dirty="0" smtClean="0">
-                <a:latin typeface="Consolas" pitchFamily="49" charset="0"/>
-                <a:cs typeface="Consolas" pitchFamily="49" charset="0"/>
-              </a:rPr>
-              <a:t>(define (find-cat </a:t>
-            </a:r>
-            <a:r>
-              <a:rPr lang="en-US" sz="2800" b="1" dirty="0" err="1" smtClean="0">
-                <a:latin typeface="Consolas" pitchFamily="49" charset="0"/>
-                <a:cs typeface="Consolas" pitchFamily="49" charset="0"/>
-              </a:rPr>
-              <a:t>los</a:t>
-            </a:r>
-            <a:r>
-              <a:rPr lang="en-US" sz="2800" b="1" dirty="0" smtClean="0">
-                <a:latin typeface="Consolas" pitchFamily="49" charset="0"/>
-                <a:cs typeface="Consolas" pitchFamily="49" charset="0"/>
-              </a:rPr>
-              <a:t>)</a:t>
-            </a:r>
-          </a:p>
-          <a:p>
-            <a:pPr>
-              <a:buNone/>
-            </a:pPr>
-            <a:r>
-              <a:rPr lang="en-US" sz="2800" b="1" dirty="0" smtClean="0">
-                <a:latin typeface="Consolas" pitchFamily="49" charset="0"/>
-                <a:cs typeface="Consolas" pitchFamily="49" charset="0"/>
-              </a:rPr>
-              <a:t>  (find-animal los "cat"))</a:t>
             </a:r>
           </a:p>
           <a:p>
@@ -7991,11 +7742,25 @@
               <a:buNone/>
             </a:pPr>
             <a:r>
-              <a:rPr lang="en-US" sz="2800" b="1" dirty="0" smtClean="0">
-                <a:latin typeface="Consolas" pitchFamily="49" charset="0"/>
-                <a:cs typeface="Consolas" pitchFamily="49" charset="0"/>
-              </a:rPr>
-              <a:t>(define (find-elephant los)</a:t>
+              <a:rPr lang="en-US" sz="2800" b="1" dirty="0">
+                <a:latin typeface="Consolas" pitchFamily="49" charset="0"/>
+                <a:cs typeface="Consolas" pitchFamily="49" charset="0"/>
+              </a:rPr>
+              <a:t>(define (find-cat </a:t>
+            </a:r>
+            <a:r>
+              <a:rPr lang="en-US" sz="2800" b="1" dirty="0" err="1">
+                <a:latin typeface="Consolas" pitchFamily="49" charset="0"/>
+                <a:cs typeface="Consolas" pitchFamily="49" charset="0"/>
+              </a:rPr>
+              <a:t>los</a:t>
+            </a:r>
+            <a:r>
+              <a:rPr lang="en-US" sz="2800" b="1" dirty="0">
+                <a:latin typeface="Consolas" pitchFamily="49" charset="0"/>
+                <a:cs typeface="Consolas" pitchFamily="49" charset="0"/>
+              </a:rPr>
+              <a:t>)</a:t>
             </a:r>
           </a:p>
           <a:p>
@@ -8007,19 +7772,41 @@
                 <a:latin typeface="Consolas" pitchFamily="49" charset="0"/>
                 <a:cs typeface="Consolas" pitchFamily="49" charset="0"/>
               </a:rPr>
-              <a:t> </a:t>
-            </a:r>
-            <a:r>
-              <a:rPr lang="en-US" sz="2800" b="1" dirty="0" smtClean="0">
-                <a:latin typeface="Consolas" pitchFamily="49" charset="0"/>
-                <a:cs typeface="Consolas" pitchFamily="49" charset="0"/>
-              </a:rPr>
-              <a:t> (find-animal los "elephant"))</a:t>
-            </a:r>
+              <a:t>  (find-animal los "cat"))</a:t>
+            </a:r>
+          </a:p>
+          <a:p>
+            <a:pPr>
+              <a:buNone/>
+            </a:pPr>
             <a:endParaRPr lang="en-US" sz="2800" b="1" dirty="0">
               <a:latin typeface="Consolas" pitchFamily="49" charset="0"/>
               <a:cs typeface="Consolas" pitchFamily="49" charset="0"/>
             </a:endParaRPr>
+          </a:p>
+          <a:p>
+            <a:pPr>
+              <a:buNone/>
+            </a:pPr>
+            <a:r>
+              <a:rPr lang="en-US" sz="2800" b="1" dirty="0">
+                <a:latin typeface="Consolas" pitchFamily="49" charset="0"/>
+                <a:cs typeface="Consolas" pitchFamily="49" charset="0"/>
+              </a:rPr>
+              <a:t>(define (find-elephant los)</a:t>
+            </a:r>
+          </a:p>
+          <a:p>
+            <a:pPr>
+              <a:buNone/>
+            </a:pPr>
+            <a:r>
+              <a:rPr lang="en-US" sz="2800" b="1" dirty="0">
+                <a:latin typeface="Consolas" pitchFamily="49" charset="0"/>
+                <a:cs typeface="Consolas" pitchFamily="49" charset="0"/>
+              </a:rPr>
+              <a:t>  (find-animal los "elephant"))</a:t>
+            </a:r>
           </a:p>
         </p:txBody>
       </p:sp>
@@ -8080,14 +7867,14 @@
           <a:lstStyle/>
           <a:p>
             <a:r>
-              <a:rPr lang="en-US" sz="2400" b="1" dirty="0" smtClean="0">
+              <a:rPr lang="en-US" sz="2400" b="1" dirty="0">
                 <a:latin typeface="Consolas" panose="020B0609020204030204" pitchFamily="49" charset="0"/>
                 <a:cs typeface="Consolas" panose="020B0609020204030204" pitchFamily="49" charset="0"/>
               </a:rPr>
               <a:t>find-elephant</a:t>
             </a:r>
             <a:r>
-              <a:rPr lang="en-US" sz="2400" dirty="0" smtClean="0"/>
+              <a:rPr lang="en-US" sz="2400" dirty="0"/>
               <a:t> is now a one-liner.  Yay!</a:t>
             </a:r>
           </a:p>
@@ -8103,13 +7890,6 @@
   <p:clrMapOvr>
     <a:masterClrMapping/>
   </p:clrMapOvr>
-  <p:timing>
-    <p:tnLst>
-      <p:par>
-        <p:cTn id="1" dur="indefinite" restart="never" nodeType="tmRoot"/>
-      </p:par>
-    </p:tnLst>
-  </p:timing>
 </p:sld>
 </file>
 
@@ -8146,10 +7926,9 @@
           <a:lstStyle/>
           <a:p>
             <a:r>
-              <a:rPr lang="en-US" dirty="0" smtClean="0"/>
+              <a:rPr lang="en-US" dirty="0"/>
               <a:t>What's the strategy?</a:t>
             </a:r>
-            <a:endParaRPr lang="en-US" dirty="0"/>
           </a:p>
         </p:txBody>
       </p:sp>
@@ -8169,31 +7948,27 @@
           <a:lstStyle/>
           <a:p>
             <a:r>
-              <a:rPr lang="en-US" sz="1800" dirty="0" smtClean="0"/>
+              <a:rPr lang="en-US" sz="1800" dirty="0"/>
               <a:t>;; STRATEGY: Use template for </a:t>
             </a:r>
             <a:r>
-              <a:rPr lang="en-US" sz="1800" dirty="0" err="1" smtClean="0"/>
+              <a:rPr lang="en-US" sz="1800" dirty="0" err="1"/>
               <a:t>ListOfString</a:t>
             </a:r>
             <a:r>
-              <a:rPr lang="en-US" sz="1800" dirty="0" smtClean="0"/>
+              <a:rPr lang="en-US" sz="1800" dirty="0"/>
               <a:t> on </a:t>
             </a:r>
             <a:r>
-              <a:rPr lang="en-US" sz="1800" dirty="0" err="1" smtClean="0"/>
+              <a:rPr lang="en-US" sz="1800" dirty="0" err="1"/>
               <a:t>los</a:t>
             </a:r>
-            <a:endParaRPr lang="en-US" sz="1800" dirty="0" smtClean="0"/>
-          </a:p>
-          <a:p>
-            <a:r>
-              <a:rPr lang="en-US" sz="1800" dirty="0" smtClean="0"/>
-              <a:t>(</a:t>
-            </a:r>
+            <a:endParaRPr lang="en-US" sz="1800" dirty="0"/>
+          </a:p>
+          <a:p>
             <a:r>
               <a:rPr lang="en-US" sz="1800" dirty="0"/>
-              <a:t>define (find-animal </a:t>
+              <a:t>(define (find-animal </a:t>
             </a:r>
             <a:r>
               <a:rPr lang="en-US" sz="1800" dirty="0" err="1"/>
@@ -8290,7 +8065,7 @@
               <a:t>str</a:t>
             </a:r>
             <a:r>
-              <a:rPr lang="en-US" sz="1800" dirty="0" smtClean="0"/>
+              <a:rPr lang="en-US" sz="1800" dirty="0"/>
               <a:t>))]))</a:t>
             </a:r>
           </a:p>
@@ -8299,11 +8074,11 @@
           </a:p>
           <a:p>
             <a:r>
-              <a:rPr lang="en-US" sz="1800" dirty="0" smtClean="0"/>
+              <a:rPr lang="en-US" sz="1800" dirty="0"/>
               <a:t>;; STRATEGY: </a:t>
             </a:r>
             <a:r>
-              <a:rPr lang="en-US" sz="1800" dirty="0" smtClean="0">
+              <a:rPr lang="en-US" sz="1800" dirty="0">
                 <a:solidFill>
                   <a:srgbClr val="FF0000"/>
                 </a:solidFill>
@@ -8313,12 +8088,8 @@
           </a:p>
           <a:p>
             <a:r>
-              <a:rPr lang="en-US" sz="1800" dirty="0" smtClean="0"/>
-              <a:t>(</a:t>
-            </a:r>
-            <a:r>
               <a:rPr lang="en-US" sz="1800" dirty="0"/>
-              <a:t>define (find-dog </a:t>
+              <a:t>(define (find-dog </a:t>
             </a:r>
             <a:r>
               <a:rPr lang="en-US" sz="1800" dirty="0" err="1"/>
@@ -8427,7 +8198,7 @@
           <a:p>
             <a:pPr algn="ctr"/>
             <a:r>
-              <a:rPr lang="en-US" dirty="0" smtClean="0">
+              <a:rPr lang="en-US" dirty="0">
                 <a:solidFill>
                   <a:schemeClr val="tx1"/>
                 </a:solidFill>
@@ -8435,7 +8206,7 @@
               <a:t>We could describe this as "call a simpler function", but it seems more accurate to describe this as calling a </a:t>
             </a:r>
             <a:r>
-              <a:rPr lang="en-US" i="1" dirty="0" smtClean="0">
+              <a:rPr lang="en-US" i="1" dirty="0">
                 <a:solidFill>
                   <a:srgbClr val="FF0000"/>
                 </a:solidFill>
@@ -8443,18 +8214,13 @@
               <a:t>more general </a:t>
             </a:r>
             <a:r>
-              <a:rPr lang="en-US" dirty="0" smtClean="0">
+              <a:rPr lang="en-US" dirty="0">
                 <a:solidFill>
                   <a:schemeClr val="tx1"/>
                 </a:solidFill>
               </a:rPr>
               <a:t>function</a:t>
             </a:r>
-            <a:endParaRPr lang="en-US" dirty="0">
-              <a:solidFill>
-                <a:schemeClr val="tx1"/>
-              </a:solidFill>
-            </a:endParaRPr>
           </a:p>
         </p:txBody>
       </p:sp>
@@ -8505,18 +8271,13 @@
           <a:p>
             <a:pPr algn="ctr"/>
             <a:r>
-              <a:rPr lang="en-US" dirty="0" smtClean="0">
+              <a:rPr lang="en-US" dirty="0">
                 <a:solidFill>
                   <a:schemeClr val="tx1"/>
                 </a:solidFill>
               </a:rPr>
               <a:t>In this function we are still using the template</a:t>
             </a:r>
-            <a:endParaRPr lang="en-US" dirty="0">
-              <a:solidFill>
-                <a:schemeClr val="tx1"/>
-              </a:solidFill>
-            </a:endParaRPr>
           </a:p>
         </p:txBody>
       </p:sp>
@@ -8567,18 +8328,13 @@
           <a:p>
             <a:pPr algn="ctr"/>
             <a:r>
-              <a:rPr lang="en-US" dirty="0" smtClean="0">
+              <a:rPr lang="en-US" dirty="0">
                 <a:solidFill>
                   <a:schemeClr val="tx1"/>
                 </a:solidFill>
               </a:rPr>
               <a:t>Don't get all anxious about the difference.</a:t>
             </a:r>
-            <a:endParaRPr lang="en-US" dirty="0">
-              <a:solidFill>
-                <a:schemeClr val="tx1"/>
-              </a:solidFill>
-            </a:endParaRPr>
           </a:p>
         </p:txBody>
       </p:sp>
@@ -8664,13 +8420,6 @@
   <p:clrMapOvr>
     <a:masterClrMapping/>
   </p:clrMapOvr>
-  <p:timing>
-    <p:tnLst>
-      <p:par>
-        <p:cTn id="1" dur="indefinite" restart="never" nodeType="tmRoot"/>
-      </p:par>
-    </p:tnLst>
-  </p:timing>
 </p:sld>
 </file>
 
@@ -8707,10 +8456,9 @@
           <a:lstStyle/>
           <a:p>
             <a:r>
-              <a:rPr lang="en-US" dirty="0" smtClean="0"/>
+              <a:rPr lang="en-US" dirty="0"/>
               <a:t>How to test the new definitions</a:t>
             </a:r>
-            <a:endParaRPr lang="en-US" dirty="0"/>
           </a:p>
         </p:txBody>
       </p:sp>
@@ -8735,16 +8483,11 @@
               <a:rPr lang="en-US" dirty="0"/>
               <a:t>To test the new definitions, comment out the old definitions.  This can be accomplished by using the Racket menu item for "comment out with semicolons".  </a:t>
             </a:r>
-            <a:endParaRPr lang="en-US" dirty="0" smtClean="0"/>
-          </a:p>
-          <a:p>
-            <a:r>
-              <a:rPr lang="en-US" dirty="0" smtClean="0"/>
-              <a:t>An </a:t>
-            </a:r>
+          </a:p>
+          <a:p>
             <a:r>
               <a:rPr lang="en-US" dirty="0"/>
-              <a:t>entire parenthesized expression can also be commented out by prefixing it with </a:t>
+              <a:t>An entire parenthesized expression can also be commented out by prefixing it with </a:t>
             </a:r>
             <a:r>
               <a:rPr lang="en-US" b="1" dirty="0"/>
@@ -8752,25 +8495,13 @@
             </a:r>
             <a:r>
               <a:rPr lang="en-US" dirty="0"/>
-              <a:t>  (see the Help Desk for details</a:t>
-            </a:r>
-            <a:r>
-              <a:rPr lang="en-US" dirty="0" smtClean="0"/>
-              <a:t>).</a:t>
+              <a:t>  (see the Help Desk for details).</a:t>
             </a:r>
           </a:p>
           <a:p>
             <a:r>
               <a:rPr lang="en-US" dirty="0"/>
-              <a:t>Do NOT use the Racket menu item "comment out in a box"—the result will be that your Racket file is converted to a form that is no longer plain text, and will not be viewable with ordinary tools (text editors, </a:t>
-            </a:r>
-            <a:r>
-              <a:rPr lang="en-US" dirty="0" smtClean="0"/>
-              <a:t>web browsers, etc</a:t>
-            </a:r>
-            <a:r>
-              <a:rPr lang="en-US" dirty="0"/>
-              <a:t>.).</a:t>
+              <a:t>Do NOT use the Racket menu item "comment out in a box"—the result will be that your Racket file is converted to a form that is no longer plain text, and will not be viewable with ordinary tools (text editors, web browsers, etc.).</a:t>
             </a:r>
           </a:p>
           <a:p>
@@ -8812,13 +8543,6 @@
   <p:clrMapOvr>
     <a:masterClrMapping/>
   </p:clrMapOvr>
-  <p:timing>
-    <p:tnLst>
-      <p:par>
-        <p:cTn id="1" dur="indefinite" restart="never" nodeType="tmRoot"/>
-      </p:par>
-    </p:tnLst>
-  </p:timing>
 </p:sld>
 </file>
 
@@ -8855,10 +8579,9 @@
           <a:lstStyle/>
           <a:p>
             <a:r>
-              <a:rPr lang="en-US" dirty="0" smtClean="0"/>
+              <a:rPr lang="en-US" dirty="0"/>
               <a:t>Your file should now look like this:</a:t>
             </a:r>
-            <a:endParaRPr lang="en-US" dirty="0"/>
           </a:p>
         </p:txBody>
       </p:sp>
@@ -8881,77 +8604,63 @@
           <a:p>
             <a:r>
               <a:rPr lang="en-US" dirty="0"/>
-              <a:t>#;(define (find-dog los) </a:t>
-            </a:r>
-            <a:r>
-              <a:rPr lang="en-US" dirty="0" smtClean="0"/>
-              <a:t>...)</a:t>
-            </a:r>
-            <a:endParaRPr lang="en-US" dirty="0"/>
-          </a:p>
-          <a:p>
-            <a:r>
-              <a:rPr lang="en-US" dirty="0" smtClean="0"/>
-              <a:t>#; </a:t>
-            </a:r>
+              <a:t>#;(define (find-dog los) ...)</a:t>
+            </a:r>
+          </a:p>
+          <a:p>
             <a:r>
               <a:rPr lang="en-US" dirty="0"/>
-              <a:t>(define (find-cat </a:t>
+              <a:t>#;(define (find-cat </a:t>
             </a:r>
             <a:r>
               <a:rPr lang="en-US" dirty="0" err="1"/>
               <a:t>los</a:t>
             </a:r>
             <a:r>
-              <a:rPr lang="en-US" dirty="0" smtClean="0"/>
+              <a:rPr lang="en-US" dirty="0"/>
               <a:t>) ...)</a:t>
             </a:r>
           </a:p>
           <a:p>
-            <a:endParaRPr lang="en-US" dirty="0" smtClean="0"/>
-          </a:p>
-          <a:p>
             <a:endParaRPr lang="en-US" dirty="0"/>
           </a:p>
           <a:p>
-            <a:r>
-              <a:rPr lang="en-US" dirty="0" smtClean="0"/>
+            <a:endParaRPr lang="en-US" dirty="0"/>
+          </a:p>
+          <a:p>
+            <a:r>
+              <a:rPr lang="en-US" dirty="0"/>
               <a:t>(define (find-animal los </a:t>
             </a:r>
             <a:r>
-              <a:rPr lang="en-US" dirty="0" err="1" smtClean="0"/>
+              <a:rPr lang="en-US" dirty="0" err="1"/>
               <a:t>str</a:t>
             </a:r>
             <a:r>
-              <a:rPr lang="en-US" dirty="0" smtClean="0"/>
+              <a:rPr lang="en-US" dirty="0"/>
               <a:t>) ...)</a:t>
             </a:r>
           </a:p>
           <a:p>
             <a:r>
-              <a:rPr lang="en-US" dirty="0" smtClean="0"/>
+              <a:rPr lang="en-US" dirty="0"/>
               <a:t>(define (find-dog los)</a:t>
             </a:r>
           </a:p>
           <a:p>
             <a:r>
               <a:rPr lang="en-US" dirty="0"/>
-              <a:t> </a:t>
-            </a:r>
-            <a:r>
-              <a:rPr lang="en-US" dirty="0" smtClean="0"/>
-              <a:t> (find-animal los "dog"))</a:t>
-            </a:r>
+              <a:t>  (find-animal los "dog"))</a:t>
+            </a:r>
+          </a:p>
+          <a:p>
             <a:endParaRPr lang="en-US" dirty="0"/>
           </a:p>
           <a:p>
-            <a:endParaRPr lang="en-US" dirty="0" smtClean="0"/>
-          </a:p>
-          <a:p>
             <a:endParaRPr lang="en-US" dirty="0"/>
           </a:p>
           <a:p>
-            <a:endParaRPr lang="en-US" dirty="0" smtClean="0"/>
+            <a:endParaRPr lang="en-US" dirty="0"/>
           </a:p>
           <a:p>
             <a:endParaRPr lang="en-US" dirty="0"/>
@@ -9014,7 +8723,7 @@
           <a:lstStyle/>
           <a:p>
             <a:r>
-              <a:rPr lang="en-US" sz="2400" dirty="0" smtClean="0"/>
+              <a:rPr lang="en-US" sz="2400" dirty="0"/>
               <a:t>The old definitions are commented out</a:t>
             </a:r>
           </a:p>
@@ -9053,14 +8762,14 @@
           <a:lstStyle/>
           <a:p>
             <a:r>
-              <a:rPr lang="en-US" sz="2400" b="1" dirty="0" smtClean="0">
+              <a:rPr lang="en-US" sz="2400" b="1" dirty="0">
                 <a:latin typeface="Consolas" panose="020B0609020204030204" pitchFamily="49" charset="0"/>
                 <a:cs typeface="Consolas" panose="020B0609020204030204" pitchFamily="49" charset="0"/>
               </a:rPr>
               <a:t>find-dog</a:t>
             </a:r>
             <a:r>
-              <a:rPr lang="en-US" sz="2400" dirty="0" smtClean="0"/>
+              <a:rPr lang="en-US" sz="2400" dirty="0"/>
               <a:t> now refers to the new definition</a:t>
             </a:r>
           </a:p>
@@ -9076,13 +8785,6 @@
   <p:clrMapOvr>
     <a:masterClrMapping/>
   </p:clrMapOvr>
-  <p:timing>
-    <p:tnLst>
-      <p:par>
-        <p:cTn id="1" dur="indefinite" restart="never" nodeType="tmRoot"/>
-      </p:par>
-    </p:tnLst>
-  </p:timing>
 </p:sld>
 </file>
 
@@ -9119,10 +8821,9 @@
           <a:lstStyle/>
           <a:p>
             <a:r>
-              <a:rPr lang="en-US" dirty="0" smtClean="0"/>
+              <a:rPr lang="en-US" dirty="0"/>
               <a:t>Generalization</a:t>
             </a:r>
-            <a:endParaRPr lang="en-US" dirty="0"/>
           </a:p>
         </p:txBody>
       </p:sp>
@@ -9145,16 +8846,11 @@
               <a:rPr lang="en-US" dirty="0"/>
               <a:t>The goal of generalization is to avoid having to repeat code, whether the code is identical or slightly different.   </a:t>
             </a:r>
-            <a:endParaRPr lang="en-US" dirty="0" smtClean="0"/>
-          </a:p>
-          <a:p>
-            <a:r>
-              <a:rPr lang="en-US" dirty="0" smtClean="0"/>
-              <a:t>In </a:t>
-            </a:r>
+          </a:p>
+          <a:p>
             <a:r>
               <a:rPr lang="en-US" dirty="0"/>
-              <a:t>this sequence of lessons, you will learn how to do this, starting with very simple situations, then covering more and more complex situations.</a:t>
+              <a:t>In this sequence of lessons, you will learn how to do this, starting with very simple situations, then covering more and more complex situations.</a:t>
             </a:r>
           </a:p>
           <a:p>
@@ -9196,13 +8892,6 @@
   <p:clrMapOvr>
     <a:masterClrMapping/>
   </p:clrMapOvr>
-  <p:timing>
-    <p:tnLst>
-      <p:par>
-        <p:cTn id="1" dur="indefinite" restart="never" nodeType="tmRoot"/>
-      </p:par>
-    </p:tnLst>
-  </p:timing>
 </p:sld>
 </file>
 
@@ -9241,10 +8930,9 @@
           <a:lstStyle/>
           <a:p>
             <a:r>
-              <a:rPr lang="en-US" dirty="0" smtClean="0"/>
+              <a:rPr lang="en-US" dirty="0"/>
               <a:t>Now your old tests should work WITHOUT CHANGE</a:t>
             </a:r>
-            <a:endParaRPr lang="en-US" dirty="0"/>
           </a:p>
         </p:txBody>
       </p:sp>
@@ -9269,35 +8957,17 @@
               <a:rPr lang="en-US" sz="2400" dirty="0"/>
               <a:t>(check-equal? </a:t>
             </a:r>
-            <a:endParaRPr lang="en-US" sz="2400" dirty="0" smtClean="0"/>
           </a:p>
           <a:p>
             <a:r>
               <a:rPr lang="en-US" sz="2400" dirty="0"/>
-              <a:t> </a:t>
-            </a:r>
-            <a:r>
-              <a:rPr lang="en-US" sz="2400" dirty="0" smtClean="0"/>
-              <a:t> (</a:t>
-            </a:r>
+              <a:t>  (find-dog (list "cat" "dog" "weasel")) </a:t>
+            </a:r>
+          </a:p>
+          <a:p>
             <a:r>
               <a:rPr lang="en-US" sz="2400" dirty="0"/>
-              <a:t>find-dog (list "cat" "dog" "weasel")) </a:t>
-            </a:r>
-            <a:endParaRPr lang="en-US" sz="2400" dirty="0" smtClean="0"/>
-          </a:p>
-          <a:p>
-            <a:r>
-              <a:rPr lang="en-US" sz="2400" dirty="0"/>
-              <a:t> </a:t>
-            </a:r>
-            <a:r>
-              <a:rPr lang="en-US" sz="2400" dirty="0" smtClean="0"/>
-              <a:t> true</a:t>
-            </a:r>
-            <a:r>
-              <a:rPr lang="en-US" sz="2400" dirty="0"/>
-              <a:t>)</a:t>
+              <a:t>  true)</a:t>
             </a:r>
           </a:p>
           <a:p>
@@ -9305,29 +8975,16 @@
               <a:rPr lang="en-US" sz="2400" dirty="0"/>
               <a:t>(check-equal? </a:t>
             </a:r>
-            <a:endParaRPr lang="en-US" sz="2400" dirty="0" smtClean="0"/>
           </a:p>
           <a:p>
             <a:r>
               <a:rPr lang="en-US" sz="2400" dirty="0"/>
-              <a:t> </a:t>
-            </a:r>
-            <a:r>
-              <a:rPr lang="en-US" sz="2400" dirty="0" smtClean="0"/>
-              <a:t> (</a:t>
-            </a:r>
+              <a:t>  (find-dog (list "cat" "elephant" "weasel"))</a:t>
+            </a:r>
+          </a:p>
+          <a:p>
             <a:r>
               <a:rPr lang="en-US" sz="2400" dirty="0"/>
-              <a:t>find-dog (list "cat" "elephant" "weasel</a:t>
-            </a:r>
-            <a:r>
-              <a:rPr lang="en-US" sz="2400" dirty="0" smtClean="0"/>
-              <a:t>"))</a:t>
-            </a:r>
-          </a:p>
-          <a:p>
-            <a:r>
-              <a:rPr lang="en-US" sz="2400" dirty="0" smtClean="0"/>
               <a:t>  false)</a:t>
             </a:r>
           </a:p>
@@ -9336,35 +8993,17 @@
               <a:rPr lang="en-US" sz="2400" dirty="0"/>
               <a:t>(check-equal? </a:t>
             </a:r>
-            <a:endParaRPr lang="en-US" sz="2400" dirty="0" smtClean="0"/>
           </a:p>
           <a:p>
             <a:r>
               <a:rPr lang="en-US" sz="2400" dirty="0"/>
-              <a:t> </a:t>
-            </a:r>
-            <a:r>
-              <a:rPr lang="en-US" sz="2400" dirty="0" smtClean="0"/>
-              <a:t> (</a:t>
-            </a:r>
+              <a:t>  (find-cat (list "cat" "dog" "weasel")) </a:t>
+            </a:r>
+          </a:p>
+          <a:p>
             <a:r>
               <a:rPr lang="en-US" sz="2400" dirty="0"/>
-              <a:t>find-cat (list "cat" "dog" "weasel")) </a:t>
-            </a:r>
-            <a:endParaRPr lang="en-US" sz="2400" dirty="0" smtClean="0"/>
-          </a:p>
-          <a:p>
-            <a:r>
-              <a:rPr lang="en-US" sz="2400" dirty="0"/>
-              <a:t> </a:t>
-            </a:r>
-            <a:r>
-              <a:rPr lang="en-US" sz="2400" dirty="0" smtClean="0"/>
-              <a:t> true</a:t>
-            </a:r>
-            <a:r>
-              <a:rPr lang="en-US" sz="2400" dirty="0"/>
-              <a:t>)</a:t>
+              <a:t>  true)</a:t>
             </a:r>
           </a:p>
           <a:p>
@@ -9372,35 +9011,17 @@
               <a:rPr lang="en-US" sz="2400" dirty="0"/>
               <a:t>(check-equal? </a:t>
             </a:r>
-            <a:endParaRPr lang="en-US" sz="2400" dirty="0" smtClean="0"/>
           </a:p>
           <a:p>
             <a:r>
               <a:rPr lang="en-US" sz="2400" dirty="0"/>
-              <a:t> </a:t>
-            </a:r>
-            <a:r>
-              <a:rPr lang="en-US" sz="2400" dirty="0" smtClean="0"/>
-              <a:t> (</a:t>
-            </a:r>
+              <a:t>  (find-cat (list "elephant" "weasel")) </a:t>
+            </a:r>
+          </a:p>
+          <a:p>
             <a:r>
               <a:rPr lang="en-US" sz="2400" dirty="0"/>
-              <a:t>find-cat (list "elephant" "weasel")) </a:t>
-            </a:r>
-            <a:endParaRPr lang="en-US" sz="2400" dirty="0" smtClean="0"/>
-          </a:p>
-          <a:p>
-            <a:r>
-              <a:rPr lang="en-US" sz="2400" dirty="0"/>
-              <a:t> </a:t>
-            </a:r>
-            <a:r>
-              <a:rPr lang="en-US" sz="2400" dirty="0" smtClean="0"/>
-              <a:t> false</a:t>
-            </a:r>
-            <a:r>
-              <a:rPr lang="en-US" sz="2400" dirty="0"/>
-              <a:t>)</a:t>
+              <a:t>  false)</a:t>
             </a:r>
           </a:p>
           <a:p>
@@ -9468,23 +9089,23 @@
           <a:lstStyle/>
           <a:p>
             <a:r>
-              <a:rPr lang="en-US" sz="2400" dirty="0" smtClean="0"/>
+              <a:rPr lang="en-US" sz="2400" dirty="0"/>
               <a:t>The new definitions of </a:t>
             </a:r>
             <a:r>
-              <a:rPr lang="en-US" sz="2400" b="1" dirty="0" smtClean="0"/>
+              <a:rPr lang="en-US" sz="2400" b="1" dirty="0"/>
               <a:t>find-dog</a:t>
             </a:r>
             <a:r>
-              <a:rPr lang="en-US" sz="2400" dirty="0" smtClean="0"/>
+              <a:rPr lang="en-US" sz="2400" dirty="0"/>
               <a:t> and </a:t>
             </a:r>
             <a:r>
-              <a:rPr lang="en-US" sz="2400" b="1" dirty="0" smtClean="0"/>
+              <a:rPr lang="en-US" sz="2400" b="1" dirty="0"/>
               <a:t>find-cat</a:t>
             </a:r>
             <a:r>
-              <a:rPr lang="en-US" sz="2400" dirty="0" smtClean="0"/>
+              <a:rPr lang="en-US" sz="2400" dirty="0"/>
               <a:t> are the only ones visible, so these are now testing the new definitions.</a:t>
             </a:r>
           </a:p>
@@ -9500,13 +9121,6 @@
   <p:clrMapOvr>
     <a:masterClrMapping/>
   </p:clrMapOvr>
-  <p:timing>
-    <p:tnLst>
-      <p:par>
-        <p:cTn id="1" dur="indefinite" restart="never" nodeType="tmRoot"/>
-      </p:par>
-    </p:tnLst>
-  </p:timing>
 </p:sld>
 </file>
 
@@ -9543,10 +9157,9 @@
           <a:lstStyle/>
           <a:p>
             <a:r>
-              <a:rPr lang="en-US" dirty="0" smtClean="0"/>
+              <a:rPr lang="en-US" dirty="0"/>
               <a:t>Another Example: Pizza!</a:t>
             </a:r>
-            <a:endParaRPr lang="en-US" dirty="0"/>
           </a:p>
         </p:txBody>
       </p:sp>
@@ -9620,7 +9233,7 @@
               <a:t>;; A Pizza is a </a:t>
             </a:r>
             <a:r>
-              <a:rPr lang="en-US" sz="2400" b="1" dirty="0" err="1" smtClean="0">
+              <a:rPr lang="en-US" sz="2400" b="1" dirty="0" err="1">
                 <a:latin typeface="Consolas" pitchFamily="49" charset="0"/>
                 <a:cs typeface="Consolas" pitchFamily="49" charset="0"/>
               </a:rPr>
@@ -9640,21 +9253,7 @@
                 <a:latin typeface="Consolas" pitchFamily="49" charset="0"/>
                 <a:cs typeface="Consolas" pitchFamily="49" charset="0"/>
               </a:rPr>
-              <a:t>;; </a:t>
-            </a:r>
-            <a:r>
-              <a:rPr lang="en-US" sz="2400" b="1" dirty="0" smtClean="0">
-                <a:latin typeface="Consolas" pitchFamily="49" charset="0"/>
-                <a:cs typeface="Consolas" pitchFamily="49" charset="0"/>
-              </a:rPr>
-              <a:t>INTERP: </a:t>
-            </a:r>
-            <a:r>
-              <a:rPr lang="en-US" sz="2400" b="1" dirty="0">
-                <a:latin typeface="Consolas" pitchFamily="49" charset="0"/>
-                <a:cs typeface="Consolas" pitchFamily="49" charset="0"/>
-              </a:rPr>
-              <a:t>a pizza is a list of toppings, listed from top to bottom</a:t>
+              <a:t>;; INTERP: a pizza is a list of toppings, listed from top to bottom</a:t>
             </a:r>
           </a:p>
           <a:p>
@@ -9697,18 +9296,11 @@
               <a:buNone/>
             </a:pPr>
             <a:r>
-              <a:rPr lang="en-US" sz="2400" b="1" dirty="0" smtClean="0">
-                <a:latin typeface="Consolas" pitchFamily="49" charset="0"/>
-                <a:cs typeface="Consolas" pitchFamily="49" charset="0"/>
-              </a:rPr>
-              <a:t>;; </a:t>
-            </a:r>
-            <a:r>
               <a:rPr lang="en-US" sz="2400" b="1" dirty="0">
                 <a:latin typeface="Consolas" pitchFamily="49" charset="0"/>
                 <a:cs typeface="Consolas" pitchFamily="49" charset="0"/>
               </a:rPr>
-              <a:t>(define (pizza-</a:t>
+              <a:t>;; (define (pizza-</a:t>
             </a:r>
             <a:r>
               <a:rPr lang="en-US" sz="2400" b="1" dirty="0" err="1">
@@ -9852,33 +9444,8 @@
                 <a:latin typeface="Consolas" pitchFamily="49" charset="0"/>
                 <a:cs typeface="Consolas" pitchFamily="49" charset="0"/>
               </a:rPr>
-              <a:t>(define </a:t>
-            </a:r>
-            <a:r>
-              <a:rPr lang="en-US" sz="2400" b="1" dirty="0" smtClean="0">
-                <a:latin typeface="Consolas" pitchFamily="49" charset="0"/>
-                <a:cs typeface="Consolas" pitchFamily="49" charset="0"/>
-              </a:rPr>
-              <a:t>anchovies-cheese-pizza </a:t>
-            </a:r>
-            <a:r>
-              <a:rPr lang="en-US" sz="2400" b="1" dirty="0">
-                <a:latin typeface="Consolas" pitchFamily="49" charset="0"/>
-                <a:cs typeface="Consolas" pitchFamily="49" charset="0"/>
-              </a:rPr>
-              <a:t>(list "anchovies" "cheese</a:t>
-            </a:r>
-            <a:r>
-              <a:rPr lang="en-US" sz="2400" b="1" dirty="0" smtClean="0">
-                <a:latin typeface="Consolas" pitchFamily="49" charset="0"/>
-                <a:cs typeface="Consolas" pitchFamily="49" charset="0"/>
-              </a:rPr>
-              <a:t>"))</a:t>
-            </a:r>
-            <a:endParaRPr lang="en-US" sz="2400" b="1" dirty="0">
-              <a:latin typeface="Consolas" pitchFamily="49" charset="0"/>
-              <a:cs typeface="Consolas" pitchFamily="49" charset="0"/>
-            </a:endParaRPr>
+              <a:t>(define anchovies-cheese-pizza (list "anchovies" "cheese"))</a:t>
+            </a:r>
           </a:p>
         </p:txBody>
       </p:sp>
@@ -9939,7 +9506,7 @@
           <a:lstStyle/>
           <a:p>
             <a:r>
-              <a:rPr lang="en-US" sz="2000" dirty="0" smtClean="0"/>
+              <a:rPr lang="en-US" sz="2000" dirty="0"/>
               <a:t>The toppings are listed in a certain order, so we must include the order in the interpretation.</a:t>
             </a:r>
           </a:p>
@@ -10025,7 +9592,7 @@
           <a:lstStyle/>
           <a:p>
             <a:pPr algn="ctr"/>
-            <a:endParaRPr lang="en-US" dirty="0" smtClean="0">
+            <a:endParaRPr lang="en-US" dirty="0">
               <a:solidFill>
                 <a:schemeClr val="tx1"/>
               </a:solidFill>
@@ -10043,13 +9610,6 @@
   <p:clrMapOvr>
     <a:masterClrMapping/>
   </p:clrMapOvr>
-  <p:timing>
-    <p:tnLst>
-      <p:par>
-        <p:cTn id="1" dur="indefinite" restart="never" nodeType="tmRoot"/>
-      </p:par>
-    </p:tnLst>
-  </p:timing>
 </p:sld>
 </file>
 
@@ -10086,10 +9646,9 @@
           <a:lstStyle/>
           <a:p>
             <a:r>
-              <a:rPr lang="en-US" dirty="0" smtClean="0"/>
+              <a:rPr lang="en-US" dirty="0"/>
               <a:t>replace-all-anchovies-with-onions</a:t>
             </a:r>
-            <a:endParaRPr lang="en-US" dirty="0"/>
           </a:p>
         </p:txBody>
       </p:sp>
@@ -10120,35 +9679,17 @@
               </a:rPr>
               <a:t>;; replace-all-anchovies-with-onions </a:t>
             </a:r>
-            <a:endParaRPr lang="en-US" b="1" dirty="0" smtClean="0">
-              <a:latin typeface="Consolas" pitchFamily="49" charset="0"/>
-              <a:cs typeface="Consolas" pitchFamily="49" charset="0"/>
-            </a:endParaRPr>
           </a:p>
           <a:p>
             <a:pPr marL="0" indent="0">
               <a:buNone/>
             </a:pPr>
             <a:r>
-              <a:rPr lang="en-US" b="1" dirty="0" smtClean="0">
-                <a:latin typeface="Consolas" pitchFamily="49" charset="0"/>
-                <a:cs typeface="Consolas" pitchFamily="49" charset="0"/>
-              </a:rPr>
-              <a:t>;;   : </a:t>
-            </a:r>
-            <a:r>
               <a:rPr lang="en-US" b="1" dirty="0">
                 <a:latin typeface="Consolas" pitchFamily="49" charset="0"/>
                 <a:cs typeface="Consolas" pitchFamily="49" charset="0"/>
               </a:rPr>
-              <a:t>Pizza -&gt; </a:t>
-            </a:r>
-            <a:r>
-              <a:rPr lang="en-US" b="1" dirty="0" smtClean="0">
-                <a:latin typeface="Consolas" pitchFamily="49" charset="0"/>
-                <a:cs typeface="Consolas" pitchFamily="49" charset="0"/>
-              </a:rPr>
-              <a:t>Pizza</a:t>
+              <a:t>;;   : Pizza -&gt; Pizza</a:t>
             </a:r>
           </a:p>
           <a:p>
@@ -10156,11 +9697,66 @@
               <a:buNone/>
             </a:pPr>
             <a:r>
-              <a:rPr lang="en-US" b="1" dirty="0" smtClean="0">
+              <a:rPr lang="en-US" b="1" dirty="0">
                 <a:latin typeface="Consolas" pitchFamily="49" charset="0"/>
                 <a:cs typeface="Consolas" pitchFamily="49" charset="0"/>
               </a:rPr>
               <a:t>;; GIVEN: a pizza</a:t>
+            </a:r>
+          </a:p>
+          <a:p>
+            <a:pPr marL="0" indent="0">
+              <a:buNone/>
+            </a:pPr>
+            <a:r>
+              <a:rPr lang="en-US" b="1" dirty="0">
+                <a:latin typeface="Consolas" pitchFamily="49" charset="0"/>
+                <a:cs typeface="Consolas" pitchFamily="49" charset="0"/>
+              </a:rPr>
+              <a:t>;; RETURNS: a pizza like the given pizza, but with</a:t>
+            </a:r>
+          </a:p>
+          <a:p>
+            <a:pPr marL="0" indent="0">
+              <a:buNone/>
+            </a:pPr>
+            <a:r>
+              <a:rPr lang="en-US" b="1" dirty="0">
+                <a:latin typeface="Consolas" pitchFamily="49" charset="0"/>
+                <a:cs typeface="Consolas" pitchFamily="49" charset="0"/>
+              </a:rPr>
+              <a:t>;; anchovies in place of each layer of onions</a:t>
+            </a:r>
+          </a:p>
+          <a:p>
+            <a:pPr marL="0" indent="0">
+              <a:buNone/>
+            </a:pPr>
+            <a:r>
+              <a:rPr lang="en-US" b="1" dirty="0">
+                <a:latin typeface="Consolas" pitchFamily="49" charset="0"/>
+                <a:cs typeface="Consolas" pitchFamily="49" charset="0"/>
+              </a:rPr>
+              <a:t>(define (replace-all-anchovies-with-onions p)</a:t>
+            </a:r>
+          </a:p>
+          <a:p>
+            <a:pPr marL="0" indent="0">
+              <a:buNone/>
+            </a:pPr>
+            <a:r>
+              <a:rPr lang="en-US" b="1" dirty="0">
+                <a:latin typeface="Consolas" pitchFamily="49" charset="0"/>
+                <a:cs typeface="Consolas" pitchFamily="49" charset="0"/>
+              </a:rPr>
+              <a:t>  (</a:t>
+            </a:r>
+            <a:r>
+              <a:rPr lang="en-US" b="1" dirty="0" err="1">
+                <a:latin typeface="Consolas" pitchFamily="49" charset="0"/>
+                <a:cs typeface="Consolas" pitchFamily="49" charset="0"/>
+              </a:rPr>
+              <a:t>cond</a:t>
             </a:r>
             <a:endParaRPr lang="en-US" b="1" dirty="0">
               <a:latin typeface="Consolas" pitchFamily="49" charset="0"/>
@@ -10176,21 +9772,19 @@
                 <a:latin typeface="Consolas" pitchFamily="49" charset="0"/>
                 <a:cs typeface="Consolas" pitchFamily="49" charset="0"/>
               </a:rPr>
-              <a:t>;; </a:t>
-            </a:r>
-            <a:r>
-              <a:rPr lang="en-US" b="1" dirty="0" smtClean="0">
-                <a:latin typeface="Consolas" pitchFamily="49" charset="0"/>
-                <a:cs typeface="Consolas" pitchFamily="49" charset="0"/>
-              </a:rPr>
-              <a:t>RETURNS: a </a:t>
-            </a:r>
+              <a:t>    [(empty? p) empty]</a:t>
+            </a:r>
+          </a:p>
+          <a:p>
+            <a:pPr marL="0" indent="0">
+              <a:buNone/>
+            </a:pPr>
             <a:r>
               <a:rPr lang="en-US" b="1" dirty="0">
                 <a:latin typeface="Consolas" pitchFamily="49" charset="0"/>
                 <a:cs typeface="Consolas" pitchFamily="49" charset="0"/>
               </a:rPr>
-              <a:t>pizza like the given pizza, but with</a:t>
+              <a:t>    [else (if (string=? (first p) "anchovies")</a:t>
             </a:r>
           </a:p>
           <a:p>
@@ -10202,7 +9796,7 @@
                 <a:latin typeface="Consolas" pitchFamily="49" charset="0"/>
                 <a:cs typeface="Consolas" pitchFamily="49" charset="0"/>
               </a:rPr>
-              <a:t>;; anchovies in place of each layer of onions</a:t>
+              <a:t>              (cons "onions"</a:t>
             </a:r>
           </a:p>
           <a:p>
@@ -10214,7 +9808,7 @@
                 <a:latin typeface="Consolas" pitchFamily="49" charset="0"/>
                 <a:cs typeface="Consolas" pitchFamily="49" charset="0"/>
               </a:rPr>
-              <a:t>(define (replace-all-anchovies-with-onions p)</a:t>
+              <a:t>                (replace-all-anchovies-with-onions </a:t>
             </a:r>
           </a:p>
           <a:p>
@@ -10226,19 +9820,8 @@
                 <a:latin typeface="Consolas" pitchFamily="49" charset="0"/>
                 <a:cs typeface="Consolas" pitchFamily="49" charset="0"/>
               </a:rPr>
-              <a:t>  (</a:t>
-            </a:r>
-            <a:r>
-              <a:rPr lang="en-US" b="1" dirty="0" err="1">
-                <a:latin typeface="Consolas" pitchFamily="49" charset="0"/>
-                <a:cs typeface="Consolas" pitchFamily="49" charset="0"/>
-              </a:rPr>
-              <a:t>cond</a:t>
-            </a:r>
-            <a:endParaRPr lang="en-US" b="1" dirty="0">
-              <a:latin typeface="Consolas" pitchFamily="49" charset="0"/>
-              <a:cs typeface="Consolas" pitchFamily="49" charset="0"/>
-            </a:endParaRPr>
+              <a:t>                  (rest p)))</a:t>
+            </a:r>
           </a:p>
           <a:p>
             <a:pPr marL="0" indent="0">
@@ -10249,7 +9832,7 @@
                 <a:latin typeface="Consolas" pitchFamily="49" charset="0"/>
                 <a:cs typeface="Consolas" pitchFamily="49" charset="0"/>
               </a:rPr>
-              <a:t>    [(empty? p) empty]</a:t>
+              <a:t>              (cons (first p)</a:t>
             </a:r>
           </a:p>
           <a:p>
@@ -10261,7 +9844,7 @@
                 <a:latin typeface="Consolas" pitchFamily="49" charset="0"/>
                 <a:cs typeface="Consolas" pitchFamily="49" charset="0"/>
               </a:rPr>
-              <a:t>    [else (if (string=? (first p) "anchovies")</a:t>
+              <a:t>                (replace-all-anchovies-with-onions           </a:t>
             </a:r>
           </a:p>
           <a:p>
@@ -10273,155 +9856,7 @@
                 <a:latin typeface="Consolas" pitchFamily="49" charset="0"/>
                 <a:cs typeface="Consolas" pitchFamily="49" charset="0"/>
               </a:rPr>
-              <a:t>            </a:t>
-            </a:r>
-            <a:r>
-              <a:rPr lang="en-US" b="1" dirty="0" smtClean="0">
-                <a:latin typeface="Consolas" pitchFamily="49" charset="0"/>
-                <a:cs typeface="Consolas" pitchFamily="49" charset="0"/>
-              </a:rPr>
-              <a:t>  (</a:t>
-            </a:r>
-            <a:r>
-              <a:rPr lang="en-US" b="1" dirty="0">
-                <a:latin typeface="Consolas" pitchFamily="49" charset="0"/>
-                <a:cs typeface="Consolas" pitchFamily="49" charset="0"/>
-              </a:rPr>
-              <a:t>cons "onions"</a:t>
-            </a:r>
-          </a:p>
-          <a:p>
-            <a:pPr marL="0" indent="0">
-              <a:buNone/>
-            </a:pPr>
-            <a:r>
-              <a:rPr lang="en-US" b="1" dirty="0">
-                <a:latin typeface="Consolas" pitchFamily="49" charset="0"/>
-                <a:cs typeface="Consolas" pitchFamily="49" charset="0"/>
-              </a:rPr>
-              <a:t>              </a:t>
-            </a:r>
-            <a:r>
-              <a:rPr lang="en-US" b="1" dirty="0" smtClean="0">
-                <a:latin typeface="Consolas" pitchFamily="49" charset="0"/>
-                <a:cs typeface="Consolas" pitchFamily="49" charset="0"/>
-              </a:rPr>
-              <a:t>  (</a:t>
-            </a:r>
-            <a:r>
-              <a:rPr lang="en-US" b="1" dirty="0">
-                <a:latin typeface="Consolas" pitchFamily="49" charset="0"/>
-                <a:cs typeface="Consolas" pitchFamily="49" charset="0"/>
-              </a:rPr>
-              <a:t>replace-all-anchovies-with-onions </a:t>
-            </a:r>
-            <a:endParaRPr lang="en-US" b="1" dirty="0" smtClean="0">
-              <a:latin typeface="Consolas" pitchFamily="49" charset="0"/>
-              <a:cs typeface="Consolas" pitchFamily="49" charset="0"/>
-            </a:endParaRPr>
-          </a:p>
-          <a:p>
-            <a:pPr marL="0" indent="0">
-              <a:buNone/>
-            </a:pPr>
-            <a:r>
-              <a:rPr lang="en-US" b="1" dirty="0">
-                <a:latin typeface="Consolas" pitchFamily="49" charset="0"/>
-                <a:cs typeface="Consolas" pitchFamily="49" charset="0"/>
-              </a:rPr>
-              <a:t> </a:t>
-            </a:r>
-            <a:r>
-              <a:rPr lang="en-US" b="1" dirty="0" smtClean="0">
-                <a:latin typeface="Consolas" pitchFamily="49" charset="0"/>
-                <a:cs typeface="Consolas" pitchFamily="49" charset="0"/>
-              </a:rPr>
-              <a:t>                 (</a:t>
-            </a:r>
-            <a:r>
-              <a:rPr lang="en-US" b="1" dirty="0">
-                <a:latin typeface="Consolas" pitchFamily="49" charset="0"/>
-                <a:cs typeface="Consolas" pitchFamily="49" charset="0"/>
-              </a:rPr>
-              <a:t>rest p)))</a:t>
-            </a:r>
-          </a:p>
-          <a:p>
-            <a:pPr marL="0" indent="0">
-              <a:buNone/>
-            </a:pPr>
-            <a:r>
-              <a:rPr lang="en-US" b="1" dirty="0">
-                <a:latin typeface="Consolas" pitchFamily="49" charset="0"/>
-                <a:cs typeface="Consolas" pitchFamily="49" charset="0"/>
-              </a:rPr>
-              <a:t>            </a:t>
-            </a:r>
-            <a:r>
-              <a:rPr lang="en-US" b="1" dirty="0" smtClean="0">
-                <a:latin typeface="Consolas" pitchFamily="49" charset="0"/>
-                <a:cs typeface="Consolas" pitchFamily="49" charset="0"/>
-              </a:rPr>
-              <a:t>  (</a:t>
-            </a:r>
-            <a:r>
-              <a:rPr lang="en-US" b="1" dirty="0">
-                <a:latin typeface="Consolas" pitchFamily="49" charset="0"/>
-                <a:cs typeface="Consolas" pitchFamily="49" charset="0"/>
-              </a:rPr>
-              <a:t>cons (first p)</a:t>
-            </a:r>
-          </a:p>
-          <a:p>
-            <a:pPr marL="0" indent="0">
-              <a:buNone/>
-            </a:pPr>
-            <a:r>
-              <a:rPr lang="en-US" b="1" dirty="0">
-                <a:latin typeface="Consolas" pitchFamily="49" charset="0"/>
-                <a:cs typeface="Consolas" pitchFamily="49" charset="0"/>
-              </a:rPr>
-              <a:t>              </a:t>
-            </a:r>
-            <a:r>
-              <a:rPr lang="en-US" b="1" dirty="0" smtClean="0">
-                <a:latin typeface="Consolas" pitchFamily="49" charset="0"/>
-                <a:cs typeface="Consolas" pitchFamily="49" charset="0"/>
-              </a:rPr>
-              <a:t>  (</a:t>
-            </a:r>
-            <a:r>
-              <a:rPr lang="en-US" b="1" dirty="0">
-                <a:latin typeface="Consolas" pitchFamily="49" charset="0"/>
-                <a:cs typeface="Consolas" pitchFamily="49" charset="0"/>
-              </a:rPr>
-              <a:t>replace-all-anchovies-with-onions </a:t>
-            </a:r>
-            <a:r>
-              <a:rPr lang="en-US" b="1" dirty="0" smtClean="0">
-                <a:latin typeface="Consolas" pitchFamily="49" charset="0"/>
-                <a:cs typeface="Consolas" pitchFamily="49" charset="0"/>
-              </a:rPr>
-              <a:t>          </a:t>
-            </a:r>
-          </a:p>
-          <a:p>
-            <a:pPr marL="0" indent="0">
-              <a:buNone/>
-            </a:pPr>
-            <a:r>
-              <a:rPr lang="en-US" b="1" dirty="0" smtClean="0">
-                <a:latin typeface="Consolas" pitchFamily="49" charset="0"/>
-                <a:cs typeface="Consolas" pitchFamily="49" charset="0"/>
-              </a:rPr>
-              <a:t>                  (</a:t>
-            </a:r>
-            <a:r>
-              <a:rPr lang="en-US" b="1" dirty="0">
-                <a:latin typeface="Consolas" pitchFamily="49" charset="0"/>
-                <a:cs typeface="Consolas" pitchFamily="49" charset="0"/>
-              </a:rPr>
-              <a:t>rest p))))]))</a:t>
+              <a:t>                  (rest p))))]))</a:t>
             </a:r>
           </a:p>
         </p:txBody>
@@ -10460,13 +9895,6 @@
   <p:clrMapOvr>
     <a:masterClrMapping/>
   </p:clrMapOvr>
-  <p:timing>
-    <p:tnLst>
-      <p:par>
-        <p:cTn id="1" dur="indefinite" restart="never" nodeType="tmRoot"/>
-      </p:par>
-    </p:tnLst>
-  </p:timing>
 </p:sld>
 </file>
 
@@ -10503,10 +9931,9 @@
           <a:lstStyle/>
           <a:p>
             <a:r>
-              <a:rPr lang="en-US" dirty="0" smtClean="0"/>
+              <a:rPr lang="en-US" dirty="0"/>
               <a:t>Opportunities for Generalization</a:t>
             </a:r>
-            <a:endParaRPr lang="en-US" dirty="0"/>
           </a:p>
         </p:txBody>
       </p:sp>
@@ -10531,36 +9958,32 @@
               <a:buNone/>
             </a:pPr>
             <a:r>
-              <a:rPr lang="en-US" dirty="0" smtClean="0">
+              <a:rPr lang="en-US" dirty="0">
                 <a:latin typeface="+mj-lt"/>
                 <a:cs typeface="Consolas" pitchFamily="49" charset="0"/>
               </a:rPr>
               <a:t>We can generalize over onions to get </a:t>
             </a:r>
             <a:r>
-              <a:rPr lang="en-US" b="1" dirty="0" smtClean="0">
+              <a:rPr lang="en-US" b="1" dirty="0">
                 <a:latin typeface="Consolas" panose="020B0609020204030204" pitchFamily="49" charset="0"/>
                 <a:cs typeface="Consolas" panose="020B0609020204030204" pitchFamily="49" charset="0"/>
               </a:rPr>
               <a:t>replace-all-anchovies</a:t>
             </a:r>
             <a:r>
-              <a:rPr lang="en-US" dirty="0" smtClean="0">
+              <a:rPr lang="en-US" dirty="0">
                 <a:latin typeface="+mj-lt"/>
                 <a:cs typeface="Consolas" pitchFamily="49" charset="0"/>
               </a:rPr>
               <a:t>.</a:t>
             </a:r>
-            <a:endParaRPr lang="en-US" dirty="0">
-              <a:latin typeface="+mj-lt"/>
-              <a:cs typeface="Consolas" pitchFamily="49" charset="0"/>
-            </a:endParaRPr>
           </a:p>
           <a:p>
             <a:pPr>
               <a:buNone/>
             </a:pPr>
-            <a:endParaRPr lang="en-US" sz="2400" b="1" dirty="0" smtClean="0">
+            <a:endParaRPr lang="en-US" sz="2400" b="1" dirty="0">
               <a:latin typeface="Consolas" pitchFamily="49" charset="0"/>
               <a:cs typeface="Consolas" pitchFamily="49" charset="0"/>
             </a:endParaRPr>
@@ -10570,41 +9993,23 @@
               <a:buNone/>
             </a:pPr>
             <a:r>
-              <a:rPr lang="en-US" sz="2400" b="1" dirty="0" smtClean="0">
-                <a:latin typeface="Consolas" pitchFamily="49" charset="0"/>
-                <a:cs typeface="Consolas" pitchFamily="49" charset="0"/>
-              </a:rPr>
-              <a:t>;; </a:t>
-            </a:r>
-            <a:r>
               <a:rPr lang="en-US" sz="2400" b="1" dirty="0">
                 <a:latin typeface="Consolas" pitchFamily="49" charset="0"/>
                 <a:cs typeface="Consolas" pitchFamily="49" charset="0"/>
               </a:rPr>
-              <a:t>replace-all-anchovies </a:t>
-            </a:r>
-            <a:endParaRPr lang="en-US" sz="2400" b="1" dirty="0" smtClean="0">
-              <a:latin typeface="Consolas" pitchFamily="49" charset="0"/>
-              <a:cs typeface="Consolas" pitchFamily="49" charset="0"/>
-            </a:endParaRPr>
+              <a:t>;; replace-all-anchovies </a:t>
+            </a:r>
           </a:p>
           <a:p>
             <a:pPr>
               <a:buNone/>
             </a:pPr>
             <a:r>
-              <a:rPr lang="en-US" sz="2400" b="1" dirty="0" smtClean="0">
-                <a:latin typeface="Consolas" pitchFamily="49" charset="0"/>
-                <a:cs typeface="Consolas" pitchFamily="49" charset="0"/>
-              </a:rPr>
-              <a:t>;;   : </a:t>
-            </a:r>
-            <a:r>
               <a:rPr lang="en-US" sz="2400" b="1" dirty="0">
                 <a:latin typeface="Consolas" pitchFamily="49" charset="0"/>
                 <a:cs typeface="Consolas" pitchFamily="49" charset="0"/>
               </a:rPr>
-              <a:t>Pizza Topping -&gt; Pizza</a:t>
+              <a:t>;;   : Pizza Topping -&gt; Pizza</a:t>
             </a:r>
           </a:p>
           <a:p>
@@ -10612,7 +10017,7 @@
               <a:buNone/>
             </a:pPr>
             <a:r>
-              <a:rPr lang="en-US" sz="2400" b="1" dirty="0" smtClean="0">
+              <a:rPr lang="en-US" sz="2400" b="1" dirty="0">
                 <a:latin typeface="Consolas" pitchFamily="49" charset="0"/>
                 <a:cs typeface="Consolas" pitchFamily="49" charset="0"/>
               </a:rPr>
@@ -10624,25 +10029,11 @@
               <a:buNone/>
             </a:pPr>
             <a:r>
-              <a:rPr lang="en-US" sz="2400" b="1" dirty="0" smtClean="0">
-                <a:latin typeface="Consolas" pitchFamily="49" charset="0"/>
-                <a:cs typeface="Consolas" pitchFamily="49" charset="0"/>
-              </a:rPr>
-              <a:t>;; RETURNS: a </a:t>
-            </a:r>
-            <a:r>
               <a:rPr lang="en-US" sz="2400" b="1" dirty="0">
                 <a:latin typeface="Consolas" pitchFamily="49" charset="0"/>
                 <a:cs typeface="Consolas" pitchFamily="49" charset="0"/>
               </a:rPr>
-              <a:t>pizza like the given pizza, </a:t>
-            </a:r>
-            <a:r>
-              <a:rPr lang="en-US" sz="2400" b="1" dirty="0" smtClean="0">
-                <a:latin typeface="Consolas" pitchFamily="49" charset="0"/>
-                <a:cs typeface="Consolas" pitchFamily="49" charset="0"/>
-              </a:rPr>
-              <a:t>but</a:t>
+              <a:t>;; RETURNS: a pizza like the given pizza, but</a:t>
             </a:r>
           </a:p>
           <a:p>
@@ -10650,58 +10041,23 @@
               <a:buNone/>
             </a:pPr>
             <a:r>
-              <a:rPr lang="en-US" sz="2400" b="1" dirty="0" smtClean="0">
-                <a:latin typeface="Consolas" pitchFamily="49" charset="0"/>
-                <a:cs typeface="Consolas" pitchFamily="49" charset="0"/>
-              </a:rPr>
-              <a:t>;; </a:t>
-            </a:r>
-            <a:r>
               <a:rPr lang="en-US" sz="2400" b="1" dirty="0">
                 <a:latin typeface="Consolas" pitchFamily="49" charset="0"/>
                 <a:cs typeface="Consolas" pitchFamily="49" charset="0"/>
               </a:rPr>
-              <a:t>with </a:t>
-            </a:r>
-            <a:r>
-              <a:rPr lang="en-US" sz="2400" b="1" dirty="0" smtClean="0">
-                <a:latin typeface="Consolas" pitchFamily="49" charset="0"/>
-                <a:cs typeface="Consolas" pitchFamily="49" charset="0"/>
-              </a:rPr>
-              <a:t>all anchovies replaced </a:t>
-            </a:r>
+              <a:t>;; with all anchovies replaced by the given</a:t>
+            </a:r>
+          </a:p>
+          <a:p>
+            <a:pPr>
+              <a:buNone/>
+            </a:pPr>
             <a:r>
               <a:rPr lang="en-US" sz="2400" b="1" dirty="0">
                 <a:latin typeface="Consolas" pitchFamily="49" charset="0"/>
                 <a:cs typeface="Consolas" pitchFamily="49" charset="0"/>
               </a:rPr>
-              <a:t>by the </a:t>
-            </a:r>
-            <a:r>
-              <a:rPr lang="en-US" sz="2400" b="1" dirty="0" smtClean="0">
-                <a:latin typeface="Consolas" pitchFamily="49" charset="0"/>
-                <a:cs typeface="Consolas" pitchFamily="49" charset="0"/>
-              </a:rPr>
-              <a:t>given</a:t>
-            </a:r>
-          </a:p>
-          <a:p>
-            <a:pPr>
-              <a:buNone/>
-            </a:pPr>
-            <a:r>
-              <a:rPr lang="en-US" sz="2400" b="1" dirty="0" smtClean="0">
-                <a:latin typeface="Consolas" pitchFamily="49" charset="0"/>
-                <a:cs typeface="Consolas" pitchFamily="49" charset="0"/>
-              </a:rPr>
-              <a:t>;; </a:t>
-            </a:r>
-            <a:r>
-              <a:rPr lang="en-US" sz="2400" b="1" dirty="0">
-                <a:latin typeface="Consolas" pitchFamily="49" charset="0"/>
-                <a:cs typeface="Consolas" pitchFamily="49" charset="0"/>
-              </a:rPr>
-              <a:t>topping.</a:t>
+              <a:t>;; topping.</a:t>
             </a:r>
           </a:p>
           <a:p>
@@ -10749,13 +10105,6 @@
   <p:clrMapOvr>
     <a:masterClrMapping/>
   </p:clrMapOvr>
-  <p:timing>
-    <p:tnLst>
-      <p:par>
-        <p:cTn id="1" dur="indefinite" restart="never" nodeType="tmRoot"/>
-      </p:par>
-    </p:tnLst>
-  </p:timing>
 </p:sld>
 </file>
 
@@ -10792,10 +10141,9 @@
           <a:lstStyle/>
           <a:p>
             <a:r>
-              <a:rPr lang="en-US" dirty="0" smtClean="0"/>
+              <a:rPr lang="en-US" dirty="0"/>
               <a:t>Opportunities for Generalization</a:t>
             </a:r>
-            <a:endParaRPr lang="en-US" dirty="0"/>
           </a:p>
         </p:txBody>
       </p:sp>
@@ -10820,111 +10168,29 @@
               <a:buNone/>
             </a:pPr>
             <a:r>
-              <a:rPr lang="en-US" dirty="0" smtClean="0">
+              <a:rPr lang="en-US" dirty="0">
                 <a:cs typeface="Consolas" pitchFamily="49" charset="0"/>
               </a:rPr>
               <a:t>Generalize over anchovies to get </a:t>
             </a:r>
             <a:r>
-              <a:rPr lang="en-US" b="1" dirty="0" smtClean="0">
+              <a:rPr lang="en-US" b="1" dirty="0">
                 <a:latin typeface="Consolas" panose="020B0609020204030204" pitchFamily="49" charset="0"/>
                 <a:cs typeface="Consolas" panose="020B0609020204030204" pitchFamily="49" charset="0"/>
               </a:rPr>
               <a:t>replace-topping</a:t>
             </a:r>
             <a:r>
-              <a:rPr lang="en-US" dirty="0" smtClean="0">
+              <a:rPr lang="en-US" dirty="0">
                 <a:cs typeface="Consolas" pitchFamily="49" charset="0"/>
               </a:rPr>
               <a:t>.</a:t>
             </a:r>
-            <a:endParaRPr lang="en-US" dirty="0">
-              <a:cs typeface="Consolas" pitchFamily="49" charset="0"/>
-            </a:endParaRPr>
           </a:p>
           <a:p>
             <a:pPr>
               <a:buNone/>
             </a:pPr>
-            <a:endParaRPr lang="en-US" sz="2400" b="1" dirty="0" smtClean="0">
-              <a:latin typeface="Consolas" pitchFamily="49" charset="0"/>
-              <a:cs typeface="Consolas" pitchFamily="49" charset="0"/>
-            </a:endParaRPr>
-          </a:p>
-          <a:p>
-            <a:pPr>
-              <a:buNone/>
-            </a:pPr>
-            <a:r>
-              <a:rPr lang="en-US" sz="2400" b="1" dirty="0" smtClean="0">
-                <a:latin typeface="Consolas" pitchFamily="49" charset="0"/>
-                <a:cs typeface="Consolas" pitchFamily="49" charset="0"/>
-              </a:rPr>
-              <a:t>;; </a:t>
-            </a:r>
-            <a:r>
-              <a:rPr lang="en-US" sz="2400" b="1" dirty="0">
-                <a:latin typeface="Consolas" pitchFamily="49" charset="0"/>
-                <a:cs typeface="Consolas" pitchFamily="49" charset="0"/>
-              </a:rPr>
-              <a:t>replace-topping </a:t>
-            </a:r>
-            <a:endParaRPr lang="en-US" sz="2400" b="1" dirty="0" smtClean="0">
-              <a:latin typeface="Consolas" pitchFamily="49" charset="0"/>
-              <a:cs typeface="Consolas" pitchFamily="49" charset="0"/>
-            </a:endParaRPr>
-          </a:p>
-          <a:p>
-            <a:pPr>
-              <a:buNone/>
-            </a:pPr>
-            <a:r>
-              <a:rPr lang="en-US" sz="2400" b="1" dirty="0" smtClean="0">
-                <a:latin typeface="Consolas" pitchFamily="49" charset="0"/>
-                <a:cs typeface="Consolas" pitchFamily="49" charset="0"/>
-              </a:rPr>
-              <a:t>;;  : </a:t>
-            </a:r>
-            <a:r>
-              <a:rPr lang="en-US" sz="2400" b="1" dirty="0">
-                <a:latin typeface="Consolas" pitchFamily="49" charset="0"/>
-                <a:cs typeface="Consolas" pitchFamily="49" charset="0"/>
-              </a:rPr>
-              <a:t>Pizza Topping </a:t>
-            </a:r>
-            <a:r>
-              <a:rPr lang="en-US" sz="2400" b="1" dirty="0" err="1">
-                <a:latin typeface="Consolas" pitchFamily="49" charset="0"/>
-                <a:cs typeface="Consolas" pitchFamily="49" charset="0"/>
-              </a:rPr>
-              <a:t>Topping</a:t>
-            </a:r>
-            <a:r>
-              <a:rPr lang="en-US" sz="2400" b="1" dirty="0">
-                <a:latin typeface="Consolas" pitchFamily="49" charset="0"/>
-                <a:cs typeface="Consolas" pitchFamily="49" charset="0"/>
-              </a:rPr>
-              <a:t> -&gt; </a:t>
-            </a:r>
-            <a:r>
-              <a:rPr lang="en-US" sz="2400" b="1" dirty="0" smtClean="0">
-                <a:latin typeface="Consolas" pitchFamily="49" charset="0"/>
-                <a:cs typeface="Consolas" pitchFamily="49" charset="0"/>
-              </a:rPr>
-              <a:t>Pizza</a:t>
-            </a:r>
-          </a:p>
-          <a:p>
-            <a:pPr>
-              <a:buNone/>
-            </a:pPr>
-            <a:r>
-              <a:rPr lang="en-US" sz="2400" b="1" dirty="0" smtClean="0">
-                <a:latin typeface="Consolas" pitchFamily="49" charset="0"/>
-                <a:cs typeface="Consolas" pitchFamily="49" charset="0"/>
-              </a:rPr>
-              <a:t>;; GIVEN: a pizza and two toppings</a:t>
-            </a:r>
             <a:endParaRPr lang="en-US" sz="2400" b="1" dirty="0">
               <a:latin typeface="Consolas" pitchFamily="49" charset="0"/>
               <a:cs typeface="Consolas" pitchFamily="49" charset="0"/>
@@ -10939,28 +10205,33 @@
                 <a:latin typeface="Consolas" pitchFamily="49" charset="0"/>
                 <a:cs typeface="Consolas" pitchFamily="49" charset="0"/>
               </a:rPr>
-              <a:t>;; </a:t>
-            </a:r>
-            <a:r>
-              <a:rPr lang="en-US" sz="2400" b="1" dirty="0" smtClean="0">
-                <a:latin typeface="Consolas" pitchFamily="49" charset="0"/>
-                <a:cs typeface="Consolas" pitchFamily="49" charset="0"/>
-              </a:rPr>
-              <a:t>RETURNS: </a:t>
-            </a:r>
+              <a:t>;; replace-topping </a:t>
+            </a:r>
+          </a:p>
+          <a:p>
+            <a:pPr>
+              <a:buNone/>
+            </a:pPr>
             <a:r>
               <a:rPr lang="en-US" sz="2400" b="1" dirty="0">
                 <a:latin typeface="Consolas" pitchFamily="49" charset="0"/>
                 <a:cs typeface="Consolas" pitchFamily="49" charset="0"/>
               </a:rPr>
-              <a:t>a pizza like the given one, </a:t>
-            </a:r>
-            <a:r>
-              <a:rPr lang="en-US" sz="2400" b="1" dirty="0" smtClean="0">
-                <a:latin typeface="Consolas" pitchFamily="49" charset="0"/>
-                <a:cs typeface="Consolas" pitchFamily="49" charset="0"/>
-              </a:rPr>
-              <a:t>but</a:t>
+              <a:t>;;  : Pizza Topping </a:t>
+            </a:r>
+            <a:r>
+              <a:rPr lang="en-US" sz="2400" b="1" dirty="0" err="1">
+                <a:latin typeface="Consolas" pitchFamily="49" charset="0"/>
+                <a:cs typeface="Consolas" pitchFamily="49" charset="0"/>
+              </a:rPr>
+              <a:t>Topping</a:t>
+            </a:r>
+            <a:r>
+              <a:rPr lang="en-US" sz="2400" b="1" dirty="0">
+                <a:latin typeface="Consolas" pitchFamily="49" charset="0"/>
+                <a:cs typeface="Consolas" pitchFamily="49" charset="0"/>
+              </a:rPr>
+              <a:t> -&gt; Pizza</a:t>
             </a:r>
           </a:p>
           <a:p>
@@ -10968,53 +10239,35 @@
               <a:buNone/>
             </a:pPr>
             <a:r>
-              <a:rPr lang="en-US" sz="2400" b="1" dirty="0" smtClean="0">
-                <a:latin typeface="Consolas" pitchFamily="49" charset="0"/>
-                <a:cs typeface="Consolas" pitchFamily="49" charset="0"/>
-              </a:rPr>
-              <a:t>;; </a:t>
-            </a:r>
-            <a:r>
               <a:rPr lang="en-US" sz="2400" b="1" dirty="0">
                 <a:latin typeface="Consolas" pitchFamily="49" charset="0"/>
                 <a:cs typeface="Consolas" pitchFamily="49" charset="0"/>
               </a:rPr>
-              <a:t>with </a:t>
-            </a:r>
-            <a:r>
-              <a:rPr lang="en-US" sz="2400" b="1" dirty="0" smtClean="0">
-                <a:latin typeface="Consolas" pitchFamily="49" charset="0"/>
-                <a:cs typeface="Consolas" pitchFamily="49" charset="0"/>
-              </a:rPr>
-              <a:t>all </a:t>
-            </a:r>
+              <a:t>;; GIVEN: a pizza and two toppings</a:t>
+            </a:r>
+          </a:p>
+          <a:p>
+            <a:pPr>
+              <a:buNone/>
+            </a:pPr>
             <a:r>
               <a:rPr lang="en-US" sz="2400" b="1" dirty="0">
                 <a:latin typeface="Consolas" pitchFamily="49" charset="0"/>
                 <a:cs typeface="Consolas" pitchFamily="49" charset="0"/>
               </a:rPr>
-              <a:t>instances of </a:t>
-            </a:r>
-            <a:r>
-              <a:rPr lang="en-US" sz="2400" b="1" dirty="0" smtClean="0">
-                <a:latin typeface="Consolas" pitchFamily="49" charset="0"/>
-                <a:cs typeface="Consolas" pitchFamily="49" charset="0"/>
-              </a:rPr>
-              <a:t>the </a:t>
-            </a:r>
+              <a:t>;; RETURNS: a pizza like the given one, but</a:t>
+            </a:r>
+          </a:p>
+          <a:p>
+            <a:pPr>
+              <a:buNone/>
+            </a:pPr>
             <a:r>
               <a:rPr lang="en-US" sz="2400" b="1" dirty="0">
                 <a:latin typeface="Consolas" pitchFamily="49" charset="0"/>
                 <a:cs typeface="Consolas" pitchFamily="49" charset="0"/>
               </a:rPr>
-              <a:t>first </a:t>
-            </a:r>
-            <a:r>
-              <a:rPr lang="en-US" sz="2400" b="1" dirty="0" smtClean="0">
-                <a:latin typeface="Consolas" pitchFamily="49" charset="0"/>
-                <a:cs typeface="Consolas" pitchFamily="49" charset="0"/>
-              </a:rPr>
-              <a:t>topping</a:t>
+              <a:t>;; with all instances of the first topping</a:t>
             </a:r>
           </a:p>
           <a:p>
@@ -11022,32 +10275,11 @@
               <a:buNone/>
             </a:pPr>
             <a:r>
-              <a:rPr lang="en-US" sz="2400" b="1" dirty="0" smtClean="0">
-                <a:latin typeface="Consolas" pitchFamily="49" charset="0"/>
-                <a:cs typeface="Consolas" pitchFamily="49" charset="0"/>
-              </a:rPr>
-              <a:t>;; </a:t>
-            </a:r>
-            <a:r>
               <a:rPr lang="en-US" sz="2400" b="1" dirty="0">
                 <a:latin typeface="Consolas" pitchFamily="49" charset="0"/>
                 <a:cs typeface="Consolas" pitchFamily="49" charset="0"/>
               </a:rPr>
-              <a:t>replaced </a:t>
-            </a:r>
-            <a:r>
-              <a:rPr lang="en-US" sz="2400" b="1" dirty="0" smtClean="0">
-                <a:latin typeface="Consolas" pitchFamily="49" charset="0"/>
-                <a:cs typeface="Consolas" pitchFamily="49" charset="0"/>
-              </a:rPr>
-              <a:t>by </a:t>
-            </a:r>
-            <a:r>
-              <a:rPr lang="en-US" sz="2400" b="1" dirty="0">
-                <a:latin typeface="Consolas" pitchFamily="49" charset="0"/>
-                <a:cs typeface="Consolas" pitchFamily="49" charset="0"/>
-              </a:rPr>
-              <a:t>the second one.</a:t>
+              <a:t>;; replaced by the second one.</a:t>
             </a:r>
             <a:endParaRPr lang="en-US" sz="2400" dirty="0">
               <a:latin typeface="Consolas" pitchFamily="49" charset="0"/>
@@ -11090,13 +10322,6 @@
   <p:clrMapOvr>
     <a:masterClrMapping/>
   </p:clrMapOvr>
-  <p:timing>
-    <p:tnLst>
-      <p:par>
-        <p:cTn id="1" dur="indefinite" restart="never" nodeType="tmRoot"/>
-      </p:par>
-    </p:tnLst>
-  </p:timing>
 </p:sld>
 </file>
 
@@ -11133,10 +10358,9 @@
           <a:lstStyle/>
           <a:p>
             <a:r>
-              <a:rPr lang="en-US" dirty="0" smtClean="0"/>
+              <a:rPr lang="en-US" dirty="0"/>
               <a:t>Summary</a:t>
             </a:r>
-            <a:endParaRPr lang="en-US" dirty="0"/>
           </a:p>
         </p:txBody>
       </p:sp>
@@ -11162,28 +10386,28 @@
           <a:lstStyle/>
           <a:p>
             <a:r>
-              <a:rPr lang="en-US" dirty="0" smtClean="0"/>
+              <a:rPr lang="en-US" dirty="0"/>
               <a:t>Functions will sometimes differ only in choice of data items.</a:t>
             </a:r>
           </a:p>
           <a:p>
             <a:r>
-              <a:rPr lang="en-US" dirty="0" smtClean="0"/>
+              <a:rPr lang="en-US" dirty="0"/>
               <a:t>Functions can be generalized by adding new argument(s) for the differences.</a:t>
             </a:r>
           </a:p>
           <a:p>
             <a:r>
-              <a:rPr lang="en-US" dirty="0" smtClean="0"/>
+              <a:rPr lang="en-US" dirty="0"/>
               <a:t>Confirm the original functions work before generalizing.</a:t>
             </a:r>
           </a:p>
           <a:p>
             <a:r>
-              <a:rPr lang="en-US" dirty="0" smtClean="0"/>
+              <a:rPr lang="en-US" dirty="0"/>
               <a:t>Test functions by renaming the originals and running the same tests.</a:t>
             </a:r>
-            <a:endParaRPr lang="en-US" b="1" dirty="0" smtClean="0">
+            <a:endParaRPr lang="en-US" b="1" dirty="0">
               <a:solidFill>
                 <a:srgbClr val="FF0000"/>
               </a:solidFill>
@@ -11225,13 +10449,6 @@
   <p:clrMapOvr>
     <a:masterClrMapping/>
   </p:clrMapOvr>
-  <p:timing>
-    <p:tnLst>
-      <p:par>
-        <p:cTn id="1" dur="indefinite" restart="never" nodeType="tmRoot"/>
-      </p:par>
-    </p:tnLst>
-  </p:timing>
 </p:sld>
 </file>
 
@@ -11268,10 +10485,9 @@
           <a:lstStyle/>
           <a:p>
             <a:r>
-              <a:rPr lang="en-US" dirty="0" smtClean="0"/>
+              <a:rPr lang="en-US" dirty="0"/>
               <a:t>Next Steps</a:t>
             </a:r>
-            <a:endParaRPr lang="en-US" dirty="0"/>
           </a:p>
         </p:txBody>
       </p:sp>
@@ -11291,28 +10507,27 @@
           <a:lstStyle/>
           <a:p>
             <a:r>
-              <a:rPr lang="en-US" dirty="0" smtClean="0"/>
+              <a:rPr lang="en-US" dirty="0"/>
               <a:t>Study 05-1-find-dog.rkt and 05-2-pizza.rkt in the examples folder.</a:t>
             </a:r>
           </a:p>
           <a:p>
             <a:r>
-              <a:rPr lang="en-US" dirty="0" smtClean="0"/>
+              <a:rPr lang="en-US" dirty="0"/>
               <a:t>If you have questions about this lesson, ask them on the Discussion Board</a:t>
             </a:r>
           </a:p>
           <a:p>
             <a:r>
-              <a:rPr lang="en-US" dirty="0" smtClean="0"/>
+              <a:rPr lang="en-US" dirty="0"/>
               <a:t>Do Guided Practice 5.1</a:t>
             </a:r>
           </a:p>
           <a:p>
             <a:r>
-              <a:rPr lang="en-US" dirty="0" smtClean="0"/>
+              <a:rPr lang="en-US" dirty="0"/>
               <a:t>Go on to the next lesson.</a:t>
             </a:r>
-            <a:endParaRPr lang="en-US" dirty="0"/>
           </a:p>
         </p:txBody>
       </p:sp>
@@ -11350,13 +10565,6 @@
   <p:clrMapOvr>
     <a:masterClrMapping/>
   </p:clrMapOvr>
-  <p:timing>
-    <p:tnLst>
-      <p:par>
-        <p:cTn id="1" dur="indefinite" restart="never" nodeType="tmRoot"/>
-      </p:par>
-    </p:tnLst>
-  </p:timing>
 </p:sld>
 </file>
 
@@ -11393,10 +10601,9 @@
           <a:lstStyle/>
           <a:p>
             <a:r>
-              <a:rPr lang="en-US" dirty="0" smtClean="0"/>
+              <a:rPr lang="en-US" dirty="0"/>
               <a:t>Slogans for Generalization</a:t>
             </a:r>
-            <a:endParaRPr lang="en-US" dirty="0"/>
           </a:p>
         </p:txBody>
       </p:sp>
@@ -11418,47 +10625,47 @@
           <a:lstStyle/>
           <a:p>
             <a:r>
-              <a:rPr lang="en-US" dirty="0" smtClean="0"/>
+              <a:rPr lang="en-US" dirty="0"/>
               <a:t>Never write the same code twice</a:t>
             </a:r>
           </a:p>
           <a:p>
             <a:pPr lvl="1"/>
             <a:r>
-              <a:rPr lang="en-US" dirty="0" smtClean="0"/>
+              <a:rPr lang="en-US" dirty="0"/>
               <a:t>Don’t repeat yourself</a:t>
             </a:r>
           </a:p>
           <a:p>
             <a:pPr lvl="1"/>
             <a:r>
-              <a:rPr lang="en-US" dirty="0" smtClean="0"/>
+              <a:rPr lang="en-US" dirty="0"/>
               <a:t>Single Point of Control </a:t>
             </a:r>
           </a:p>
           <a:p>
             <a:pPr lvl="2"/>
             <a:r>
-              <a:rPr lang="en-US" dirty="0" smtClean="0"/>
+              <a:rPr lang="en-US" dirty="0"/>
               <a:t>fix each bug only once</a:t>
             </a:r>
           </a:p>
           <a:p>
             <a:pPr lvl="2"/>
             <a:r>
-              <a:rPr lang="en-US" dirty="0" smtClean="0"/>
+              <a:rPr lang="en-US" dirty="0"/>
               <a:t>easier maintenance, modification</a:t>
             </a:r>
           </a:p>
           <a:p>
             <a:r>
-              <a:rPr lang="en-US" dirty="0" smtClean="0"/>
+              <a:rPr lang="en-US" dirty="0"/>
               <a:t>Copy and Paste is bad practice</a:t>
             </a:r>
           </a:p>
           <a:p>
             <a:r>
-              <a:rPr lang="en-US" dirty="0" smtClean="0"/>
+              <a:rPr lang="en-US" dirty="0"/>
               <a:t>Also known as: Refactoring</a:t>
             </a:r>
           </a:p>
@@ -11498,13 +10705,6 @@
   <p:clrMapOvr>
     <a:masterClrMapping/>
   </p:clrMapOvr>
-  <p:timing>
-    <p:tnLst>
-      <p:par>
-        <p:cTn id="1" dur="indefinite" restart="never" nodeType="tmRoot"/>
-      </p:par>
-    </p:tnLst>
-  </p:timing>
 </p:sld>
 </file>
 
@@ -11541,10 +10741,9 @@
           <a:lstStyle/>
           <a:p>
             <a:r>
-              <a:rPr lang="en-US" dirty="0" smtClean="0"/>
+              <a:rPr lang="en-US" dirty="0"/>
               <a:t>Module Outline</a:t>
             </a:r>
-            <a:endParaRPr lang="en-US" dirty="0"/>
           </a:p>
         </p:txBody>
       </p:sp>
@@ -11566,43 +10765,34 @@
           <a:lstStyle/>
           <a:p>
             <a:r>
-              <a:rPr lang="en-US" dirty="0" smtClean="0"/>
+              <a:rPr lang="en-US" dirty="0"/>
               <a:t>Generalizing a constant to a variable</a:t>
             </a:r>
           </a:p>
           <a:p>
             <a:r>
-              <a:rPr lang="en-US" dirty="0" smtClean="0"/>
+              <a:rPr lang="en-US" dirty="0"/>
               <a:t>Generalizing over functions</a:t>
             </a:r>
           </a:p>
           <a:p>
             <a:r>
-              <a:rPr lang="en-US" dirty="0" smtClean="0"/>
+              <a:rPr lang="en-US" dirty="0"/>
               <a:t>Using prepackaged generalizations: map, </a:t>
             </a:r>
             <a:r>
-              <a:rPr lang="en-US" dirty="0" err="1" smtClean="0"/>
+              <a:rPr lang="en-US" dirty="0" err="1"/>
               <a:t>foldr</a:t>
             </a:r>
             <a:r>
-              <a:rPr lang="en-US" dirty="0" smtClean="0"/>
+              <a:rPr lang="en-US" dirty="0"/>
               <a:t>, etc.</a:t>
             </a:r>
           </a:p>
           <a:p>
-            <a:r>
-              <a:rPr lang="en-US" dirty="0" smtClean="0"/>
-              <a:t>A new design strategy: </a:t>
-            </a:r>
-            <a:r>
-              <a:rPr lang="en-US" b="1" dirty="0" smtClean="0"/>
-              <a:t>higher-order function composition</a:t>
-            </a:r>
-            <a:r>
-              <a:rPr lang="en-US" dirty="0" smtClean="0"/>
-              <a:t> (HOFC)</a:t>
-            </a:r>
+            <a:pPr marL="0" indent="0">
+              <a:buNone/>
+            </a:pPr>
             <a:endParaRPr lang="en-US" dirty="0"/>
           </a:p>
         </p:txBody>
@@ -11641,13 +10831,6 @@
   <p:clrMapOvr>
     <a:masterClrMapping/>
   </p:clrMapOvr>
-  <p:timing>
-    <p:tnLst>
-      <p:par>
-        <p:cTn id="1" dur="indefinite" restart="never" nodeType="tmRoot"/>
-      </p:par>
-    </p:tnLst>
-  </p:timing>
 </p:sld>
 </file>
 
@@ -11703,10 +10886,9 @@
           <a:p>
             <a:pPr algn="ctr"/>
             <a:r>
-              <a:rPr lang="en-US" dirty="0" smtClean="0"/>
+              <a:rPr lang="en-US" dirty="0"/>
               <a:t>Generalization</a:t>
             </a:r>
-            <a:endParaRPr lang="en-US" dirty="0"/>
           </a:p>
         </p:txBody>
       </p:sp>
@@ -11747,10 +10929,9 @@
           <a:p>
             <a:pPr algn="ctr"/>
             <a:r>
-              <a:rPr lang="en-US" dirty="0" smtClean="0"/>
+              <a:rPr lang="en-US" dirty="0"/>
               <a:t>Over Constants</a:t>
             </a:r>
-            <a:endParaRPr lang="en-US" dirty="0"/>
           </a:p>
         </p:txBody>
       </p:sp>
@@ -11791,7 +10972,7 @@
           <a:p>
             <a:pPr algn="ctr"/>
             <a:r>
-              <a:rPr lang="en-US" dirty="0" smtClean="0"/>
+              <a:rPr lang="en-US" dirty="0"/>
               <a:t>Over Expressions</a:t>
             </a:r>
           </a:p>
@@ -11838,10 +11019,9 @@
           <a:p>
             <a:pPr algn="ctr"/>
             <a:r>
-              <a:rPr lang="en-US" dirty="0" smtClean="0"/>
+              <a:rPr lang="en-US" dirty="0"/>
               <a:t>Over Contexts</a:t>
             </a:r>
-            <a:endParaRPr lang="en-US" dirty="0"/>
           </a:p>
         </p:txBody>
       </p:sp>
@@ -11886,10 +11066,9 @@
           <a:p>
             <a:pPr algn="ctr"/>
             <a:r>
-              <a:rPr lang="en-US" dirty="0" smtClean="0"/>
+              <a:rPr lang="en-US" dirty="0"/>
               <a:t>Over Data Representations</a:t>
             </a:r>
-            <a:endParaRPr lang="en-US" dirty="0"/>
           </a:p>
         </p:txBody>
       </p:sp>
@@ -11934,10 +11113,9 @@
           <a:p>
             <a:pPr algn="ctr"/>
             <a:r>
-              <a:rPr lang="en-US" dirty="0" smtClean="0"/>
+              <a:rPr lang="en-US" dirty="0"/>
               <a:t>Over Method Implementations</a:t>
             </a:r>
-            <a:endParaRPr lang="en-US" dirty="0"/>
           </a:p>
         </p:txBody>
       </p:sp>
@@ -11996,10 +11174,9 @@
             <a:p>
               <a:pPr algn="ctr"/>
               <a:r>
-                <a:rPr lang="en-US" dirty="0" smtClean="0"/>
+                <a:rPr lang="en-US" dirty="0"/>
                 <a:t>Mixed Data</a:t>
               </a:r>
-              <a:endParaRPr lang="en-US" dirty="0"/>
             </a:p>
           </p:txBody>
         </p:sp>
@@ -12038,10 +11215,9 @@
             <a:p>
               <a:pPr algn="ctr"/>
               <a:r>
-                <a:rPr lang="en-US" dirty="0" smtClean="0"/>
+                <a:rPr lang="en-US" dirty="0"/>
                 <a:t>Data Representations</a:t>
               </a:r>
-              <a:endParaRPr lang="en-US" dirty="0"/>
             </a:p>
           </p:txBody>
         </p:sp>
@@ -12086,10 +11262,9 @@
             <a:p>
               <a:pPr algn="ctr"/>
               <a:r>
-                <a:rPr lang="en-US" dirty="0" smtClean="0"/>
+                <a:rPr lang="en-US" dirty="0"/>
                 <a:t>Basics</a:t>
               </a:r>
-              <a:endParaRPr lang="en-US" dirty="0"/>
             </a:p>
           </p:txBody>
         </p:sp>
@@ -12130,10 +11305,9 @@
             <a:p>
               <a:pPr algn="ctr"/>
               <a:r>
-                <a:rPr lang="en-US" dirty="0" smtClean="0"/>
+                <a:rPr lang="en-US" dirty="0"/>
                 <a:t>Recursive Data</a:t>
               </a:r>
-              <a:endParaRPr lang="en-US" dirty="0"/>
             </a:p>
           </p:txBody>
         </p:sp>
@@ -12174,10 +11348,9 @@
             <a:p>
               <a:pPr algn="ctr"/>
               <a:r>
-                <a:rPr lang="en-US" dirty="0" smtClean="0"/>
+                <a:rPr lang="en-US" dirty="0"/>
                 <a:t>Functional Data</a:t>
               </a:r>
-              <a:endParaRPr lang="en-US" dirty="0"/>
             </a:p>
           </p:txBody>
         </p:sp>
@@ -12222,10 +11395,9 @@
             <a:p>
               <a:pPr algn="ctr"/>
               <a:r>
-                <a:rPr lang="en-US" dirty="0" smtClean="0"/>
+                <a:rPr lang="en-US" dirty="0"/>
                 <a:t>Objects &amp; Classes</a:t>
               </a:r>
-              <a:endParaRPr lang="en-US" dirty="0"/>
             </a:p>
           </p:txBody>
         </p:sp>
@@ -12270,14 +11442,13 @@
             <a:p>
               <a:pPr algn="ctr"/>
               <a:r>
-                <a:rPr lang="en-US" dirty="0" err="1" smtClean="0"/>
+                <a:rPr lang="en-US" dirty="0" err="1"/>
                 <a:t>Stateful</a:t>
               </a:r>
               <a:r>
-                <a:rPr lang="en-US" dirty="0" smtClean="0"/>
+                <a:rPr lang="en-US" dirty="0"/>
                 <a:t> Objects</a:t>
               </a:r>
-              <a:endParaRPr lang="en-US" dirty="0"/>
             </a:p>
           </p:txBody>
         </p:sp>
@@ -12403,10 +11574,9 @@
             <a:p>
               <a:pPr algn="ctr"/>
               <a:r>
-                <a:rPr lang="en-US" dirty="0" smtClean="0"/>
+                <a:rPr lang="en-US" dirty="0"/>
                 <a:t>Design Strategies</a:t>
               </a:r>
-              <a:endParaRPr lang="en-US" dirty="0"/>
             </a:p>
           </p:txBody>
         </p:sp>
@@ -12451,10 +11621,9 @@
             <a:p>
               <a:pPr algn="ctr"/>
               <a:r>
-                <a:rPr lang="en-US" dirty="0" smtClean="0"/>
+                <a:rPr lang="en-US" dirty="0"/>
                 <a:t>Combine simpler functions</a:t>
               </a:r>
-              <a:endParaRPr lang="en-US" dirty="0"/>
             </a:p>
           </p:txBody>
         </p:sp>
@@ -12499,10 +11668,9 @@
             <a:p>
               <a:pPr algn="ctr"/>
               <a:r>
-                <a:rPr lang="en-US" dirty="0" smtClean="0"/>
+                <a:rPr lang="en-US" dirty="0"/>
                 <a:t>Use a template</a:t>
               </a:r>
-              <a:endParaRPr lang="en-US" dirty="0"/>
             </a:p>
           </p:txBody>
         </p:sp>
@@ -12547,10 +11715,9 @@
             <a:p>
               <a:pPr algn="ctr"/>
               <a:r>
-                <a:rPr lang="en-US" dirty="0" smtClean="0"/>
+                <a:rPr lang="en-US" dirty="0"/>
                 <a:t>Divide into Cases</a:t>
               </a:r>
-              <a:endParaRPr lang="en-US" dirty="0"/>
             </a:p>
           </p:txBody>
         </p:sp>
@@ -12595,10 +11762,9 @@
             <a:p>
               <a:pPr algn="ctr"/>
               <a:r>
-                <a:rPr lang="en-US" dirty="0" smtClean="0"/>
+                <a:rPr lang="en-US" dirty="0"/>
                 <a:t>Call a more general function</a:t>
               </a:r>
-              <a:endParaRPr lang="en-US" dirty="0"/>
             </a:p>
           </p:txBody>
         </p:sp>
@@ -12643,10 +11809,9 @@
             <a:p>
               <a:pPr algn="ctr"/>
               <a:r>
-                <a:rPr lang="en-US" dirty="0" smtClean="0"/>
+                <a:rPr lang="en-US" dirty="0"/>
                 <a:t>Communicate via State</a:t>
               </a:r>
-              <a:endParaRPr lang="en-US" dirty="0"/>
             </a:p>
           </p:txBody>
         </p:sp>
@@ -13021,7 +12186,7 @@
           <a:p>
             <a:pPr algn="ctr"/>
             <a:r>
-              <a:rPr lang="en-US" sz="4400" dirty="0" smtClean="0"/>
+              <a:rPr lang="en-US" sz="4400" dirty="0"/>
               <a:t>Module 05</a:t>
             </a:r>
             <a:endParaRPr lang="en-US" sz="4400" dirty="0">
@@ -13211,13 +12376,6 @@
   <p:clrMapOvr>
     <a:masterClrMapping/>
   </p:clrMapOvr>
-  <p:timing>
-    <p:tnLst>
-      <p:par>
-        <p:cTn id="1" dur="indefinite" restart="never" nodeType="tmRoot"/>
-      </p:par>
-    </p:tnLst>
-  </p:timing>
 </p:sld>
 </file>
 
@@ -13254,10 +12412,9 @@
           <a:lstStyle/>
           <a:p>
             <a:r>
-              <a:rPr lang="en-US" dirty="0" smtClean="0"/>
+              <a:rPr lang="en-US" dirty="0"/>
               <a:t>Learning Objectives for this Lesson</a:t>
             </a:r>
-            <a:endParaRPr lang="en-US" dirty="0"/>
           </a:p>
         </p:txBody>
       </p:sp>
@@ -13277,38 +12434,30 @@
           <a:lstStyle/>
           <a:p>
             <a:r>
-              <a:rPr lang="en-US" dirty="0" smtClean="0"/>
+              <a:rPr lang="en-US" dirty="0"/>
               <a:t>By the end of this lesson, you should be able to </a:t>
             </a:r>
           </a:p>
           <a:p>
             <a:pPr lvl="1"/>
             <a:r>
-              <a:rPr lang="en-US" dirty="0" smtClean="0"/>
+              <a:rPr lang="en-US" dirty="0"/>
               <a:t>recognize when two functions differ only by a constant</a:t>
             </a:r>
           </a:p>
           <a:p>
             <a:pPr lvl="1"/>
             <a:r>
-              <a:rPr lang="en-US" dirty="0" smtClean="0"/>
+              <a:rPr lang="en-US" dirty="0"/>
               <a:t>rewrite the two functions using a single more general function</a:t>
             </a:r>
           </a:p>
           <a:p>
             <a:pPr lvl="1"/>
             <a:r>
-              <a:rPr lang="en-US" dirty="0" smtClean="0"/>
+              <a:rPr lang="en-US" dirty="0"/>
               <a:t>test your new function definitions</a:t>
             </a:r>
-          </a:p>
-          <a:p>
-            <a:pPr lvl="1"/>
-            <a:r>
-              <a:rPr lang="en-US" dirty="0" smtClean="0"/>
-              <a:t>use the higher-order function composition strategy</a:t>
-            </a:r>
-            <a:endParaRPr lang="en-US" dirty="0"/>
           </a:p>
         </p:txBody>
       </p:sp>
@@ -13346,13 +12495,6 @@
   <p:clrMapOvr>
     <a:masterClrMapping/>
   </p:clrMapOvr>
-  <p:timing>
-    <p:tnLst>
-      <p:par>
-        <p:cTn id="1" dur="indefinite" restart="never" nodeType="tmRoot"/>
-      </p:par>
-    </p:tnLst>
-  </p:timing>
 </p:sld>
 </file>
 
@@ -13389,10 +12531,9 @@
           <a:lstStyle/>
           <a:p>
             <a:r>
-              <a:rPr lang="en-US" dirty="0" smtClean="0"/>
+              <a:rPr lang="en-US" dirty="0"/>
               <a:t>Imagine the following:</a:t>
             </a:r>
-            <a:endParaRPr lang="en-US" dirty="0"/>
           </a:p>
         </p:txBody>
       </p:sp>
@@ -13412,12 +12553,8 @@
           <a:lstStyle/>
           <a:p>
             <a:r>
-              <a:rPr lang="en-US" dirty="0" smtClean="0"/>
-              <a:t>Your boss </a:t>
-            </a:r>
-            <a:r>
               <a:rPr lang="en-US" dirty="0"/>
-              <a:t>comes to you and asks you to write a function called </a:t>
+              <a:t>Your boss comes to you and asks you to write a function called </a:t>
             </a:r>
             <a:r>
               <a:rPr lang="en-US" b="1" dirty="0">
@@ -13430,39 +12567,24 @@
               <a:rPr lang="en-US" dirty="0"/>
               <a:t>.  </a:t>
             </a:r>
-            <a:endParaRPr lang="en-US" dirty="0" smtClean="0"/>
-          </a:p>
-          <a:p>
-            <a:r>
-              <a:rPr lang="en-US" dirty="0" smtClean="0"/>
-              <a:t>You </a:t>
-            </a:r>
+          </a:p>
+          <a:p>
             <a:r>
               <a:rPr lang="en-US" dirty="0"/>
-              <a:t>follow the design recipe, write the code, and test it.  </a:t>
-            </a:r>
-            <a:endParaRPr lang="en-US" dirty="0" smtClean="0"/>
-          </a:p>
-          <a:p>
-            <a:r>
-              <a:rPr lang="en-US" dirty="0" smtClean="0"/>
-              <a:t>Your </a:t>
-            </a:r>
+              <a:t>You follow the design recipe, write the code, and test it.  </a:t>
+            </a:r>
+          </a:p>
+          <a:p>
             <a:r>
               <a:rPr lang="en-US" dirty="0"/>
-              <a:t>boss and you are both happy</a:t>
-            </a:r>
-            <a:r>
-              <a:rPr lang="en-US" dirty="0" smtClean="0"/>
-              <a:t>.</a:t>
-            </a:r>
-          </a:p>
-          <a:p>
-            <a:r>
-              <a:rPr lang="en-US" dirty="0" smtClean="0"/>
+              <a:t>Your boss and you are both happy.</a:t>
+            </a:r>
+          </a:p>
+          <a:p>
+            <a:r>
+              <a:rPr lang="en-US" dirty="0"/>
               <a:t>Here’s what you wrote:</a:t>
             </a:r>
-            <a:endParaRPr lang="en-US" dirty="0"/>
           </a:p>
           <a:p>
             <a:endParaRPr lang="en-US" dirty="0"/>
@@ -13503,13 +12625,6 @@
   <p:clrMapOvr>
     <a:masterClrMapping/>
   </p:clrMapOvr>
-  <p:timing>
-    <p:tnLst>
-      <p:par>
-        <p:cTn id="1" dur="indefinite" restart="never" nodeType="tmRoot"/>
-      </p:par>
-    </p:tnLst>
-  </p:timing>
 </p:sld>
 </file>
 
@@ -13546,10 +12661,9 @@
           <a:lstStyle/>
           <a:p>
             <a:r>
-              <a:rPr lang="en-US" dirty="0" smtClean="0"/>
+              <a:rPr lang="en-US" dirty="0"/>
               <a:t>find-dog</a:t>
             </a:r>
-            <a:endParaRPr lang="en-US" dirty="0"/>
           </a:p>
         </p:txBody>
       </p:sp>
@@ -13574,21 +12688,21 @@
               <a:buNone/>
             </a:pPr>
             <a:r>
-              <a:rPr lang="en-US" sz="2000" b="1" dirty="0" smtClean="0">
+              <a:rPr lang="en-US" sz="2000" b="1" dirty="0">
                 <a:latin typeface="Consolas" pitchFamily="49" charset="0"/>
                 <a:cs typeface="Consolas" pitchFamily="49" charset="0"/>
               </a:rPr>
               <a:t>;; find-dog : </a:t>
             </a:r>
             <a:r>
-              <a:rPr lang="en-US" sz="2000" b="1" dirty="0" err="1" smtClean="0">
+              <a:rPr lang="en-US" sz="2000" b="1" dirty="0" err="1">
                 <a:latin typeface="Consolas" pitchFamily="49" charset="0"/>
                 <a:cs typeface="Consolas" pitchFamily="49" charset="0"/>
               </a:rPr>
               <a:t>ListOfString</a:t>
             </a:r>
             <a:r>
-              <a:rPr lang="en-US" sz="2000" b="1" dirty="0" smtClean="0">
+              <a:rPr lang="en-US" sz="2000" b="1" dirty="0">
                 <a:latin typeface="Consolas" pitchFamily="49" charset="0"/>
                 <a:cs typeface="Consolas" pitchFamily="49" charset="0"/>
               </a:rPr>
@@ -13600,7 +12714,7 @@
               <a:buNone/>
             </a:pPr>
             <a:r>
-              <a:rPr lang="en-US" sz="2000" b="1" dirty="0" smtClean="0">
+              <a:rPr lang="en-US" sz="2000" b="1" dirty="0">
                 <a:latin typeface="Consolas" pitchFamily="49" charset="0"/>
                 <a:cs typeface="Consolas" pitchFamily="49" charset="0"/>
               </a:rPr>
@@ -13612,21 +12726,21 @@
               <a:buNone/>
             </a:pPr>
             <a:r>
-              <a:rPr lang="en-US" sz="2000" b="1" dirty="0" smtClean="0">
+              <a:rPr lang="en-US" sz="2000" b="1" dirty="0">
                 <a:latin typeface="Consolas" pitchFamily="49" charset="0"/>
                 <a:cs typeface="Consolas" pitchFamily="49" charset="0"/>
               </a:rPr>
               <a:t>;; RETURNS: true </a:t>
             </a:r>
             <a:r>
-              <a:rPr lang="en-US" sz="2000" b="1" dirty="0" err="1" smtClean="0">
+              <a:rPr lang="en-US" sz="2000" b="1" dirty="0" err="1">
                 <a:latin typeface="Consolas" pitchFamily="49" charset="0"/>
                 <a:cs typeface="Consolas" pitchFamily="49" charset="0"/>
               </a:rPr>
               <a:t>iff</a:t>
             </a:r>
             <a:r>
-              <a:rPr lang="en-US" sz="2000" b="1" dirty="0" smtClean="0">
+              <a:rPr lang="en-US" sz="2000" b="1" dirty="0">
                 <a:latin typeface="Consolas" pitchFamily="49" charset="0"/>
                 <a:cs typeface="Consolas" pitchFamily="49" charset="0"/>
               </a:rPr>
@@ -13638,157 +12752,153 @@
               <a:buNone/>
             </a:pPr>
             <a:r>
-              <a:rPr lang="en-US" sz="2000" b="1" dirty="0" smtClean="0">
+              <a:rPr lang="en-US" sz="2000" b="1" dirty="0">
                 <a:latin typeface="Consolas" pitchFamily="49" charset="0"/>
                 <a:cs typeface="Consolas" pitchFamily="49" charset="0"/>
               </a:rPr>
               <a:t>;; STRATEGY: Use template for </a:t>
             </a:r>
             <a:r>
-              <a:rPr lang="en-US" sz="2000" b="1" dirty="0" err="1" smtClean="0">
+              <a:rPr lang="en-US" sz="2000" b="1" dirty="0" err="1">
                 <a:latin typeface="Consolas" pitchFamily="49" charset="0"/>
                 <a:cs typeface="Consolas" pitchFamily="49" charset="0"/>
               </a:rPr>
               <a:t>ListOfString</a:t>
             </a:r>
             <a:r>
-              <a:rPr lang="en-US" sz="2000" b="1" dirty="0" smtClean="0">
+              <a:rPr lang="en-US" sz="2000" b="1" dirty="0">
                 <a:latin typeface="Consolas" pitchFamily="49" charset="0"/>
                 <a:cs typeface="Consolas" pitchFamily="49" charset="0"/>
               </a:rPr>
               <a:t> on </a:t>
             </a:r>
             <a:r>
-              <a:rPr lang="en-US" sz="2000" b="1" dirty="0" err="1" smtClean="0">
+              <a:rPr lang="en-US" sz="2000" b="1" dirty="0" err="1">
                 <a:latin typeface="Consolas" pitchFamily="49" charset="0"/>
                 <a:cs typeface="Consolas" pitchFamily="49" charset="0"/>
               </a:rPr>
               <a:t>los</a:t>
-            </a:r>
-            <a:endParaRPr lang="en-US" sz="2000" b="1" dirty="0" smtClean="0">
-              <a:latin typeface="Consolas" pitchFamily="49" charset="0"/>
-              <a:cs typeface="Consolas" pitchFamily="49" charset="0"/>
-            </a:endParaRPr>
-          </a:p>
-          <a:p>
-            <a:pPr>
-              <a:buNone/>
-            </a:pPr>
-            <a:r>
-              <a:rPr lang="en-US" sz="2000" b="1" dirty="0" smtClean="0">
-                <a:latin typeface="Consolas" pitchFamily="49" charset="0"/>
-                <a:cs typeface="Consolas" pitchFamily="49" charset="0"/>
-              </a:rPr>
-              <a:t>(define (find-dog los)</a:t>
-            </a:r>
-          </a:p>
-          <a:p>
-            <a:pPr>
-              <a:buNone/>
-            </a:pPr>
-            <a:r>
-              <a:rPr lang="en-US" sz="2000" b="1" dirty="0" smtClean="0">
-                <a:latin typeface="Consolas" pitchFamily="49" charset="0"/>
-                <a:cs typeface="Consolas" pitchFamily="49" charset="0"/>
-              </a:rPr>
-              <a:t>  (</a:t>
-            </a:r>
-            <a:r>
-              <a:rPr lang="en-US" sz="2000" b="1" dirty="0" err="1" smtClean="0">
-                <a:latin typeface="Consolas" pitchFamily="49" charset="0"/>
-                <a:cs typeface="Consolas" pitchFamily="49" charset="0"/>
-              </a:rPr>
-              <a:t>cond</a:t>
-            </a:r>
-            <a:endParaRPr lang="en-US" sz="2000" b="1" dirty="0" smtClean="0">
-              <a:latin typeface="Consolas" pitchFamily="49" charset="0"/>
-              <a:cs typeface="Consolas" pitchFamily="49" charset="0"/>
-            </a:endParaRPr>
-          </a:p>
-          <a:p>
-            <a:pPr>
-              <a:buNone/>
-            </a:pPr>
-            <a:r>
-              <a:rPr lang="en-US" sz="2000" b="1" dirty="0" smtClean="0">
-                <a:latin typeface="Consolas" pitchFamily="49" charset="0"/>
-                <a:cs typeface="Consolas" pitchFamily="49" charset="0"/>
-              </a:rPr>
-              <a:t>    [(empty? los) false]</a:t>
-            </a:r>
-          </a:p>
-          <a:p>
-            <a:pPr>
-              <a:buNone/>
-            </a:pPr>
-            <a:r>
-              <a:rPr lang="en-US" sz="2000" b="1" dirty="0" smtClean="0">
-                <a:latin typeface="Consolas" pitchFamily="49" charset="0"/>
-                <a:cs typeface="Consolas" pitchFamily="49" charset="0"/>
-              </a:rPr>
-              <a:t>    [else (or </a:t>
-            </a:r>
-          </a:p>
-          <a:p>
-            <a:pPr>
-              <a:buNone/>
-            </a:pPr>
-            <a:r>
-              <a:rPr lang="en-US" sz="2000" b="1" dirty="0" smtClean="0">
-                <a:latin typeface="Consolas" pitchFamily="49" charset="0"/>
-                <a:cs typeface="Consolas" pitchFamily="49" charset="0"/>
-              </a:rPr>
-              <a:t>           (string=? (first los) "dog")           </a:t>
-            </a:r>
-          </a:p>
-          <a:p>
-            <a:pPr>
-              <a:buNone/>
-            </a:pPr>
-            <a:r>
-              <a:rPr lang="en-US" sz="2000" b="1" dirty="0" smtClean="0">
-                <a:latin typeface="Consolas" pitchFamily="49" charset="0"/>
-                <a:cs typeface="Consolas" pitchFamily="49" charset="0"/>
-              </a:rPr>
-              <a:t>           (find-dog (rest los)))]))</a:t>
-            </a:r>
-          </a:p>
-          <a:p>
-            <a:pPr>
-              <a:buNone/>
-            </a:pPr>
-            <a:endParaRPr lang="en-US" sz="2000" b="1" dirty="0" smtClean="0">
-              <a:latin typeface="Consolas" pitchFamily="49" charset="0"/>
-              <a:cs typeface="Consolas" pitchFamily="49" charset="0"/>
-            </a:endParaRPr>
-          </a:p>
-          <a:p>
-            <a:pPr>
-              <a:buNone/>
-            </a:pPr>
-            <a:r>
-              <a:rPr lang="en-US" sz="2000" b="1" dirty="0" smtClean="0">
-                <a:latin typeface="Consolas" pitchFamily="49" charset="0"/>
-                <a:cs typeface="Consolas" pitchFamily="49" charset="0"/>
-              </a:rPr>
-              <a:t>(check-equal? (find-dog (list "cat" "dog" "weasel")) true)</a:t>
-            </a:r>
-          </a:p>
-          <a:p>
-            <a:pPr>
-              <a:buNone/>
-            </a:pPr>
-            <a:r>
-              <a:rPr lang="en-US" sz="2000" b="1" dirty="0" smtClean="0">
-                <a:latin typeface="Consolas" pitchFamily="49" charset="0"/>
-                <a:cs typeface="Consolas" pitchFamily="49" charset="0"/>
-              </a:rPr>
-              <a:t>(check-equal? (find-dog (list "cat" "elephant" "weasel")) false)</a:t>
             </a:r>
             <a:endParaRPr lang="en-US" sz="2000" b="1" dirty="0">
               <a:latin typeface="Consolas" pitchFamily="49" charset="0"/>
               <a:cs typeface="Consolas" pitchFamily="49" charset="0"/>
             </a:endParaRPr>
+          </a:p>
+          <a:p>
+            <a:pPr>
+              <a:buNone/>
+            </a:pPr>
+            <a:r>
+              <a:rPr lang="en-US" sz="2000" b="1" dirty="0">
+                <a:latin typeface="Consolas" pitchFamily="49" charset="0"/>
+                <a:cs typeface="Consolas" pitchFamily="49" charset="0"/>
+              </a:rPr>
+              <a:t>(define (find-dog los)</a:t>
+            </a:r>
+          </a:p>
+          <a:p>
+            <a:pPr>
+              <a:buNone/>
+            </a:pPr>
+            <a:r>
+              <a:rPr lang="en-US" sz="2000" b="1" dirty="0">
+                <a:latin typeface="Consolas" pitchFamily="49" charset="0"/>
+                <a:cs typeface="Consolas" pitchFamily="49" charset="0"/>
+              </a:rPr>
+              <a:t>  (</a:t>
+            </a:r>
+            <a:r>
+              <a:rPr lang="en-US" sz="2000" b="1" dirty="0" err="1">
+                <a:latin typeface="Consolas" pitchFamily="49" charset="0"/>
+                <a:cs typeface="Consolas" pitchFamily="49" charset="0"/>
+              </a:rPr>
+              <a:t>cond</a:t>
+            </a:r>
+            <a:endParaRPr lang="en-US" sz="2000" b="1" dirty="0">
+              <a:latin typeface="Consolas" pitchFamily="49" charset="0"/>
+              <a:cs typeface="Consolas" pitchFamily="49" charset="0"/>
+            </a:endParaRPr>
+          </a:p>
+          <a:p>
+            <a:pPr>
+              <a:buNone/>
+            </a:pPr>
+            <a:r>
+              <a:rPr lang="en-US" sz="2000" b="1" dirty="0">
+                <a:latin typeface="Consolas" pitchFamily="49" charset="0"/>
+                <a:cs typeface="Consolas" pitchFamily="49" charset="0"/>
+              </a:rPr>
+              <a:t>    [(empty? los) false]</a:t>
+            </a:r>
+          </a:p>
+          <a:p>
+            <a:pPr>
+              <a:buNone/>
+            </a:pPr>
+            <a:r>
+              <a:rPr lang="en-US" sz="2000" b="1" dirty="0">
+                <a:latin typeface="Consolas" pitchFamily="49" charset="0"/>
+                <a:cs typeface="Consolas" pitchFamily="49" charset="0"/>
+              </a:rPr>
+              <a:t>    [else (or </a:t>
+            </a:r>
+          </a:p>
+          <a:p>
+            <a:pPr>
+              <a:buNone/>
+            </a:pPr>
+            <a:r>
+              <a:rPr lang="en-US" sz="2000" b="1" dirty="0">
+                <a:latin typeface="Consolas" pitchFamily="49" charset="0"/>
+                <a:cs typeface="Consolas" pitchFamily="49" charset="0"/>
+              </a:rPr>
+              <a:t>           (string=? (first los) "dog")           </a:t>
+            </a:r>
+          </a:p>
+          <a:p>
+            <a:pPr>
+              <a:buNone/>
+            </a:pPr>
+            <a:r>
+              <a:rPr lang="en-US" sz="2000" b="1" dirty="0">
+                <a:latin typeface="Consolas" pitchFamily="49" charset="0"/>
+                <a:cs typeface="Consolas" pitchFamily="49" charset="0"/>
+              </a:rPr>
+              <a:t>           (find-dog (rest los)))]))</a:t>
+            </a:r>
+          </a:p>
+          <a:p>
+            <a:pPr>
+              <a:buNone/>
+            </a:pPr>
+            <a:endParaRPr lang="en-US" sz="2000" b="1" dirty="0">
+              <a:latin typeface="Consolas" pitchFamily="49" charset="0"/>
+              <a:cs typeface="Consolas" pitchFamily="49" charset="0"/>
+            </a:endParaRPr>
+          </a:p>
+          <a:p>
+            <a:pPr>
+              <a:buNone/>
+            </a:pPr>
+            <a:r>
+              <a:rPr lang="en-US" sz="2000" b="1" dirty="0">
+                <a:latin typeface="Consolas" pitchFamily="49" charset="0"/>
+                <a:cs typeface="Consolas" pitchFamily="49" charset="0"/>
+              </a:rPr>
+              <a:t>(check-equal? (find-dog (list "cat" "dog" "weasel")) true)</a:t>
+            </a:r>
+          </a:p>
+          <a:p>
+            <a:pPr>
+              <a:buNone/>
+            </a:pPr>
+            <a:r>
+              <a:rPr lang="en-US" sz="2000" b="1" dirty="0">
+                <a:latin typeface="Consolas" pitchFamily="49" charset="0"/>
+                <a:cs typeface="Consolas" pitchFamily="49" charset="0"/>
+              </a:rPr>
+              <a:t>(check-equal? (find-dog (list "cat" "elephant" "weasel")) false)</a:t>
+            </a:r>
           </a:p>
         </p:txBody>
       </p:sp>
@@ -13826,13 +12936,6 @@
   <p:clrMapOvr>
     <a:masterClrMapping/>
   </p:clrMapOvr>
-  <p:timing>
-    <p:tnLst>
-      <p:par>
-        <p:cTn id="1" dur="indefinite" restart="never" nodeType="tmRoot"/>
-      </p:par>
-    </p:tnLst>
-  </p:timing>
 </p:sld>
 </file>
 
@@ -13869,10 +12972,9 @@
           <a:lstStyle/>
           <a:p>
             <a:r>
-              <a:rPr lang="en-US" dirty="0" smtClean="0"/>
+              <a:rPr lang="en-US" dirty="0"/>
               <a:t>The story continues</a:t>
             </a:r>
-            <a:endParaRPr lang="en-US" dirty="0"/>
           </a:p>
         </p:txBody>
       </p:sp>
@@ -13908,25 +13010,18 @@
               <a:rPr lang="en-US" dirty="0"/>
               <a:t>.  </a:t>
             </a:r>
-            <a:endParaRPr lang="en-US" dirty="0" smtClean="0"/>
-          </a:p>
-          <a:p>
-            <a:r>
-              <a:rPr lang="en-US" dirty="0" smtClean="0"/>
-              <a:t>You </a:t>
-            </a:r>
+          </a:p>
+          <a:p>
             <a:r>
               <a:rPr lang="en-US" dirty="0"/>
-              <a:t>follow the design recipe, write the code, and test it.  </a:t>
-            </a:r>
-            <a:endParaRPr lang="en-US" dirty="0" smtClean="0"/>
-          </a:p>
-          <a:p>
-            <a:r>
-              <a:rPr lang="en-US" dirty="0" smtClean="0"/>
+              <a:t>You follow the design recipe, write the code, and test it.  </a:t>
+            </a:r>
+          </a:p>
+          <a:p>
+            <a:r>
+              <a:rPr lang="en-US" dirty="0"/>
               <a:t>Here’s what you wrote:</a:t>
             </a:r>
-            <a:endParaRPr lang="en-US" dirty="0"/>
           </a:p>
         </p:txBody>
       </p:sp>
@@ -13964,13 +13059,6 @@
   <p:clrMapOvr>
     <a:masterClrMapping/>
   </p:clrMapOvr>
-  <p:timing>
-    <p:tnLst>
-      <p:par>
-        <p:cTn id="1" dur="indefinite" restart="never" nodeType="tmRoot"/>
-      </p:par>
-    </p:tnLst>
-  </p:timing>
 </p:sld>
 </file>
 
